--- a/L2/L2.pptx
+++ b/L2/L2.pptx
@@ -5,7 +5,7 @@
     <p:sldMasterId id="2147483648" r:id="rId1"/>
   </p:sldMasterIdLst>
   <p:notesMasterIdLst>
-    <p:notesMasterId r:id="rId29"/>
+    <p:notesMasterId r:id="rId30"/>
   </p:notesMasterIdLst>
   <p:sldIdLst>
     <p:sldId id="256" r:id="rId2"/>
@@ -35,6 +35,7 @@
     <p:sldId id="288" r:id="rId26"/>
     <p:sldId id="287" r:id="rId27"/>
     <p:sldId id="309" r:id="rId28"/>
+    <p:sldId id="310" r:id="rId29"/>
   </p:sldIdLst>
   <p:sldSz cx="12192000" cy="6858000"/>
   <p:notesSz cx="6858000" cy="9144000"/>
@@ -151,10 +152,6 @@
     </p:extLst>
   </p:cmAuthor>
 </p:cmAuthorLst>
-</file>
-
-<file path=ppt/revisionInfo.xml><?xml version="1.0" encoding="utf-8"?>
-<p1510:revInfo xmlns:a="http://schemas.openxmlformats.org/drawingml/2006/main" xmlns:r="http://schemas.openxmlformats.org/officeDocument/2006/relationships" xmlns:p1510="http://schemas.microsoft.com/office/powerpoint/2015/10/main"/>
 </file>
 
 <file path=ppt/notesMasters/notesMaster1.xml><?xml version="1.0" encoding="utf-8"?>
@@ -7790,7 +7787,7 @@
                 <a16:creationId xmlns:a16="http://schemas.microsoft.com/office/drawing/2014/main" id="{C0B27210-D0CA-4654-B3E3-9ABB4F178EA1}"/>
               </a:ext>
               <a:ext uri="{C183D7F6-B498-43B3-948B-1728B52AA6E4}">
-                <adec:decorative xmlns="" xmlns:adec="http://schemas.microsoft.com/office/drawing/2017/decorative" val="1"/>
+                <adec:decorative xmlns:adec="http://schemas.microsoft.com/office/drawing/2017/decorative" val="1"/>
               </a:ext>
             </a:extLst>
           </p:cNvPr>
@@ -7994,7 +7991,7 @@
                 <a16:creationId xmlns:a16="http://schemas.microsoft.com/office/drawing/2014/main" id="{1DB7C82F-AB7E-4F0C-B829-FA1B9C415180}"/>
               </a:ext>
               <a:ext uri="{C183D7F6-B498-43B3-948B-1728B52AA6E4}">
-                <adec:decorative xmlns="" xmlns:adec="http://schemas.microsoft.com/office/drawing/2017/decorative" val="1"/>
+                <adec:decorative xmlns:adec="http://schemas.microsoft.com/office/drawing/2017/decorative" val="1"/>
               </a:ext>
             </a:extLst>
           </p:cNvPr>
@@ -8161,7 +8158,7 @@
                 <a16:creationId xmlns:a16="http://schemas.microsoft.com/office/drawing/2014/main" id="{70B66945-4967-4040-926D-DCA44313CDAB}"/>
               </a:ext>
               <a:ext uri="{C183D7F6-B498-43B3-948B-1728B52AA6E4}">
-                <adec:decorative xmlns="" xmlns:adec="http://schemas.microsoft.com/office/drawing/2017/decorative" val="1"/>
+                <adec:decorative xmlns:adec="http://schemas.microsoft.com/office/drawing/2017/decorative" val="1"/>
               </a:ext>
             </a:extLst>
           </p:cNvPr>
@@ -9958,7 +9955,7 @@
                 <a16:creationId xmlns:a16="http://schemas.microsoft.com/office/drawing/2014/main" id="{48A740BC-A0AA-45E0-B899-2AE9C6FE11CA}"/>
               </a:ext>
               <a:ext uri="{C183D7F6-B498-43B3-948B-1728B52AA6E4}">
-                <adec:decorative xmlns="" xmlns:adec="http://schemas.microsoft.com/office/drawing/2017/decorative" val="1"/>
+                <adec:decorative xmlns:adec="http://schemas.microsoft.com/office/drawing/2017/decorative" val="1"/>
               </a:ext>
             </a:extLst>
           </p:cNvPr>
@@ -10161,7 +10158,7 @@
                 <a16:creationId xmlns:a16="http://schemas.microsoft.com/office/drawing/2014/main" id="{B874EF51-C858-4BB9-97C3-D17755787127}"/>
               </a:ext>
               <a:ext uri="{C183D7F6-B498-43B3-948B-1728B52AA6E4}">
-                <adec:decorative xmlns="" xmlns:adec="http://schemas.microsoft.com/office/drawing/2017/decorative" val="1"/>
+                <adec:decorative xmlns:adec="http://schemas.microsoft.com/office/drawing/2017/decorative" val="1"/>
               </a:ext>
             </a:extLst>
           </p:cNvPr>
@@ -10355,7 +10352,7 @@
                 <a16:creationId xmlns:a16="http://schemas.microsoft.com/office/drawing/2014/main" id="{99899462-FC16-43B0-966B-FCA263450716}"/>
               </a:ext>
               <a:ext uri="{C183D7F6-B498-43B3-948B-1728B52AA6E4}">
-                <adec:decorative xmlns="" xmlns:adec="http://schemas.microsoft.com/office/drawing/2017/decorative" val="1"/>
+                <adec:decorative xmlns:adec="http://schemas.microsoft.com/office/drawing/2017/decorative" val="1"/>
               </a:ext>
             </a:extLst>
           </p:cNvPr>
@@ -10511,7 +10508,7 @@
                 <a16:creationId xmlns:a16="http://schemas.microsoft.com/office/drawing/2014/main" id="{AAFEA932-2DF1-410C-A00A-7A1E7DBF7511}"/>
               </a:ext>
               <a:ext uri="{C183D7F6-B498-43B3-948B-1728B52AA6E4}">
-                <adec:decorative xmlns="" xmlns:adec="http://schemas.microsoft.com/office/drawing/2017/decorative" val="1"/>
+                <adec:decorative xmlns:adec="http://schemas.microsoft.com/office/drawing/2017/decorative" val="1"/>
               </a:ext>
             </a:extLst>
           </p:cNvPr>
@@ -10857,7 +10854,7 @@
                 <a16:creationId xmlns:a16="http://schemas.microsoft.com/office/drawing/2014/main" id="{EE1FC7B4-E4A7-4452-B413-1A623E3A7230}"/>
               </a:ext>
               <a:ext uri="{C183D7F6-B498-43B3-948B-1728B52AA6E4}">
-                <adec:decorative xmlns="" xmlns:adec="http://schemas.microsoft.com/office/drawing/2017/decorative" val="1"/>
+                <adec:decorative xmlns:adec="http://schemas.microsoft.com/office/drawing/2017/decorative" val="1"/>
               </a:ext>
             </a:extLst>
           </p:cNvPr>
@@ -10951,7 +10948,7 @@
                 <a16:creationId xmlns:a16="http://schemas.microsoft.com/office/drawing/2014/main" id="{E0709AF0-24F0-4486-B189-BE6386BDB198}"/>
               </a:ext>
               <a:ext uri="{C183D7F6-B498-43B3-948B-1728B52AA6E4}">
-                <adec:decorative xmlns="" xmlns:adec="http://schemas.microsoft.com/office/drawing/2017/decorative" val="1"/>
+                <adec:decorative xmlns:adec="http://schemas.microsoft.com/office/drawing/2017/decorative" val="1"/>
               </a:ext>
             </a:extLst>
           </p:cNvPr>
@@ -11088,7 +11085,7 @@
                 <a16:creationId xmlns:a16="http://schemas.microsoft.com/office/drawing/2014/main" id="{FBE3B62F-5853-4A3C-B050-6186351A7176}"/>
               </a:ext>
               <a:ext uri="{C183D7F6-B498-43B3-948B-1728B52AA6E4}">
-                <adec:decorative xmlns="" xmlns:adec="http://schemas.microsoft.com/office/drawing/2017/decorative" val="1"/>
+                <adec:decorative xmlns:adec="http://schemas.microsoft.com/office/drawing/2017/decorative" val="1"/>
               </a:ext>
             </a:extLst>
           </p:cNvPr>
@@ -11443,7 +11440,7 @@
                 <a16:creationId xmlns:a16="http://schemas.microsoft.com/office/drawing/2014/main" id="{EE1FC7B4-E4A7-4452-B413-1A623E3A7230}"/>
               </a:ext>
               <a:ext uri="{C183D7F6-B498-43B3-948B-1728B52AA6E4}">
-                <adec:decorative xmlns="" xmlns:adec="http://schemas.microsoft.com/office/drawing/2017/decorative" val="1"/>
+                <adec:decorative xmlns:adec="http://schemas.microsoft.com/office/drawing/2017/decorative" val="1"/>
               </a:ext>
             </a:extLst>
           </p:cNvPr>
@@ -11537,7 +11534,7 @@
                 <a16:creationId xmlns:a16="http://schemas.microsoft.com/office/drawing/2014/main" id="{E0709AF0-24F0-4486-B189-BE6386BDB198}"/>
               </a:ext>
               <a:ext uri="{C183D7F6-B498-43B3-948B-1728B52AA6E4}">
-                <adec:decorative xmlns="" xmlns:adec="http://schemas.microsoft.com/office/drawing/2017/decorative" val="1"/>
+                <adec:decorative xmlns:adec="http://schemas.microsoft.com/office/drawing/2017/decorative" val="1"/>
               </a:ext>
             </a:extLst>
           </p:cNvPr>
@@ -11674,7 +11671,7 @@
                 <a16:creationId xmlns:a16="http://schemas.microsoft.com/office/drawing/2014/main" id="{FBE3B62F-5853-4A3C-B050-6186351A7176}"/>
               </a:ext>
               <a:ext uri="{C183D7F6-B498-43B3-948B-1728B52AA6E4}">
-                <adec:decorative xmlns="" xmlns:adec="http://schemas.microsoft.com/office/drawing/2017/decorative" val="1"/>
+                <adec:decorative xmlns:adec="http://schemas.microsoft.com/office/drawing/2017/decorative" val="1"/>
               </a:ext>
             </a:extLst>
           </p:cNvPr>
@@ -12811,7 +12808,7 @@
                 <a16:creationId xmlns:a16="http://schemas.microsoft.com/office/drawing/2014/main" id="{EA67B5B4-3A24-436E-B663-1B2EBFF8A0CD}"/>
               </a:ext>
               <a:ext uri="{C183D7F6-B498-43B3-948B-1728B52AA6E4}">
-                <adec:decorative xmlns="" xmlns:adec="http://schemas.microsoft.com/office/drawing/2017/decorative" val="1"/>
+                <adec:decorative xmlns:adec="http://schemas.microsoft.com/office/drawing/2017/decorative" val="1"/>
               </a:ext>
             </a:extLst>
           </p:cNvPr>
@@ -12874,7 +12871,7 @@
                 <a16:creationId xmlns:a16="http://schemas.microsoft.com/office/drawing/2014/main" id="{987FDF89-C993-41F4-A1B8-DBAFF16008A9}"/>
               </a:ext>
               <a:ext uri="{C183D7F6-B498-43B3-948B-1728B52AA6E4}">
-                <adec:decorative xmlns="" xmlns:adec="http://schemas.microsoft.com/office/drawing/2017/decorative" val="1"/>
+                <adec:decorative xmlns:adec="http://schemas.microsoft.com/office/drawing/2017/decorative" val="1"/>
               </a:ext>
             </a:extLst>
           </p:cNvPr>
@@ -12982,7 +12979,7 @@
                 <a16:creationId xmlns:a16="http://schemas.microsoft.com/office/drawing/2014/main" id="{64E585EA-75FD-4025-8270-F66A58A15CDA}"/>
               </a:ext>
               <a:ext uri="{C183D7F6-B498-43B3-948B-1728B52AA6E4}">
-                <adec:decorative xmlns="" xmlns:adec="http://schemas.microsoft.com/office/drawing/2017/decorative" val="1"/>
+                <adec:decorative xmlns:adec="http://schemas.microsoft.com/office/drawing/2017/decorative" val="1"/>
               </a:ext>
             </a:extLst>
           </p:cNvPr>
@@ -15445,7 +15442,7 @@
                 <a16:creationId xmlns:a16="http://schemas.microsoft.com/office/drawing/2014/main" id="{CF62D2A7-8207-488C-9F46-316BA81A16C8}"/>
               </a:ext>
               <a:ext uri="{C183D7F6-B498-43B3-948B-1728B52AA6E4}">
-                <adec:decorative xmlns="" xmlns:adec="http://schemas.microsoft.com/office/drawing/2017/decorative" val="1"/>
+                <adec:decorative xmlns:adec="http://schemas.microsoft.com/office/drawing/2017/decorative" val="1"/>
               </a:ext>
             </a:extLst>
           </p:cNvPr>
@@ -15792,6 +15789,168 @@
 </p:sld>
 </file>
 
+<file path=ppt/slides/slide28.xml><?xml version="1.0" encoding="utf-8"?>
+<p:sld xmlns:a="http://schemas.openxmlformats.org/drawingml/2006/main" xmlns:r="http://schemas.openxmlformats.org/officeDocument/2006/relationships" xmlns:p="http://schemas.openxmlformats.org/presentationml/2006/main">
+  <p:cSld>
+    <p:spTree>
+      <p:nvGrpSpPr>
+        <p:cNvPr id="1" name=""/>
+        <p:cNvGrpSpPr/>
+        <p:nvPr/>
+      </p:nvGrpSpPr>
+      <p:grpSpPr>
+        <a:xfrm>
+          <a:off x="0" y="0"/>
+          <a:ext cx="0" cy="0"/>
+          <a:chOff x="0" y="0"/>
+          <a:chExt cx="0" cy="0"/>
+        </a:xfrm>
+      </p:grpSpPr>
+      <p:sp>
+        <p:nvSpPr>
+          <p:cNvPr id="2" name="标题 1">
+            <a:extLst>
+              <a:ext uri="{FF2B5EF4-FFF2-40B4-BE49-F238E27FC236}">
+                <a16:creationId xmlns:a16="http://schemas.microsoft.com/office/drawing/2014/main" id="{E8847A54-2841-4DF9-BB7E-38FDC81796BC}"/>
+              </a:ext>
+            </a:extLst>
+          </p:cNvPr>
+          <p:cNvSpPr>
+            <a:spLocks noGrp="1"/>
+          </p:cNvSpPr>
+          <p:nvPr>
+            <p:ph type="title"/>
+          </p:nvPr>
+        </p:nvSpPr>
+        <p:spPr/>
+        <p:txBody>
+          <a:bodyPr/>
+          <a:lstStyle/>
+          <a:p>
+            <a:r>
+              <a:rPr lang="en-US" dirty="0"/>
+              <a:t>Group Work</a:t>
+            </a:r>
+          </a:p>
+        </p:txBody>
+      </p:sp>
+      <p:sp>
+        <p:nvSpPr>
+          <p:cNvPr id="3" name="内容占位符 2">
+            <a:extLst>
+              <a:ext uri="{FF2B5EF4-FFF2-40B4-BE49-F238E27FC236}">
+                <a16:creationId xmlns:a16="http://schemas.microsoft.com/office/drawing/2014/main" id="{9CEF265B-E04E-44C3-80E3-2E6D1B621519}"/>
+              </a:ext>
+            </a:extLst>
+          </p:cNvPr>
+          <p:cNvSpPr>
+            <a:spLocks noGrp="1"/>
+          </p:cNvSpPr>
+          <p:nvPr>
+            <p:ph idx="1"/>
+          </p:nvPr>
+        </p:nvSpPr>
+        <p:spPr/>
+        <p:txBody>
+          <a:bodyPr/>
+          <a:lstStyle/>
+          <a:p>
+            <a:r>
+              <a:rPr lang="en-US" dirty="0"/>
+              <a:t>Copy the </a:t>
+            </a:r>
+            <a:r>
+              <a:rPr lang="en-US" i="1" dirty="0"/>
+              <a:t>bootstrap.css </a:t>
+            </a:r>
+            <a:r>
+              <a:rPr lang="en-US" dirty="0"/>
+              <a:t>and </a:t>
+            </a:r>
+            <a:r>
+              <a:rPr lang="en-US" i="1" dirty="0"/>
+              <a:t>bootstrap-grid.css </a:t>
+            </a:r>
+            <a:r>
+              <a:rPr lang="zh-CN" altLang="en-US" i="1" dirty="0"/>
+              <a:t>（</a:t>
+            </a:r>
+            <a:r>
+              <a:rPr lang="en-US" altLang="zh-CN" i="1" dirty="0"/>
+              <a:t>mycss.</a:t>
+            </a:r>
+            <a:r>
+              <a:rPr lang="en-US" altLang="zh-CN" i="1"/>
+              <a:t>css is alternative</a:t>
+            </a:r>
+            <a:r>
+              <a:rPr lang="zh-CN" altLang="en-US" i="1"/>
+              <a:t>）</a:t>
+            </a:r>
+            <a:r>
+              <a:rPr lang="en-US" dirty="0"/>
+              <a:t>to your folder.</a:t>
+            </a:r>
+          </a:p>
+          <a:p>
+            <a:r>
+              <a:rPr lang="en-US" dirty="0"/>
+              <a:t>Add them to your link-stylesheet.</a:t>
+            </a:r>
+          </a:p>
+          <a:p>
+            <a:r>
+              <a:rPr lang="en-US" dirty="0"/>
+              <a:t>Try to use some fancy UI to develop your profile.</a:t>
+            </a:r>
+          </a:p>
+          <a:p>
+            <a:r>
+              <a:rPr lang="en-US" dirty="0"/>
+              <a:t>HOW to use? </a:t>
+            </a:r>
+            <a:r>
+              <a:rPr lang="en-US" dirty="0">
+                <a:hlinkClick r:id="rId2"/>
+              </a:rPr>
+              <a:t>https://v4.bootcss.com/docs/4.0/getting-started/introduction/</a:t>
+            </a:r>
+            <a:endParaRPr lang="en-US" dirty="0"/>
+          </a:p>
+          <a:p>
+            <a:endParaRPr lang="en-US" dirty="0"/>
+          </a:p>
+          <a:p>
+            <a:r>
+              <a:rPr lang="en-US" dirty="0"/>
+              <a:t>Example: </a:t>
+            </a:r>
+            <a:r>
+              <a:rPr lang="en-US" i="1" dirty="0"/>
+              <a:t>bootstrapExample.html</a:t>
+            </a:r>
+          </a:p>
+          <a:p>
+            <a:endParaRPr lang="en-US" dirty="0"/>
+          </a:p>
+          <a:p>
+            <a:endParaRPr lang="en-US" dirty="0"/>
+          </a:p>
+        </p:txBody>
+      </p:sp>
+    </p:spTree>
+    <p:extLst>
+      <p:ext uri="{BB962C8B-B14F-4D97-AF65-F5344CB8AC3E}">
+        <p14:creationId xmlns:p14="http://schemas.microsoft.com/office/powerpoint/2010/main" val="1856758121"/>
+      </p:ext>
+    </p:extLst>
+  </p:cSld>
+  <p:clrMapOvr>
+    <a:masterClrMapping/>
+  </p:clrMapOvr>
+</p:sld>
+</file>
+
 <file path=ppt/slides/slide3.xml><?xml version="1.0" encoding="utf-8"?>
 <p:sld xmlns:a="http://schemas.openxmlformats.org/drawingml/2006/main" xmlns:r="http://schemas.openxmlformats.org/officeDocument/2006/relationships" xmlns:p="http://schemas.openxmlformats.org/presentationml/2006/main">
   <p:cSld>
@@ -15971,7 +16130,7 @@
                 <a16:creationId xmlns:a16="http://schemas.microsoft.com/office/drawing/2014/main" id="{EE1FC7B4-E4A7-4452-B413-1A623E3A7230}"/>
               </a:ext>
               <a:ext uri="{C183D7F6-B498-43B3-948B-1728B52AA6E4}">
-                <adec:decorative xmlns="" xmlns:adec="http://schemas.microsoft.com/office/drawing/2017/decorative" val="1"/>
+                <adec:decorative xmlns:adec="http://schemas.microsoft.com/office/drawing/2017/decorative" val="1"/>
               </a:ext>
             </a:extLst>
           </p:cNvPr>
@@ -16036,7 +16195,7 @@
                 <a16:creationId xmlns:a16="http://schemas.microsoft.com/office/drawing/2014/main" id="{E0709AF0-24F0-4486-B189-BE6386BDB198}"/>
               </a:ext>
               <a:ext uri="{C183D7F6-B498-43B3-948B-1728B52AA6E4}">
-                <adec:decorative xmlns="" xmlns:adec="http://schemas.microsoft.com/office/drawing/2017/decorative" val="1"/>
+                <adec:decorative xmlns:adec="http://schemas.microsoft.com/office/drawing/2017/decorative" val="1"/>
               </a:ext>
             </a:extLst>
           </p:cNvPr>
@@ -16144,7 +16303,7 @@
                 <a16:creationId xmlns:a16="http://schemas.microsoft.com/office/drawing/2014/main" id="{FBE3B62F-5853-4A3C-B050-6186351A7176}"/>
               </a:ext>
               <a:ext uri="{C183D7F6-B498-43B3-948B-1728B52AA6E4}">
-                <adec:decorative xmlns="" xmlns:adec="http://schemas.microsoft.com/office/drawing/2017/decorative" val="1"/>
+                <adec:decorative xmlns:adec="http://schemas.microsoft.com/office/drawing/2017/decorative" val="1"/>
               </a:ext>
             </a:extLst>
           </p:cNvPr>

--- a/L2/L2.pptx
+++ b/L2/L2.pptx
@@ -15852,7 +15852,9 @@
         </p:nvSpPr>
         <p:spPr/>
         <p:txBody>
-          <a:bodyPr/>
+          <a:bodyPr>
+            <a:normAutofit lnSpcReduction="10000"/>
+          </a:bodyPr>
           <a:lstStyle/>
           <a:p>
             <a:r>
@@ -15877,14 +15879,10 @@
             </a:r>
             <a:r>
               <a:rPr lang="en-US" altLang="zh-CN" i="1" dirty="0"/>
-              <a:t>mycss.</a:t>
-            </a:r>
-            <a:r>
-              <a:rPr lang="en-US" altLang="zh-CN" i="1"/>
-              <a:t>css is alternative</a:t>
-            </a:r>
-            <a:r>
-              <a:rPr lang="zh-CN" altLang="en-US" i="1"/>
+              <a:t>mycss.css is alternative</a:t>
+            </a:r>
+            <a:r>
+              <a:rPr lang="zh-CN" altLang="en-US" i="1" dirty="0"/>
               <a:t>）</a:t>
             </a:r>
             <a:r>
@@ -15903,6 +15901,17 @@
               <a:rPr lang="en-US" dirty="0"/>
               <a:t>Try to use some fancy UI to develop your profile.</a:t>
             </a:r>
+          </a:p>
+          <a:p>
+            <a:r>
+              <a:rPr lang="en-US" altLang="zh-CN" dirty="0"/>
+              <a:t>Because we haven’t learnt JavaScript, we may not be able to use the dynamic UI now. But don’t worry, we will cover </a:t>
+            </a:r>
+            <a:r>
+              <a:rPr lang="en-US" altLang="zh-CN"/>
+              <a:t>it very soon!</a:t>
+            </a:r>
+            <a:endParaRPr lang="en-US" dirty="0"/>
           </a:p>
           <a:p>
             <a:r>

--- a/L2/L2.pptx
+++ b/L2/L2.pptx
@@ -5,7 +5,7 @@
     <p:sldMasterId id="2147483648" r:id="rId1"/>
   </p:sldMasterIdLst>
   <p:notesMasterIdLst>
-    <p:notesMasterId r:id="rId30"/>
+    <p:notesMasterId r:id="rId32"/>
   </p:notesMasterIdLst>
   <p:sldIdLst>
     <p:sldId id="256" r:id="rId2"/>
@@ -18,24 +18,26 @@
     <p:sldId id="293" r:id="rId9"/>
     <p:sldId id="294" r:id="rId10"/>
     <p:sldId id="291" r:id="rId11"/>
-    <p:sldId id="282" r:id="rId12"/>
-    <p:sldId id="285" r:id="rId13"/>
-    <p:sldId id="284" r:id="rId14"/>
-    <p:sldId id="283" r:id="rId15"/>
-    <p:sldId id="295" r:id="rId16"/>
-    <p:sldId id="296" r:id="rId17"/>
-    <p:sldId id="305" r:id="rId18"/>
-    <p:sldId id="308" r:id="rId19"/>
-    <p:sldId id="306" r:id="rId20"/>
-    <p:sldId id="301" r:id="rId21"/>
-    <p:sldId id="302" r:id="rId22"/>
-    <p:sldId id="303" r:id="rId23"/>
-    <p:sldId id="304" r:id="rId24"/>
-    <p:sldId id="286" r:id="rId25"/>
-    <p:sldId id="288" r:id="rId26"/>
-    <p:sldId id="287" r:id="rId27"/>
-    <p:sldId id="309" r:id="rId28"/>
-    <p:sldId id="310" r:id="rId29"/>
+    <p:sldId id="310" r:id="rId12"/>
+    <p:sldId id="311" r:id="rId13"/>
+    <p:sldId id="282" r:id="rId14"/>
+    <p:sldId id="285" r:id="rId15"/>
+    <p:sldId id="284" r:id="rId16"/>
+    <p:sldId id="283" r:id="rId17"/>
+    <p:sldId id="295" r:id="rId18"/>
+    <p:sldId id="296" r:id="rId19"/>
+    <p:sldId id="305" r:id="rId20"/>
+    <p:sldId id="308" r:id="rId21"/>
+    <p:sldId id="306" r:id="rId22"/>
+    <p:sldId id="301" r:id="rId23"/>
+    <p:sldId id="302" r:id="rId24"/>
+    <p:sldId id="303" r:id="rId25"/>
+    <p:sldId id="304" r:id="rId26"/>
+    <p:sldId id="286" r:id="rId27"/>
+    <p:sldId id="288" r:id="rId28"/>
+    <p:sldId id="287" r:id="rId29"/>
+    <p:sldId id="309" r:id="rId30"/>
+    <p:sldId id="312" r:id="rId31"/>
   </p:sldIdLst>
   <p:sldSz cx="12192000" cy="6858000"/>
   <p:notesSz cx="6858000" cy="9144000"/>
@@ -152,6 +154,10 @@
     </p:extLst>
   </p:cmAuthor>
 </p:cmAuthorLst>
+</file>
+
+<file path=ppt/revisionInfo.xml><?xml version="1.0" encoding="utf-8"?>
+<p1510:revInfo xmlns:a="http://schemas.openxmlformats.org/drawingml/2006/main" xmlns:r="http://schemas.openxmlformats.org/officeDocument/2006/relationships" xmlns:p1510="http://schemas.microsoft.com/office/powerpoint/2015/10/main"/>
 </file>
 
 <file path=ppt/notesMasters/notesMaster1.xml><?xml version="1.0" encoding="utf-8"?>
@@ -922,7 +928,7 @@
           <a:p>
             <a:fld id="{81836B0C-5CC5-4BEA-B307-26422E26E756}" type="slidenum">
               <a:rPr lang="en-US" smtClean="0"/>
-              <a:t>18</a:t>
+              <a:t>19</a:t>
             </a:fld>
             <a:endParaRPr lang="en-US"/>
           </a:p>
@@ -931,7 +937,7 @@
     </p:spTree>
     <p:extLst>
       <p:ext uri="{BB962C8B-B14F-4D97-AF65-F5344CB8AC3E}">
-        <p14:creationId xmlns:p14="http://schemas.microsoft.com/office/powerpoint/2010/main" val="1074789626"/>
+        <p14:creationId xmlns:p14="http://schemas.microsoft.com/office/powerpoint/2010/main" val="2604838269"/>
       </p:ext>
     </p:extLst>
   </p:cSld>
@@ -1275,7 +1281,7 @@
           <a:p>
             <a:fld id="{81836B0C-5CC5-4BEA-B307-26422E26E756}" type="slidenum">
               <a:rPr lang="en-US" smtClean="0"/>
-              <a:t>19</a:t>
+              <a:t>20</a:t>
             </a:fld>
             <a:endParaRPr lang="en-US"/>
           </a:p>
@@ -1284,7 +1290,7 @@
     </p:spTree>
     <p:extLst>
       <p:ext uri="{BB962C8B-B14F-4D97-AF65-F5344CB8AC3E}">
-        <p14:creationId xmlns:p14="http://schemas.microsoft.com/office/powerpoint/2010/main" val="2125973763"/>
+        <p14:creationId xmlns:p14="http://schemas.microsoft.com/office/powerpoint/2010/main" val="1074789626"/>
       </p:ext>
     </p:extLst>
   </p:cSld>
@@ -1628,7 +1634,7 @@
           <a:p>
             <a:fld id="{81836B0C-5CC5-4BEA-B307-26422E26E756}" type="slidenum">
               <a:rPr lang="en-US" smtClean="0"/>
-              <a:t>20</a:t>
+              <a:t>21</a:t>
             </a:fld>
             <a:endParaRPr lang="en-US"/>
           </a:p>
@@ -1637,7 +1643,7 @@
     </p:spTree>
     <p:extLst>
       <p:ext uri="{BB962C8B-B14F-4D97-AF65-F5344CB8AC3E}">
-        <p14:creationId xmlns:p14="http://schemas.microsoft.com/office/powerpoint/2010/main" val="3498967492"/>
+        <p14:creationId xmlns:p14="http://schemas.microsoft.com/office/powerpoint/2010/main" val="2125973763"/>
       </p:ext>
     </p:extLst>
   </p:cSld>
@@ -1981,7 +1987,7 @@
           <a:p>
             <a:fld id="{81836B0C-5CC5-4BEA-B307-26422E26E756}" type="slidenum">
               <a:rPr lang="en-US" smtClean="0"/>
-              <a:t>21</a:t>
+              <a:t>22</a:t>
             </a:fld>
             <a:endParaRPr lang="en-US"/>
           </a:p>
@@ -1990,7 +1996,7 @@
     </p:spTree>
     <p:extLst>
       <p:ext uri="{BB962C8B-B14F-4D97-AF65-F5344CB8AC3E}">
-        <p14:creationId xmlns:p14="http://schemas.microsoft.com/office/powerpoint/2010/main" val="2563694972"/>
+        <p14:creationId xmlns:p14="http://schemas.microsoft.com/office/powerpoint/2010/main" val="3498967492"/>
       </p:ext>
     </p:extLst>
   </p:cSld>
@@ -2334,7 +2340,7 @@
           <a:p>
             <a:fld id="{81836B0C-5CC5-4BEA-B307-26422E26E756}" type="slidenum">
               <a:rPr lang="en-US" smtClean="0"/>
-              <a:t>22</a:t>
+              <a:t>23</a:t>
             </a:fld>
             <a:endParaRPr lang="en-US"/>
           </a:p>
@@ -2343,7 +2349,7 @@
     </p:spTree>
     <p:extLst>
       <p:ext uri="{BB962C8B-B14F-4D97-AF65-F5344CB8AC3E}">
-        <p14:creationId xmlns:p14="http://schemas.microsoft.com/office/powerpoint/2010/main" val="2730140253"/>
+        <p14:creationId xmlns:p14="http://schemas.microsoft.com/office/powerpoint/2010/main" val="2563694972"/>
       </p:ext>
     </p:extLst>
   </p:cSld>
@@ -2687,7 +2693,7 @@
           <a:p>
             <a:fld id="{81836B0C-5CC5-4BEA-B307-26422E26E756}" type="slidenum">
               <a:rPr lang="en-US" smtClean="0"/>
-              <a:t>23</a:t>
+              <a:t>24</a:t>
             </a:fld>
             <a:endParaRPr lang="en-US"/>
           </a:p>
@@ -2696,7 +2702,7 @@
     </p:spTree>
     <p:extLst>
       <p:ext uri="{BB962C8B-B14F-4D97-AF65-F5344CB8AC3E}">
-        <p14:creationId xmlns:p14="http://schemas.microsoft.com/office/powerpoint/2010/main" val="1620263852"/>
+        <p14:creationId xmlns:p14="http://schemas.microsoft.com/office/powerpoint/2010/main" val="2730140253"/>
       </p:ext>
     </p:extLst>
   </p:cSld>
@@ -2750,7 +2756,276 @@
           <a:bodyPr/>
           <a:lstStyle/>
           <a:p>
-            <a:endParaRPr lang="zh-CN" altLang="en-US" dirty="0"/>
+            <a:r>
+              <a:rPr lang="en-US" altLang="zh-CN" dirty="0"/>
+              <a:t>Rem—</a:t>
+            </a:r>
+            <a:r>
+              <a:rPr lang="zh-CN" altLang="en-US" dirty="0"/>
+              <a:t>相对于根元素</a:t>
+            </a:r>
+            <a:endParaRPr lang="en-US" altLang="zh-CN" dirty="0"/>
+          </a:p>
+          <a:p>
+            <a:r>
+              <a:rPr lang="en-US" altLang="zh-CN" dirty="0" err="1"/>
+              <a:t>Em</a:t>
+            </a:r>
+            <a:r>
+              <a:rPr lang="en-US" altLang="zh-CN" dirty="0"/>
+              <a:t>--</a:t>
+            </a:r>
+            <a:r>
+              <a:rPr lang="zh-CN" altLang="en-US" dirty="0"/>
+              <a:t>相对于父元素</a:t>
+            </a:r>
+            <a:endParaRPr lang="en-US" altLang="zh-CN" dirty="0"/>
+          </a:p>
+          <a:p>
+            <a:r>
+              <a:rPr lang="en-US" altLang="zh-CN" sz="1200" b="0" i="0" kern="1200" dirty="0" err="1">
+                <a:solidFill>
+                  <a:schemeClr val="tx1"/>
+                </a:solidFill>
+                <a:effectLst/>
+                <a:latin typeface="+mn-lt"/>
+                <a:ea typeface="+mn-ea"/>
+                <a:cs typeface="+mn-cs"/>
+              </a:rPr>
+              <a:t>vw</a:t>
+            </a:r>
+            <a:r>
+              <a:rPr lang="zh-CN" altLang="en-US" sz="1200" b="0" i="0" kern="1200" dirty="0">
+                <a:solidFill>
+                  <a:schemeClr val="tx1"/>
+                </a:solidFill>
+                <a:effectLst/>
+                <a:latin typeface="+mn-lt"/>
+                <a:ea typeface="+mn-ea"/>
+                <a:cs typeface="+mn-cs"/>
+              </a:rPr>
+              <a:t>逻辑非常清晰，</a:t>
+            </a:r>
+            <a:r>
+              <a:rPr lang="en-US" altLang="zh-CN" sz="1200" b="0" i="0" kern="1200" dirty="0">
+                <a:solidFill>
+                  <a:schemeClr val="tx1"/>
+                </a:solidFill>
+                <a:effectLst/>
+                <a:latin typeface="+mn-lt"/>
+                <a:ea typeface="+mn-ea"/>
+                <a:cs typeface="+mn-cs"/>
+              </a:rPr>
+              <a:t>"1vw </a:t>
+            </a:r>
+            <a:r>
+              <a:rPr lang="zh-CN" altLang="en-US" sz="1200" b="0" i="0" kern="1200" dirty="0">
+                <a:solidFill>
+                  <a:schemeClr val="tx1"/>
+                </a:solidFill>
+                <a:effectLst/>
+                <a:latin typeface="+mn-lt"/>
+                <a:ea typeface="+mn-ea"/>
+                <a:cs typeface="+mn-cs"/>
+              </a:rPr>
+              <a:t>＝ </a:t>
+            </a:r>
+            <a:r>
+              <a:rPr lang="en-US" altLang="zh-CN" sz="1200" b="0" i="0" kern="1200" dirty="0">
+                <a:solidFill>
+                  <a:schemeClr val="tx1"/>
+                </a:solidFill>
+                <a:effectLst/>
+                <a:latin typeface="+mn-lt"/>
+                <a:ea typeface="+mn-ea"/>
+                <a:cs typeface="+mn-cs"/>
+              </a:rPr>
+              <a:t>1/100th viewport width"</a:t>
+            </a:r>
+            <a:r>
+              <a:rPr lang="zh-CN" altLang="en-US" sz="1200" b="0" i="0" kern="1200" dirty="0">
+                <a:solidFill>
+                  <a:schemeClr val="tx1"/>
+                </a:solidFill>
+                <a:effectLst/>
+                <a:latin typeface="+mn-lt"/>
+                <a:ea typeface="+mn-ea"/>
+                <a:cs typeface="+mn-cs"/>
+              </a:rPr>
+              <a:t>，用</a:t>
+            </a:r>
+            <a:r>
+              <a:rPr lang="en-US" altLang="zh-CN" sz="1200" b="0" i="0" kern="1200" dirty="0">
+                <a:solidFill>
+                  <a:schemeClr val="tx1"/>
+                </a:solidFill>
+                <a:effectLst/>
+                <a:latin typeface="+mn-lt"/>
+                <a:ea typeface="+mn-ea"/>
+                <a:cs typeface="+mn-cs"/>
+              </a:rPr>
+              <a:t>viewport width</a:t>
+            </a:r>
+            <a:r>
+              <a:rPr lang="zh-CN" altLang="en-US" sz="1200" b="0" i="0" kern="1200" dirty="0">
+                <a:solidFill>
+                  <a:schemeClr val="tx1"/>
+                </a:solidFill>
+                <a:effectLst/>
+                <a:latin typeface="+mn-lt"/>
+                <a:ea typeface="+mn-ea"/>
+                <a:cs typeface="+mn-cs"/>
+              </a:rPr>
+              <a:t>的百分比来设置</a:t>
+            </a:r>
+            <a:r>
+              <a:rPr lang="en-US" altLang="zh-CN" sz="1200" b="0" i="0" kern="1200" dirty="0">
+                <a:solidFill>
+                  <a:schemeClr val="tx1"/>
+                </a:solidFill>
+                <a:effectLst/>
+                <a:latin typeface="+mn-lt"/>
+                <a:ea typeface="+mn-ea"/>
+                <a:cs typeface="+mn-cs"/>
+              </a:rPr>
+              <a:t>element width</a:t>
+            </a:r>
+            <a:r>
+              <a:rPr lang="zh-CN" altLang="en-US" sz="1200" b="0" i="0" kern="1200" dirty="0">
+                <a:solidFill>
+                  <a:schemeClr val="tx1"/>
+                </a:solidFill>
+                <a:effectLst/>
+                <a:latin typeface="+mn-lt"/>
+                <a:ea typeface="+mn-ea"/>
+                <a:cs typeface="+mn-cs"/>
+              </a:rPr>
+              <a:t>。</a:t>
+            </a:r>
+            <a:endParaRPr lang="en-US" altLang="zh-CN" sz="1200" b="0" i="0" kern="1200" dirty="0">
+              <a:solidFill>
+                <a:schemeClr val="tx1"/>
+              </a:solidFill>
+              <a:effectLst/>
+              <a:latin typeface="+mn-lt"/>
+              <a:ea typeface="+mn-ea"/>
+              <a:cs typeface="+mn-cs"/>
+            </a:endParaRPr>
+          </a:p>
+          <a:p>
+            <a:r>
+              <a:rPr lang="en-US" altLang="zh-CN" sz="1200" b="0" i="0" kern="1200" dirty="0" err="1">
+                <a:solidFill>
+                  <a:schemeClr val="tx1"/>
+                </a:solidFill>
+                <a:effectLst/>
+                <a:latin typeface="+mn-lt"/>
+                <a:ea typeface="+mn-ea"/>
+                <a:cs typeface="+mn-cs"/>
+              </a:rPr>
+              <a:t>Vh</a:t>
+            </a:r>
+            <a:r>
+              <a:rPr lang="en-US" altLang="zh-CN" sz="1200" b="0" i="0" kern="1200" dirty="0">
+                <a:solidFill>
+                  <a:schemeClr val="tx1"/>
+                </a:solidFill>
+                <a:effectLst/>
+                <a:latin typeface="+mn-lt"/>
+                <a:ea typeface="+mn-ea"/>
+                <a:cs typeface="+mn-cs"/>
+              </a:rPr>
+              <a:t> </a:t>
+            </a:r>
+            <a:r>
+              <a:rPr lang="zh-CN" altLang="en-US" sz="1200" b="0" i="0" kern="1200" dirty="0">
+                <a:solidFill>
+                  <a:schemeClr val="tx1"/>
+                </a:solidFill>
+                <a:effectLst/>
+                <a:latin typeface="+mn-lt"/>
+                <a:ea typeface="+mn-ea"/>
+                <a:cs typeface="+mn-cs"/>
+              </a:rPr>
+              <a:t>视窗高度</a:t>
+            </a:r>
+            <a:r>
+              <a:rPr lang="en-US" altLang="zh-CN" sz="1200" b="0" i="0" kern="1200" dirty="0">
+                <a:solidFill>
+                  <a:schemeClr val="tx1"/>
+                </a:solidFill>
+                <a:effectLst/>
+                <a:latin typeface="+mn-lt"/>
+                <a:ea typeface="+mn-ea"/>
+                <a:cs typeface="+mn-cs"/>
+              </a:rPr>
+              <a:t>1%</a:t>
+            </a:r>
+          </a:p>
+          <a:p>
+            <a:r>
+              <a:rPr lang="zh-CN" altLang="en-US" sz="1200" b="0" i="0" kern="1200" dirty="0">
+                <a:solidFill>
+                  <a:schemeClr val="tx1"/>
+                </a:solidFill>
+                <a:effectLst/>
+                <a:latin typeface="+mn-lt"/>
+                <a:ea typeface="+mn-ea"/>
+                <a:cs typeface="+mn-cs"/>
+              </a:rPr>
+              <a:t>一般默认像素为</a:t>
+            </a:r>
+            <a:r>
+              <a:rPr lang="en-US" altLang="zh-CN" sz="1200" b="0" i="0" kern="1200" dirty="0">
+                <a:solidFill>
+                  <a:schemeClr val="tx1"/>
+                </a:solidFill>
+                <a:effectLst/>
+                <a:latin typeface="+mn-lt"/>
+                <a:ea typeface="+mn-ea"/>
+                <a:cs typeface="+mn-cs"/>
+              </a:rPr>
+              <a:t>16px</a:t>
+            </a:r>
+          </a:p>
+          <a:p>
+            <a:r>
+              <a:rPr lang="en-US" altLang="zh-CN" sz="1200" b="0" i="0" kern="1200" dirty="0">
+                <a:solidFill>
+                  <a:schemeClr val="tx1"/>
+                </a:solidFill>
+                <a:effectLst/>
+                <a:latin typeface="+mn-lt"/>
+                <a:ea typeface="+mn-ea"/>
+                <a:cs typeface="+mn-cs"/>
+              </a:rPr>
+              <a:t>Flex</a:t>
+            </a:r>
+            <a:r>
+              <a:rPr lang="zh-CN" altLang="en-US" sz="1200" b="0" i="0" kern="1200" dirty="0">
+                <a:solidFill>
+                  <a:schemeClr val="tx1"/>
+                </a:solidFill>
+                <a:effectLst/>
+                <a:latin typeface="+mn-lt"/>
+                <a:ea typeface="+mn-ea"/>
+                <a:cs typeface="+mn-cs"/>
+              </a:rPr>
+              <a:t>：</a:t>
+            </a:r>
+            <a:r>
+              <a:rPr lang="en-US" altLang="zh-CN" sz="1200" b="0" i="0" kern="1200" dirty="0">
+                <a:solidFill>
+                  <a:schemeClr val="tx1"/>
+                </a:solidFill>
+                <a:effectLst/>
+                <a:latin typeface="+mn-lt"/>
+                <a:ea typeface="+mn-ea"/>
+                <a:cs typeface="+mn-cs"/>
+              </a:rPr>
+              <a:t>https://www.runoob.com/w3cnote/flex-grammar.html</a:t>
+            </a:r>
+            <a:endParaRPr lang="zh-CN" altLang="en-US" b="0" dirty="0"/>
           </a:p>
         </p:txBody>
       </p:sp>
@@ -2771,7 +3046,7 @@
           <a:p>
             <a:fld id="{81836B0C-5CC5-4BEA-B307-26422E26E756}" type="slidenum">
               <a:rPr lang="en-US" smtClean="0"/>
-              <a:t>24</a:t>
+              <a:t>25</a:t>
             </a:fld>
             <a:endParaRPr lang="en-US"/>
           </a:p>
@@ -2780,7 +3055,7 @@
     </p:spTree>
     <p:extLst>
       <p:ext uri="{BB962C8B-B14F-4D97-AF65-F5344CB8AC3E}">
-        <p14:creationId xmlns:p14="http://schemas.microsoft.com/office/powerpoint/2010/main" val="2731397131"/>
+        <p14:creationId xmlns:p14="http://schemas.microsoft.com/office/powerpoint/2010/main" val="1620263852"/>
       </p:ext>
     </p:extLst>
   </p:cSld>
@@ -2855,7 +3130,7 @@
           <a:p>
             <a:fld id="{81836B0C-5CC5-4BEA-B307-26422E26E756}" type="slidenum">
               <a:rPr lang="en-US" smtClean="0"/>
-              <a:t>25</a:t>
+              <a:t>26</a:t>
             </a:fld>
             <a:endParaRPr lang="en-US"/>
           </a:p>
@@ -2864,7 +3139,7 @@
     </p:spTree>
     <p:extLst>
       <p:ext uri="{BB962C8B-B14F-4D97-AF65-F5344CB8AC3E}">
-        <p14:creationId xmlns:p14="http://schemas.microsoft.com/office/powerpoint/2010/main" val="2302029386"/>
+        <p14:creationId xmlns:p14="http://schemas.microsoft.com/office/powerpoint/2010/main" val="2731397131"/>
       </p:ext>
     </p:extLst>
   </p:cSld>
@@ -2939,7 +3214,7 @@
           <a:p>
             <a:fld id="{81836B0C-5CC5-4BEA-B307-26422E26E756}" type="slidenum">
               <a:rPr lang="en-US" smtClean="0"/>
-              <a:t>26</a:t>
+              <a:t>27</a:t>
             </a:fld>
             <a:endParaRPr lang="en-US"/>
           </a:p>
@@ -2948,7 +3223,7 @@
     </p:spTree>
     <p:extLst>
       <p:ext uri="{BB962C8B-B14F-4D97-AF65-F5344CB8AC3E}">
-        <p14:creationId xmlns:p14="http://schemas.microsoft.com/office/powerpoint/2010/main" val="506998411"/>
+        <p14:creationId xmlns:p14="http://schemas.microsoft.com/office/powerpoint/2010/main" val="2302029386"/>
       </p:ext>
     </p:extLst>
   </p:cSld>
@@ -3002,7 +3277,7 @@
           <a:bodyPr/>
           <a:lstStyle/>
           <a:p>
-            <a:endParaRPr lang="zh-CN" altLang="en-US" b="0" dirty="0"/>
+            <a:endParaRPr lang="zh-CN" altLang="en-US" dirty="0"/>
           </a:p>
         </p:txBody>
       </p:sp>
@@ -3023,7 +3298,7 @@
           <a:p>
             <a:fld id="{81836B0C-5CC5-4BEA-B307-26422E26E756}" type="slidenum">
               <a:rPr lang="en-US" smtClean="0"/>
-              <a:t>27</a:t>
+              <a:t>28</a:t>
             </a:fld>
             <a:endParaRPr lang="en-US"/>
           </a:p>
@@ -3032,7 +3307,7 @@
     </p:spTree>
     <p:extLst>
       <p:ext uri="{BB962C8B-B14F-4D97-AF65-F5344CB8AC3E}">
-        <p14:creationId xmlns:p14="http://schemas.microsoft.com/office/powerpoint/2010/main" val="3694352642"/>
+        <p14:creationId xmlns:p14="http://schemas.microsoft.com/office/powerpoint/2010/main" val="506998411"/>
       </p:ext>
     </p:extLst>
   </p:cSld>
@@ -3117,6 +3392,90 @@
     <p:extLst>
       <p:ext uri="{BB962C8B-B14F-4D97-AF65-F5344CB8AC3E}">
         <p14:creationId xmlns:p14="http://schemas.microsoft.com/office/powerpoint/2010/main" val="1912818843"/>
+      </p:ext>
+    </p:extLst>
+  </p:cSld>
+  <p:clrMapOvr>
+    <a:masterClrMapping/>
+  </p:clrMapOvr>
+</p:notes>
+</file>
+
+<file path=ppt/notesSlides/notesSlide20.xml><?xml version="1.0" encoding="utf-8"?>
+<p:notes xmlns:a="http://schemas.openxmlformats.org/drawingml/2006/main" xmlns:r="http://schemas.openxmlformats.org/officeDocument/2006/relationships" xmlns:p="http://schemas.openxmlformats.org/presentationml/2006/main">
+  <p:cSld>
+    <p:spTree>
+      <p:nvGrpSpPr>
+        <p:cNvPr id="1" name=""/>
+        <p:cNvGrpSpPr/>
+        <p:nvPr/>
+      </p:nvGrpSpPr>
+      <p:grpSpPr>
+        <a:xfrm>
+          <a:off x="0" y="0"/>
+          <a:ext cx="0" cy="0"/>
+          <a:chOff x="0" y="0"/>
+          <a:chExt cx="0" cy="0"/>
+        </a:xfrm>
+      </p:grpSpPr>
+      <p:sp>
+        <p:nvSpPr>
+          <p:cNvPr id="2" name="幻灯片图像占位符 1"/>
+          <p:cNvSpPr>
+            <a:spLocks noGrp="1" noRot="1" noChangeAspect="1"/>
+          </p:cNvSpPr>
+          <p:nvPr>
+            <p:ph type="sldImg"/>
+          </p:nvPr>
+        </p:nvSpPr>
+        <p:spPr/>
+      </p:sp>
+      <p:sp>
+        <p:nvSpPr>
+          <p:cNvPr id="3" name="备注占位符 2"/>
+          <p:cNvSpPr>
+            <a:spLocks noGrp="1"/>
+          </p:cNvSpPr>
+          <p:nvPr>
+            <p:ph type="body" idx="1"/>
+          </p:nvPr>
+        </p:nvSpPr>
+        <p:spPr/>
+        <p:txBody>
+          <a:bodyPr/>
+          <a:lstStyle/>
+          <a:p>
+            <a:endParaRPr lang="zh-CN" altLang="en-US" b="0" dirty="0"/>
+          </a:p>
+        </p:txBody>
+      </p:sp>
+      <p:sp>
+        <p:nvSpPr>
+          <p:cNvPr id="4" name="灯片编号占位符 3"/>
+          <p:cNvSpPr>
+            <a:spLocks noGrp="1"/>
+          </p:cNvSpPr>
+          <p:nvPr>
+            <p:ph type="sldNum" sz="quarter" idx="10"/>
+          </p:nvPr>
+        </p:nvSpPr>
+        <p:spPr/>
+        <p:txBody>
+          <a:bodyPr/>
+          <a:lstStyle/>
+          <a:p>
+            <a:fld id="{81836B0C-5CC5-4BEA-B307-26422E26E756}" type="slidenum">
+              <a:rPr lang="en-US" smtClean="0"/>
+              <a:t>29</a:t>
+            </a:fld>
+            <a:endParaRPr lang="en-US"/>
+          </a:p>
+        </p:txBody>
+      </p:sp>
+    </p:spTree>
+    <p:extLst>
+      <p:ext uri="{BB962C8B-B14F-4D97-AF65-F5344CB8AC3E}">
+        <p14:creationId xmlns:p14="http://schemas.microsoft.com/office/powerpoint/2010/main" val="3694352642"/>
       </p:ext>
     </p:extLst>
   </p:cSld>
@@ -3254,14 +3613,7 @@
           <a:bodyPr/>
           <a:lstStyle/>
           <a:p>
-            <a:r>
-              <a:rPr lang="en-US" altLang="zh-CN" dirty="0"/>
-              <a:t>Selector</a:t>
-            </a:r>
-            <a:r>
-              <a:rPr lang="zh-CN" altLang="en-US" dirty="0"/>
-              <a:t>错误示范</a:t>
-            </a:r>
+            <a:endParaRPr lang="zh-CN" altLang="en-US" dirty="0"/>
           </a:p>
         </p:txBody>
       </p:sp>
@@ -3282,7 +3634,7 @@
           <a:p>
             <a:fld id="{81836B0C-5CC5-4BEA-B307-26422E26E756}" type="slidenum">
               <a:rPr lang="en-US" smtClean="0"/>
-              <a:t>11</a:t>
+              <a:t>12</a:t>
             </a:fld>
             <a:endParaRPr lang="en-US"/>
           </a:p>
@@ -3291,7 +3643,7 @@
     </p:spTree>
     <p:extLst>
       <p:ext uri="{BB962C8B-B14F-4D97-AF65-F5344CB8AC3E}">
-        <p14:creationId xmlns:p14="http://schemas.microsoft.com/office/powerpoint/2010/main" val="1429201089"/>
+        <p14:creationId xmlns:p14="http://schemas.microsoft.com/office/powerpoint/2010/main" val="4217813080"/>
       </p:ext>
     </p:extLst>
   </p:cSld>
@@ -3347,9 +3699,12 @@
           <a:p>
             <a:r>
               <a:rPr lang="en-US" altLang="zh-CN" dirty="0"/>
-              <a:t> </a:t>
-            </a:r>
-            <a:endParaRPr lang="zh-CN" altLang="en-US" dirty="0"/>
+              <a:t>Selector</a:t>
+            </a:r>
+            <a:r>
+              <a:rPr lang="zh-CN" altLang="en-US" dirty="0"/>
+              <a:t>错误示范</a:t>
+            </a:r>
           </a:p>
         </p:txBody>
       </p:sp>
@@ -3370,7 +3725,7 @@
           <a:p>
             <a:fld id="{81836B0C-5CC5-4BEA-B307-26422E26E756}" type="slidenum">
               <a:rPr lang="en-US" smtClean="0"/>
-              <a:t>12</a:t>
+              <a:t>13</a:t>
             </a:fld>
             <a:endParaRPr lang="en-US"/>
           </a:p>
@@ -3379,7 +3734,7 @@
     </p:spTree>
     <p:extLst>
       <p:ext uri="{BB962C8B-B14F-4D97-AF65-F5344CB8AC3E}">
-        <p14:creationId xmlns:p14="http://schemas.microsoft.com/office/powerpoint/2010/main" val="1324291508"/>
+        <p14:creationId xmlns:p14="http://schemas.microsoft.com/office/powerpoint/2010/main" val="1429201089"/>
       </p:ext>
     </p:extLst>
   </p:cSld>
@@ -3458,7 +3813,7 @@
           <a:p>
             <a:fld id="{81836B0C-5CC5-4BEA-B307-26422E26E756}" type="slidenum">
               <a:rPr lang="en-US" smtClean="0"/>
-              <a:t>13</a:t>
+              <a:t>14</a:t>
             </a:fld>
             <a:endParaRPr lang="en-US"/>
           </a:p>
@@ -3467,7 +3822,7 @@
     </p:spTree>
     <p:extLst>
       <p:ext uri="{BB962C8B-B14F-4D97-AF65-F5344CB8AC3E}">
-        <p14:creationId xmlns:p14="http://schemas.microsoft.com/office/powerpoint/2010/main" val="1406719975"/>
+        <p14:creationId xmlns:p14="http://schemas.microsoft.com/office/powerpoint/2010/main" val="1324291508"/>
       </p:ext>
     </p:extLst>
   </p:cSld>
@@ -3523,274 +3878,9 @@
           <a:p>
             <a:r>
               <a:rPr lang="en-US" altLang="zh-CN" dirty="0"/>
-              <a:t>Rem—</a:t>
-            </a:r>
-            <a:r>
-              <a:rPr lang="zh-CN" altLang="en-US" dirty="0"/>
-              <a:t>相对于根元素</a:t>
-            </a:r>
-            <a:endParaRPr lang="en-US" altLang="zh-CN" dirty="0"/>
-          </a:p>
-          <a:p>
-            <a:r>
-              <a:rPr lang="en-US" altLang="zh-CN" dirty="0" err="1"/>
-              <a:t>Em</a:t>
-            </a:r>
-            <a:r>
-              <a:rPr lang="en-US" altLang="zh-CN" dirty="0"/>
-              <a:t>--</a:t>
-            </a:r>
-            <a:r>
-              <a:rPr lang="zh-CN" altLang="en-US" dirty="0"/>
-              <a:t>相对于父元素</a:t>
-            </a:r>
-            <a:endParaRPr lang="en-US" altLang="zh-CN" dirty="0"/>
-          </a:p>
-          <a:p>
-            <a:r>
-              <a:rPr lang="en-US" altLang="zh-CN" sz="1200" b="0" i="0" kern="1200" dirty="0" err="1">
-                <a:solidFill>
-                  <a:schemeClr val="tx1"/>
-                </a:solidFill>
-                <a:effectLst/>
-                <a:latin typeface="+mn-lt"/>
-                <a:ea typeface="+mn-ea"/>
-                <a:cs typeface="+mn-cs"/>
-              </a:rPr>
-              <a:t>vw</a:t>
-            </a:r>
-            <a:r>
-              <a:rPr lang="zh-CN" altLang="en-US" sz="1200" b="0" i="0" kern="1200" dirty="0">
-                <a:solidFill>
-                  <a:schemeClr val="tx1"/>
-                </a:solidFill>
-                <a:effectLst/>
-                <a:latin typeface="+mn-lt"/>
-                <a:ea typeface="+mn-ea"/>
-                <a:cs typeface="+mn-cs"/>
-              </a:rPr>
-              <a:t>逻辑非常清晰，</a:t>
-            </a:r>
-            <a:r>
-              <a:rPr lang="en-US" altLang="zh-CN" sz="1200" b="0" i="0" kern="1200" dirty="0">
-                <a:solidFill>
-                  <a:schemeClr val="tx1"/>
-                </a:solidFill>
-                <a:effectLst/>
-                <a:latin typeface="+mn-lt"/>
-                <a:ea typeface="+mn-ea"/>
-                <a:cs typeface="+mn-cs"/>
-              </a:rPr>
-              <a:t>"1vw </a:t>
-            </a:r>
-            <a:r>
-              <a:rPr lang="zh-CN" altLang="en-US" sz="1200" b="0" i="0" kern="1200" dirty="0">
-                <a:solidFill>
-                  <a:schemeClr val="tx1"/>
-                </a:solidFill>
-                <a:effectLst/>
-                <a:latin typeface="+mn-lt"/>
-                <a:ea typeface="+mn-ea"/>
-                <a:cs typeface="+mn-cs"/>
-              </a:rPr>
-              <a:t>＝ </a:t>
-            </a:r>
-            <a:r>
-              <a:rPr lang="en-US" altLang="zh-CN" sz="1200" b="0" i="0" kern="1200" dirty="0">
-                <a:solidFill>
-                  <a:schemeClr val="tx1"/>
-                </a:solidFill>
-                <a:effectLst/>
-                <a:latin typeface="+mn-lt"/>
-                <a:ea typeface="+mn-ea"/>
-                <a:cs typeface="+mn-cs"/>
-              </a:rPr>
-              <a:t>1/100th viewport width"</a:t>
-            </a:r>
-            <a:r>
-              <a:rPr lang="zh-CN" altLang="en-US" sz="1200" b="0" i="0" kern="1200" dirty="0">
-                <a:solidFill>
-                  <a:schemeClr val="tx1"/>
-                </a:solidFill>
-                <a:effectLst/>
-                <a:latin typeface="+mn-lt"/>
-                <a:ea typeface="+mn-ea"/>
-                <a:cs typeface="+mn-cs"/>
-              </a:rPr>
-              <a:t>，用</a:t>
-            </a:r>
-            <a:r>
-              <a:rPr lang="en-US" altLang="zh-CN" sz="1200" b="0" i="0" kern="1200" dirty="0">
-                <a:solidFill>
-                  <a:schemeClr val="tx1"/>
-                </a:solidFill>
-                <a:effectLst/>
-                <a:latin typeface="+mn-lt"/>
-                <a:ea typeface="+mn-ea"/>
-                <a:cs typeface="+mn-cs"/>
-              </a:rPr>
-              <a:t>viewport width</a:t>
-            </a:r>
-            <a:r>
-              <a:rPr lang="zh-CN" altLang="en-US" sz="1200" b="0" i="0" kern="1200" dirty="0">
-                <a:solidFill>
-                  <a:schemeClr val="tx1"/>
-                </a:solidFill>
-                <a:effectLst/>
-                <a:latin typeface="+mn-lt"/>
-                <a:ea typeface="+mn-ea"/>
-                <a:cs typeface="+mn-cs"/>
-              </a:rPr>
-              <a:t>的百分比来设置</a:t>
-            </a:r>
-            <a:r>
-              <a:rPr lang="en-US" altLang="zh-CN" sz="1200" b="0" i="0" kern="1200" dirty="0">
-                <a:solidFill>
-                  <a:schemeClr val="tx1"/>
-                </a:solidFill>
-                <a:effectLst/>
-                <a:latin typeface="+mn-lt"/>
-                <a:ea typeface="+mn-ea"/>
-                <a:cs typeface="+mn-cs"/>
-              </a:rPr>
-              <a:t>element width</a:t>
-            </a:r>
-            <a:r>
-              <a:rPr lang="zh-CN" altLang="en-US" sz="1200" b="0" i="0" kern="1200" dirty="0">
-                <a:solidFill>
-                  <a:schemeClr val="tx1"/>
-                </a:solidFill>
-                <a:effectLst/>
-                <a:latin typeface="+mn-lt"/>
-                <a:ea typeface="+mn-ea"/>
-                <a:cs typeface="+mn-cs"/>
-              </a:rPr>
-              <a:t>。</a:t>
-            </a:r>
-            <a:endParaRPr lang="en-US" altLang="zh-CN" sz="1200" b="0" i="0" kern="1200" dirty="0">
-              <a:solidFill>
-                <a:schemeClr val="tx1"/>
-              </a:solidFill>
-              <a:effectLst/>
-              <a:latin typeface="+mn-lt"/>
-              <a:ea typeface="+mn-ea"/>
-              <a:cs typeface="+mn-cs"/>
-            </a:endParaRPr>
-          </a:p>
-          <a:p>
-            <a:r>
-              <a:rPr lang="en-US" altLang="zh-CN" sz="1200" b="0" i="0" kern="1200" dirty="0" err="1">
-                <a:solidFill>
-                  <a:schemeClr val="tx1"/>
-                </a:solidFill>
-                <a:effectLst/>
-                <a:latin typeface="+mn-lt"/>
-                <a:ea typeface="+mn-ea"/>
-                <a:cs typeface="+mn-cs"/>
-              </a:rPr>
-              <a:t>Vh</a:t>
-            </a:r>
-            <a:r>
-              <a:rPr lang="en-US" altLang="zh-CN" sz="1200" b="0" i="0" kern="1200" dirty="0">
-                <a:solidFill>
-                  <a:schemeClr val="tx1"/>
-                </a:solidFill>
-                <a:effectLst/>
-                <a:latin typeface="+mn-lt"/>
-                <a:ea typeface="+mn-ea"/>
-                <a:cs typeface="+mn-cs"/>
-              </a:rPr>
               <a:t> </a:t>
             </a:r>
-            <a:r>
-              <a:rPr lang="zh-CN" altLang="en-US" sz="1200" b="0" i="0" kern="1200" dirty="0">
-                <a:solidFill>
-                  <a:schemeClr val="tx1"/>
-                </a:solidFill>
-                <a:effectLst/>
-                <a:latin typeface="+mn-lt"/>
-                <a:ea typeface="+mn-ea"/>
-                <a:cs typeface="+mn-cs"/>
-              </a:rPr>
-              <a:t>视窗高度</a:t>
-            </a:r>
-            <a:r>
-              <a:rPr lang="en-US" altLang="zh-CN" sz="1200" b="0" i="0" kern="1200" dirty="0">
-                <a:solidFill>
-                  <a:schemeClr val="tx1"/>
-                </a:solidFill>
-                <a:effectLst/>
-                <a:latin typeface="+mn-lt"/>
-                <a:ea typeface="+mn-ea"/>
-                <a:cs typeface="+mn-cs"/>
-              </a:rPr>
-              <a:t>1%</a:t>
-            </a:r>
-          </a:p>
-          <a:p>
-            <a:r>
-              <a:rPr lang="zh-CN" altLang="en-US" sz="1200" b="0" i="0" kern="1200" dirty="0">
-                <a:solidFill>
-                  <a:schemeClr val="tx1"/>
-                </a:solidFill>
-                <a:effectLst/>
-                <a:latin typeface="+mn-lt"/>
-                <a:ea typeface="+mn-ea"/>
-                <a:cs typeface="+mn-cs"/>
-              </a:rPr>
-              <a:t>一般默认像素为</a:t>
-            </a:r>
-            <a:r>
-              <a:rPr lang="en-US" altLang="zh-CN" sz="1200" b="0" i="0" kern="1200" dirty="0">
-                <a:solidFill>
-                  <a:schemeClr val="tx1"/>
-                </a:solidFill>
-                <a:effectLst/>
-                <a:latin typeface="+mn-lt"/>
-                <a:ea typeface="+mn-ea"/>
-                <a:cs typeface="+mn-cs"/>
-              </a:rPr>
-              <a:t>16px</a:t>
-            </a:r>
-          </a:p>
-          <a:p>
-            <a:r>
-              <a:rPr lang="en-US" altLang="zh-CN" sz="1200" b="0" i="0" kern="1200" dirty="0">
-                <a:solidFill>
-                  <a:schemeClr val="tx1"/>
-                </a:solidFill>
-                <a:effectLst/>
-                <a:latin typeface="+mn-lt"/>
-                <a:ea typeface="+mn-ea"/>
-                <a:cs typeface="+mn-cs"/>
-              </a:rPr>
-              <a:t>Flex</a:t>
-            </a:r>
-            <a:r>
-              <a:rPr lang="zh-CN" altLang="en-US" sz="1200" b="0" i="0" kern="1200" dirty="0">
-                <a:solidFill>
-                  <a:schemeClr val="tx1"/>
-                </a:solidFill>
-                <a:effectLst/>
-                <a:latin typeface="+mn-lt"/>
-                <a:ea typeface="+mn-ea"/>
-                <a:cs typeface="+mn-cs"/>
-              </a:rPr>
-              <a:t>：</a:t>
-            </a:r>
-            <a:r>
-              <a:rPr lang="en-US" altLang="zh-CN" sz="1200" b="0" i="0" kern="1200" dirty="0">
-                <a:solidFill>
-                  <a:schemeClr val="tx1"/>
-                </a:solidFill>
-                <a:effectLst/>
-                <a:latin typeface="+mn-lt"/>
-                <a:ea typeface="+mn-ea"/>
-                <a:cs typeface="+mn-cs"/>
-              </a:rPr>
-              <a:t>https://www.runoob.com/w3cnote/flex-grammar.html</a:t>
-            </a:r>
-            <a:endParaRPr lang="zh-CN" altLang="en-US" b="0" dirty="0"/>
+            <a:endParaRPr lang="zh-CN" altLang="en-US" dirty="0"/>
           </a:p>
         </p:txBody>
       </p:sp>
@@ -3820,7 +3910,7 @@
     </p:spTree>
     <p:extLst>
       <p:ext uri="{BB962C8B-B14F-4D97-AF65-F5344CB8AC3E}">
-        <p14:creationId xmlns:p14="http://schemas.microsoft.com/office/powerpoint/2010/main" val="1028585175"/>
+        <p14:creationId xmlns:p14="http://schemas.microsoft.com/office/powerpoint/2010/main" val="1406719975"/>
       </p:ext>
     </p:extLst>
   </p:cSld>
@@ -4164,7 +4254,7 @@
           <a:p>
             <a:fld id="{81836B0C-5CC5-4BEA-B307-26422E26E756}" type="slidenum">
               <a:rPr lang="en-US" smtClean="0"/>
-              <a:t>16</a:t>
+              <a:t>17</a:t>
             </a:fld>
             <a:endParaRPr lang="en-US"/>
           </a:p>
@@ -4173,7 +4263,7 @@
     </p:spTree>
     <p:extLst>
       <p:ext uri="{BB962C8B-B14F-4D97-AF65-F5344CB8AC3E}">
-        <p14:creationId xmlns:p14="http://schemas.microsoft.com/office/powerpoint/2010/main" val="2893011287"/>
+        <p14:creationId xmlns:p14="http://schemas.microsoft.com/office/powerpoint/2010/main" val="1028585175"/>
       </p:ext>
     </p:extLst>
   </p:cSld>
@@ -4517,7 +4607,7 @@
           <a:p>
             <a:fld id="{81836B0C-5CC5-4BEA-B307-26422E26E756}" type="slidenum">
               <a:rPr lang="en-US" smtClean="0"/>
-              <a:t>17</a:t>
+              <a:t>18</a:t>
             </a:fld>
             <a:endParaRPr lang="en-US"/>
           </a:p>
@@ -4526,7 +4616,7 @@
     </p:spTree>
     <p:extLst>
       <p:ext uri="{BB962C8B-B14F-4D97-AF65-F5344CB8AC3E}">
-        <p14:creationId xmlns:p14="http://schemas.microsoft.com/office/powerpoint/2010/main" val="2604838269"/>
+        <p14:creationId xmlns:p14="http://schemas.microsoft.com/office/powerpoint/2010/main" val="2893011287"/>
       </p:ext>
     </p:extLst>
   </p:cSld>
@@ -7787,7 +7877,7 @@
                 <a16:creationId xmlns:a16="http://schemas.microsoft.com/office/drawing/2014/main" id="{C0B27210-D0CA-4654-B3E3-9ABB4F178EA1}"/>
               </a:ext>
               <a:ext uri="{C183D7F6-B498-43B3-948B-1728B52AA6E4}">
-                <adec:decorative xmlns:adec="http://schemas.microsoft.com/office/drawing/2017/decorative" val="1"/>
+                <adec:decorative xmlns:adec="http://schemas.microsoft.com/office/drawing/2017/decorative" xmlns="" val="1"/>
               </a:ext>
             </a:extLst>
           </p:cNvPr>
@@ -7991,7 +8081,7 @@
                 <a16:creationId xmlns:a16="http://schemas.microsoft.com/office/drawing/2014/main" id="{1DB7C82F-AB7E-4F0C-B829-FA1B9C415180}"/>
               </a:ext>
               <a:ext uri="{C183D7F6-B498-43B3-948B-1728B52AA6E4}">
-                <adec:decorative xmlns:adec="http://schemas.microsoft.com/office/drawing/2017/decorative" val="1"/>
+                <adec:decorative xmlns:adec="http://schemas.microsoft.com/office/drawing/2017/decorative" xmlns="" val="1"/>
               </a:ext>
             </a:extLst>
           </p:cNvPr>
@@ -8158,7 +8248,7 @@
                 <a16:creationId xmlns:a16="http://schemas.microsoft.com/office/drawing/2014/main" id="{70B66945-4967-4040-926D-DCA44313CDAB}"/>
               </a:ext>
               <a:ext uri="{C183D7F6-B498-43B3-948B-1728B52AA6E4}">
-                <adec:decorative xmlns:adec="http://schemas.microsoft.com/office/drawing/2017/decorative" val="1"/>
+                <adec:decorative xmlns:adec="http://schemas.microsoft.com/office/drawing/2017/decorative" xmlns="" val="1"/>
               </a:ext>
             </a:extLst>
           </p:cNvPr>
@@ -8923,6 +9013,698 @@
           <p:cNvPr id="2" name="标题 1">
             <a:extLst>
               <a:ext uri="{FF2B5EF4-FFF2-40B4-BE49-F238E27FC236}">
+                <a16:creationId xmlns:a16="http://schemas.microsoft.com/office/drawing/2014/main" id="{95822B9A-B2D2-4D1D-B28F-414ED5C2C5A3}"/>
+              </a:ext>
+            </a:extLst>
+          </p:cNvPr>
+          <p:cNvSpPr>
+            <a:spLocks noGrp="1"/>
+          </p:cNvSpPr>
+          <p:nvPr>
+            <p:ph type="title"/>
+          </p:nvPr>
+        </p:nvSpPr>
+        <p:spPr/>
+        <p:txBody>
+          <a:bodyPr/>
+          <a:lstStyle/>
+          <a:p>
+            <a:r>
+              <a:rPr lang="en-US" altLang="zh-CN" dirty="0"/>
+              <a:t>Anchor pseudo classes</a:t>
+            </a:r>
+            <a:endParaRPr lang="zh-CN" altLang="en-US" dirty="0"/>
+          </a:p>
+        </p:txBody>
+      </p:sp>
+      <p:sp>
+        <p:nvSpPr>
+          <p:cNvPr id="3" name="内容占位符 2">
+            <a:extLst>
+              <a:ext uri="{FF2B5EF4-FFF2-40B4-BE49-F238E27FC236}">
+                <a16:creationId xmlns:a16="http://schemas.microsoft.com/office/drawing/2014/main" id="{283B9FFF-F7FC-4A32-9DD3-D0BCA720E04F}"/>
+              </a:ext>
+            </a:extLst>
+          </p:cNvPr>
+          <p:cNvSpPr>
+            <a:spLocks noGrp="1"/>
+          </p:cNvSpPr>
+          <p:nvPr>
+            <p:ph idx="1"/>
+          </p:nvPr>
+        </p:nvSpPr>
+        <p:spPr>
+          <a:xfrm>
+            <a:off x="838200" y="1905576"/>
+            <a:ext cx="6098628" cy="1878148"/>
+          </a:xfrm>
+        </p:spPr>
+        <p:txBody>
+          <a:bodyPr>
+            <a:normAutofit/>
+          </a:bodyPr>
+          <a:lstStyle/>
+          <a:p>
+            <a:r>
+              <a:rPr lang="en-US" altLang="zh-CN" sz="2000" dirty="0"/>
+              <a:t>a:link {color: #FF0000}		/* </a:t>
+            </a:r>
+            <a:r>
+              <a:rPr lang="zh-CN" altLang="en-US" sz="2000" dirty="0"/>
+              <a:t>未访问的链接 *</a:t>
+            </a:r>
+            <a:r>
+              <a:rPr lang="en-US" altLang="zh-CN" sz="2000" dirty="0"/>
+              <a:t>/</a:t>
+            </a:r>
+          </a:p>
+          <a:p>
+            <a:r>
+              <a:rPr lang="en-US" altLang="zh-CN" sz="2000" dirty="0"/>
+              <a:t>a:visited {color: #00FF00}	/* </a:t>
+            </a:r>
+            <a:r>
+              <a:rPr lang="zh-CN" altLang="en-US" sz="2000" dirty="0"/>
+              <a:t>已访问的链接 *</a:t>
+            </a:r>
+            <a:r>
+              <a:rPr lang="en-US" altLang="zh-CN" sz="2000" dirty="0"/>
+              <a:t>/</a:t>
+            </a:r>
+          </a:p>
+          <a:p>
+            <a:r>
+              <a:rPr lang="en-US" altLang="zh-CN" sz="2000" dirty="0"/>
+              <a:t>a:hover {color: #FF00FF}	       /* </a:t>
+            </a:r>
+            <a:r>
+              <a:rPr lang="zh-CN" altLang="en-US" sz="2000" dirty="0"/>
+              <a:t>鼠标移动到链接上 *</a:t>
+            </a:r>
+            <a:r>
+              <a:rPr lang="en-US" altLang="zh-CN" sz="2000" dirty="0"/>
+              <a:t>/</a:t>
+            </a:r>
+          </a:p>
+          <a:p>
+            <a:r>
+              <a:rPr lang="en-US" altLang="zh-CN" sz="2000" dirty="0"/>
+              <a:t>a:active {color: #0000FF}	/* </a:t>
+            </a:r>
+            <a:r>
+              <a:rPr lang="zh-CN" altLang="en-US" sz="2000" dirty="0"/>
+              <a:t>选定的链接 *</a:t>
+            </a:r>
+            <a:r>
+              <a:rPr lang="en-US" altLang="zh-CN" sz="2000" dirty="0"/>
+              <a:t>/</a:t>
+            </a:r>
+          </a:p>
+          <a:p>
+            <a:endParaRPr lang="zh-CN" altLang="en-US" sz="2000" dirty="0"/>
+          </a:p>
+        </p:txBody>
+      </p:sp>
+      <p:sp>
+        <p:nvSpPr>
+          <p:cNvPr id="5" name="文本框 4">
+            <a:extLst>
+              <a:ext uri="{FF2B5EF4-FFF2-40B4-BE49-F238E27FC236}">
+                <a16:creationId xmlns:a16="http://schemas.microsoft.com/office/drawing/2014/main" id="{4E3F3953-DFE0-4FBE-A947-6CEDE86EC508}"/>
+              </a:ext>
+            </a:extLst>
+          </p:cNvPr>
+          <p:cNvSpPr txBox="1"/>
+          <p:nvPr/>
+        </p:nvSpPr>
+        <p:spPr>
+          <a:xfrm>
+            <a:off x="838200" y="3783724"/>
+            <a:ext cx="10353675" cy="1261884"/>
+          </a:xfrm>
+          <a:prstGeom prst="rect">
+            <a:avLst/>
+          </a:prstGeom>
+          <a:noFill/>
+        </p:spPr>
+        <p:txBody>
+          <a:bodyPr wrap="square" rtlCol="0">
+            <a:spAutoFit/>
+          </a:bodyPr>
+          <a:lstStyle/>
+          <a:p>
+            <a:pPr marL="285750" indent="-285750">
+              <a:buFont typeface="Arial" panose="020B0604020202020204" pitchFamily="34" charset="0"/>
+              <a:buChar char="•"/>
+            </a:pPr>
+            <a:r>
+              <a:rPr lang="en-US" altLang="zh-CN" sz="2000" b="1" dirty="0"/>
+              <a:t>transition: </a:t>
+            </a:r>
+            <a:r>
+              <a:rPr lang="zh-CN" altLang="en-US" sz="2000" b="1" dirty="0"/>
+              <a:t>产生动画过渡效果。 </a:t>
+            </a:r>
+            <a:endParaRPr lang="en-US" altLang="zh-CN" sz="2000" b="1" dirty="0"/>
+          </a:p>
+          <a:p>
+            <a:pPr marL="285750" indent="-285750">
+              <a:buFont typeface="Arial" panose="020B0604020202020204" pitchFamily="34" charset="0"/>
+              <a:buChar char="•"/>
+            </a:pPr>
+            <a:r>
+              <a:rPr lang="en-US" altLang="zh-CN" sz="2000" dirty="0"/>
+              <a:t>transition: </a:t>
+            </a:r>
+            <a:r>
+              <a:rPr lang="en-US" altLang="zh-CN" sz="2000" i="1" u="sng" dirty="0"/>
+              <a:t>property</a:t>
+            </a:r>
+            <a:r>
+              <a:rPr lang="en-US" altLang="zh-CN" sz="2000" i="1" dirty="0"/>
+              <a:t> </a:t>
+            </a:r>
+            <a:r>
+              <a:rPr lang="en-US" altLang="zh-CN" sz="2000" i="1" u="sng" dirty="0"/>
+              <a:t>duration(time)</a:t>
+            </a:r>
+            <a:r>
+              <a:rPr lang="en-US" altLang="zh-CN" sz="2000" i="1" dirty="0"/>
+              <a:t> </a:t>
+            </a:r>
+            <a:r>
+              <a:rPr lang="en-US" altLang="zh-CN" sz="2000" i="1" u="sng" dirty="0"/>
+              <a:t>timing-function</a:t>
+            </a:r>
+            <a:r>
+              <a:rPr lang="en-US" altLang="zh-CN" sz="2000" i="1" dirty="0"/>
+              <a:t> </a:t>
+            </a:r>
+            <a:r>
+              <a:rPr lang="en-US" altLang="zh-CN" sz="2000" i="1" u="sng" dirty="0"/>
+              <a:t>delay(time)</a:t>
+            </a:r>
+            <a:r>
+              <a:rPr lang="en-US" altLang="zh-CN" dirty="0"/>
+              <a:t>;</a:t>
+            </a:r>
+          </a:p>
+          <a:p>
+            <a:pPr marL="285750" indent="-285750">
+              <a:buFont typeface="Arial" panose="020B0604020202020204" pitchFamily="34" charset="0"/>
+              <a:buChar char="•"/>
+            </a:pPr>
+            <a:endParaRPr lang="en-US" altLang="zh-CN" dirty="0"/>
+          </a:p>
+          <a:p>
+            <a:endParaRPr lang="zh-CN" altLang="en-US" dirty="0"/>
+          </a:p>
+        </p:txBody>
+      </p:sp>
+    </p:spTree>
+    <p:extLst>
+      <p:ext uri="{BB962C8B-B14F-4D97-AF65-F5344CB8AC3E}">
+        <p14:creationId xmlns:p14="http://schemas.microsoft.com/office/powerpoint/2010/main" val="709455486"/>
+      </p:ext>
+    </p:extLst>
+  </p:cSld>
+  <p:clrMapOvr>
+    <a:masterClrMapping/>
+  </p:clrMapOvr>
+  <p:timing>
+    <p:tnLst>
+      <p:par>
+        <p:cTn id="1" dur="indefinite" restart="never" nodeType="tmRoot">
+          <p:childTnLst>
+            <p:seq concurrent="1" nextAc="seek">
+              <p:cTn id="2" dur="indefinite" nodeType="mainSeq">
+                <p:childTnLst>
+                  <p:par>
+                    <p:cTn id="3" fill="hold">
+                      <p:stCondLst>
+                        <p:cond delay="indefinite"/>
+                      </p:stCondLst>
+                      <p:childTnLst>
+                        <p:par>
+                          <p:cTn id="4" fill="hold">
+                            <p:stCondLst>
+                              <p:cond delay="0"/>
+                            </p:stCondLst>
+                            <p:childTnLst>
+                              <p:par>
+                                <p:cTn id="5" presetID="10" presetClass="entr" presetSubtype="0" fill="hold" grpId="0" nodeType="clickEffect">
+                                  <p:stCondLst>
+                                    <p:cond delay="0"/>
+                                  </p:stCondLst>
+                                  <p:childTnLst>
+                                    <p:set>
+                                      <p:cBhvr>
+                                        <p:cTn id="6" dur="1" fill="hold">
+                                          <p:stCondLst>
+                                            <p:cond delay="0"/>
+                                          </p:stCondLst>
+                                        </p:cTn>
+                                        <p:tgtEl>
+                                          <p:spTgt spid="5"/>
+                                        </p:tgtEl>
+                                        <p:attrNameLst>
+                                          <p:attrName>style.visibility</p:attrName>
+                                        </p:attrNameLst>
+                                      </p:cBhvr>
+                                      <p:to>
+                                        <p:strVal val="visible"/>
+                                      </p:to>
+                                    </p:set>
+                                    <p:animEffect transition="in" filter="fade">
+                                      <p:cBhvr>
+                                        <p:cTn id="7" dur="500"/>
+                                        <p:tgtEl>
+                                          <p:spTgt spid="5"/>
+                                        </p:tgtEl>
+                                      </p:cBhvr>
+                                    </p:animEffect>
+                                  </p:childTnLst>
+                                </p:cTn>
+                              </p:par>
+                            </p:childTnLst>
+                          </p:cTn>
+                        </p:par>
+                      </p:childTnLst>
+                    </p:cTn>
+                  </p:par>
+                </p:childTnLst>
+              </p:cTn>
+              <p:prevCondLst>
+                <p:cond evt="onPrev" delay="0">
+                  <p:tgtEl>
+                    <p:sldTgt/>
+                  </p:tgtEl>
+                </p:cond>
+              </p:prevCondLst>
+              <p:nextCondLst>
+                <p:cond evt="onNext" delay="0">
+                  <p:tgtEl>
+                    <p:sldTgt/>
+                  </p:tgtEl>
+                </p:cond>
+              </p:nextCondLst>
+            </p:seq>
+          </p:childTnLst>
+        </p:cTn>
+      </p:par>
+    </p:tnLst>
+    <p:bldLst>
+      <p:bldP spid="5" grpId="0"/>
+    </p:bldLst>
+  </p:timing>
+</p:sld>
+</file>
+
+<file path=ppt/slides/slide12.xml><?xml version="1.0" encoding="utf-8"?>
+<p:sld xmlns:a="http://schemas.openxmlformats.org/drawingml/2006/main" xmlns:r="http://schemas.openxmlformats.org/officeDocument/2006/relationships" xmlns:p="http://schemas.openxmlformats.org/presentationml/2006/main">
+  <p:cSld>
+    <p:spTree>
+      <p:nvGrpSpPr>
+        <p:cNvPr id="1" name=""/>
+        <p:cNvGrpSpPr/>
+        <p:nvPr/>
+      </p:nvGrpSpPr>
+      <p:grpSpPr>
+        <a:xfrm>
+          <a:off x="0" y="0"/>
+          <a:ext cx="0" cy="0"/>
+          <a:chOff x="0" y="0"/>
+          <a:chExt cx="0" cy="0"/>
+        </a:xfrm>
+      </p:grpSpPr>
+      <p:sp>
+        <p:nvSpPr>
+          <p:cNvPr id="2" name="标题 1">
+            <a:extLst>
+              <a:ext uri="{FF2B5EF4-FFF2-40B4-BE49-F238E27FC236}">
+                <a16:creationId xmlns:a16="http://schemas.microsoft.com/office/drawing/2014/main" id="{95822B9A-B2D2-4D1D-B28F-414ED5C2C5A3}"/>
+              </a:ext>
+            </a:extLst>
+          </p:cNvPr>
+          <p:cNvSpPr>
+            <a:spLocks noGrp="1"/>
+          </p:cNvSpPr>
+          <p:nvPr>
+            <p:ph type="title"/>
+          </p:nvPr>
+        </p:nvSpPr>
+        <p:spPr/>
+        <p:txBody>
+          <a:bodyPr/>
+          <a:lstStyle/>
+          <a:p>
+            <a:r>
+              <a:rPr lang="en-US" altLang="zh-CN" dirty="0"/>
+              <a:t>Anchor pseudo classes</a:t>
+            </a:r>
+            <a:endParaRPr lang="zh-CN" altLang="en-US" dirty="0"/>
+          </a:p>
+        </p:txBody>
+      </p:sp>
+      <p:sp>
+        <p:nvSpPr>
+          <p:cNvPr id="5" name="文本框 4">
+            <a:extLst>
+              <a:ext uri="{FF2B5EF4-FFF2-40B4-BE49-F238E27FC236}">
+                <a16:creationId xmlns:a16="http://schemas.microsoft.com/office/drawing/2014/main" id="{4E3F3953-DFE0-4FBE-A947-6CEDE86EC508}"/>
+              </a:ext>
+            </a:extLst>
+          </p:cNvPr>
+          <p:cNvSpPr txBox="1"/>
+          <p:nvPr/>
+        </p:nvSpPr>
+        <p:spPr>
+          <a:xfrm>
+            <a:off x="838200" y="1859688"/>
+            <a:ext cx="10353675" cy="2215991"/>
+          </a:xfrm>
+          <a:prstGeom prst="rect">
+            <a:avLst/>
+          </a:prstGeom>
+          <a:noFill/>
+        </p:spPr>
+        <p:txBody>
+          <a:bodyPr wrap="square" rtlCol="0">
+            <a:spAutoFit/>
+          </a:bodyPr>
+          <a:lstStyle/>
+          <a:p>
+            <a:pPr marL="285750" indent="-285750">
+              <a:buFont typeface="Arial" panose="020B0604020202020204" pitchFamily="34" charset="0"/>
+              <a:buChar char="•"/>
+            </a:pPr>
+            <a:r>
+              <a:rPr lang="en-US" altLang="zh-CN" sz="2400" b="1" dirty="0"/>
+              <a:t>transition: </a:t>
+            </a:r>
+            <a:r>
+              <a:rPr lang="zh-CN" altLang="en-US" sz="2400" b="1" dirty="0"/>
+              <a:t>产生动画过渡效果</a:t>
+            </a:r>
+            <a:endParaRPr lang="en-US" altLang="zh-CN" sz="2400" b="1" dirty="0"/>
+          </a:p>
+          <a:p>
+            <a:pPr marL="285750" indent="-285750">
+              <a:buFont typeface="Arial" panose="020B0604020202020204" pitchFamily="34" charset="0"/>
+              <a:buChar char="•"/>
+            </a:pPr>
+            <a:r>
+              <a:rPr lang="en-US" altLang="zh-CN" sz="2400" dirty="0"/>
+              <a:t>transition: </a:t>
+            </a:r>
+            <a:r>
+              <a:rPr lang="en-US" altLang="zh-CN" sz="2400" i="1" u="sng" dirty="0"/>
+              <a:t>property</a:t>
+            </a:r>
+            <a:r>
+              <a:rPr lang="en-US" altLang="zh-CN" sz="2400" i="1" dirty="0"/>
+              <a:t> </a:t>
+            </a:r>
+            <a:r>
+              <a:rPr lang="en-US" altLang="zh-CN" sz="2400" i="1" u="sng" dirty="0"/>
+              <a:t>duration(time)</a:t>
+            </a:r>
+            <a:r>
+              <a:rPr lang="en-US" altLang="zh-CN" sz="2400" i="1" dirty="0"/>
+              <a:t> </a:t>
+            </a:r>
+            <a:r>
+              <a:rPr lang="en-US" altLang="zh-CN" sz="2400" i="1" u="sng" dirty="0"/>
+              <a:t>timing-function</a:t>
+            </a:r>
+            <a:r>
+              <a:rPr lang="en-US" altLang="zh-CN" sz="2400" i="1" dirty="0"/>
+              <a:t> </a:t>
+            </a:r>
+            <a:r>
+              <a:rPr lang="en-US" altLang="zh-CN" sz="2400" i="1" u="sng" dirty="0"/>
+              <a:t>delay(time)</a:t>
+            </a:r>
+            <a:r>
+              <a:rPr lang="en-US" altLang="zh-CN" sz="2000" dirty="0"/>
+              <a:t>;</a:t>
+            </a:r>
+          </a:p>
+          <a:p>
+            <a:pPr marL="285750" indent="-285750">
+              <a:buFont typeface="Arial" panose="020B0604020202020204" pitchFamily="34" charset="0"/>
+              <a:buChar char="•"/>
+            </a:pPr>
+            <a:endParaRPr lang="en-US" altLang="zh-CN" dirty="0"/>
+          </a:p>
+          <a:p>
+            <a:pPr marL="285750" indent="-285750">
+              <a:buFont typeface="Arial" panose="020B0604020202020204" pitchFamily="34" charset="0"/>
+              <a:buChar char="•"/>
+            </a:pPr>
+            <a:r>
+              <a:rPr lang="en-US" altLang="zh-CN" dirty="0"/>
+              <a:t>Property</a:t>
+            </a:r>
+            <a:r>
+              <a:rPr lang="zh-CN" altLang="en-US" dirty="0"/>
+              <a:t>：需要过渡的样式属性（支持</a:t>
+            </a:r>
+            <a:r>
+              <a:rPr lang="en-US" altLang="zh-CN" dirty="0"/>
+              <a:t>transition</a:t>
+            </a:r>
+            <a:r>
+              <a:rPr lang="zh-CN" altLang="en-US" dirty="0"/>
+              <a:t>的任意属性）</a:t>
+            </a:r>
+            <a:endParaRPr lang="en-US" altLang="zh-CN" dirty="0"/>
+          </a:p>
+          <a:p>
+            <a:pPr marL="285750" indent="-285750">
+              <a:buFont typeface="Arial" panose="020B0604020202020204" pitchFamily="34" charset="0"/>
+              <a:buChar char="•"/>
+            </a:pPr>
+            <a:r>
+              <a:rPr lang="en-US" altLang="zh-CN" dirty="0"/>
+              <a:t>Duration time</a:t>
+            </a:r>
+            <a:r>
+              <a:rPr lang="zh-CN" altLang="en-US" dirty="0"/>
+              <a:t>：过渡时长</a:t>
+            </a:r>
+            <a:endParaRPr lang="en-US" altLang="zh-CN" dirty="0"/>
+          </a:p>
+          <a:p>
+            <a:pPr marL="285750" indent="-285750">
+              <a:buFont typeface="Arial" panose="020B0604020202020204" pitchFamily="34" charset="0"/>
+              <a:buChar char="•"/>
+            </a:pPr>
+            <a:r>
+              <a:rPr lang="en-US" altLang="zh-CN" dirty="0"/>
+              <a:t>Timing-function</a:t>
+            </a:r>
+            <a:r>
+              <a:rPr lang="zh-CN" altLang="en-US" dirty="0"/>
+              <a:t>：切换效果的速度</a:t>
+            </a:r>
+            <a:endParaRPr lang="en-US" altLang="zh-CN" dirty="0"/>
+          </a:p>
+          <a:p>
+            <a:pPr marL="285750" indent="-285750">
+              <a:buFont typeface="Arial" panose="020B0604020202020204" pitchFamily="34" charset="0"/>
+              <a:buChar char="•"/>
+            </a:pPr>
+            <a:r>
+              <a:rPr lang="en-US" altLang="zh-CN" dirty="0"/>
+              <a:t>Delay time</a:t>
+            </a:r>
+            <a:r>
+              <a:rPr lang="zh-CN" altLang="en-US" dirty="0"/>
+              <a:t>：延时过渡</a:t>
+            </a:r>
+          </a:p>
+        </p:txBody>
+      </p:sp>
+      <p:pic>
+        <p:nvPicPr>
+          <p:cNvPr id="4" name="图片 3">
+            <a:extLst>
+              <a:ext uri="{FF2B5EF4-FFF2-40B4-BE49-F238E27FC236}">
+                <a16:creationId xmlns:a16="http://schemas.microsoft.com/office/drawing/2014/main" id="{242BAF3D-6A6A-4ADD-A0E2-9EF9F61F7A7A}"/>
+              </a:ext>
+            </a:extLst>
+          </p:cNvPr>
+          <p:cNvPicPr>
+            <a:picLocks noChangeAspect="1"/>
+          </p:cNvPicPr>
+          <p:nvPr/>
+        </p:nvPicPr>
+        <p:blipFill>
+          <a:blip r:embed="rId3"/>
+          <a:stretch>
+            <a:fillRect/>
+          </a:stretch>
+        </p:blipFill>
+        <p:spPr>
+          <a:xfrm>
+            <a:off x="4962525" y="3736428"/>
+            <a:ext cx="6229350" cy="2362200"/>
+          </a:xfrm>
+          <a:prstGeom prst="rect">
+            <a:avLst/>
+          </a:prstGeom>
+        </p:spPr>
+      </p:pic>
+      <p:cxnSp>
+        <p:nvCxnSpPr>
+          <p:cNvPr id="9" name="直接箭头连接符 8">
+            <a:extLst>
+              <a:ext uri="{FF2B5EF4-FFF2-40B4-BE49-F238E27FC236}">
+                <a16:creationId xmlns:a16="http://schemas.microsoft.com/office/drawing/2014/main" id="{5F750B41-AD14-4ED6-8A35-30C486C2F1C8}"/>
+              </a:ext>
+            </a:extLst>
+          </p:cNvPr>
+          <p:cNvCxnSpPr/>
+          <p:nvPr/>
+        </p:nvCxnSpPr>
+        <p:spPr>
+          <a:xfrm>
+            <a:off x="4603531" y="3594538"/>
+            <a:ext cx="358994" cy="725214"/>
+          </a:xfrm>
+          <a:prstGeom prst="straightConnector1">
+            <a:avLst/>
+          </a:prstGeom>
+          <a:ln w="57150">
+            <a:tailEnd type="triangle"/>
+          </a:ln>
+        </p:spPr>
+        <p:style>
+          <a:lnRef idx="1">
+            <a:schemeClr val="accent1"/>
+          </a:lnRef>
+          <a:fillRef idx="0">
+            <a:schemeClr val="accent1"/>
+          </a:fillRef>
+          <a:effectRef idx="0">
+            <a:schemeClr val="accent1"/>
+          </a:effectRef>
+          <a:fontRef idx="minor">
+            <a:schemeClr val="tx1"/>
+          </a:fontRef>
+        </p:style>
+      </p:cxnSp>
+      <p:sp>
+        <p:nvSpPr>
+          <p:cNvPr id="10" name="文本框 9">
+            <a:extLst>
+              <a:ext uri="{FF2B5EF4-FFF2-40B4-BE49-F238E27FC236}">
+                <a16:creationId xmlns:a16="http://schemas.microsoft.com/office/drawing/2014/main" id="{A22F9826-F718-4012-B376-0F887E031B63}"/>
+              </a:ext>
+            </a:extLst>
+          </p:cNvPr>
+          <p:cNvSpPr txBox="1"/>
+          <p:nvPr/>
+        </p:nvSpPr>
+        <p:spPr>
+          <a:xfrm>
+            <a:off x="838200" y="4621300"/>
+            <a:ext cx="3603406" cy="1477328"/>
+          </a:xfrm>
+          <a:prstGeom prst="rect">
+            <a:avLst/>
+          </a:prstGeom>
+          <a:noFill/>
+        </p:spPr>
+        <p:txBody>
+          <a:bodyPr wrap="square" rtlCol="0">
+            <a:spAutoFit/>
+          </a:bodyPr>
+          <a:lstStyle/>
+          <a:p>
+            <a:pPr marL="285750" indent="-285750">
+              <a:buFont typeface="Arial" panose="020B0604020202020204" pitchFamily="34" charset="0"/>
+              <a:buChar char="•"/>
+            </a:pPr>
+            <a:r>
+              <a:rPr lang="en-US" altLang="zh-CN" dirty="0"/>
+              <a:t>FYI</a:t>
+            </a:r>
+            <a:r>
+              <a:rPr lang="zh-CN" altLang="en-US" dirty="0"/>
+              <a:t>：</a:t>
+            </a:r>
+            <a:r>
+              <a:rPr lang="en-US" altLang="zh-CN" dirty="0">
+                <a:hlinkClick r:id="rId4"/>
+              </a:rPr>
+              <a:t>http://www.runoob.com/cssref/css3-pr-transition.html</a:t>
+            </a:r>
+            <a:r>
+              <a:rPr lang="en-US" altLang="zh-CN" dirty="0"/>
+              <a:t> </a:t>
+            </a:r>
+            <a:r>
+              <a:rPr lang="zh-CN" altLang="en-US" dirty="0"/>
+              <a:t>基础</a:t>
+            </a:r>
+            <a:r>
+              <a:rPr lang="en-US" altLang="zh-CN" dirty="0"/>
+              <a:t>  </a:t>
+            </a:r>
+            <a:r>
+              <a:rPr lang="en-US" altLang="zh-CN" dirty="0">
+                <a:hlinkClick r:id="rId5"/>
+              </a:rPr>
+              <a:t>https://www.cnblogs.com/cc156676/p/5785112.html</a:t>
+            </a:r>
+            <a:r>
+              <a:rPr lang="en-US" altLang="zh-CN" dirty="0"/>
+              <a:t>  </a:t>
+            </a:r>
+            <a:r>
+              <a:rPr lang="zh-CN" altLang="en-US" dirty="0"/>
+              <a:t>进阶</a:t>
+            </a:r>
+          </a:p>
+        </p:txBody>
+      </p:sp>
+    </p:spTree>
+    <p:extLst>
+      <p:ext uri="{BB962C8B-B14F-4D97-AF65-F5344CB8AC3E}">
+        <p14:creationId xmlns:p14="http://schemas.microsoft.com/office/powerpoint/2010/main" val="3357615738"/>
+      </p:ext>
+    </p:extLst>
+  </p:cSld>
+  <p:clrMapOvr>
+    <a:masterClrMapping/>
+  </p:clrMapOvr>
+</p:sld>
+</file>
+
+<file path=ppt/slides/slide13.xml><?xml version="1.0" encoding="utf-8"?>
+<p:sld xmlns:a="http://schemas.openxmlformats.org/drawingml/2006/main" xmlns:r="http://schemas.openxmlformats.org/officeDocument/2006/relationships" xmlns:p="http://schemas.openxmlformats.org/presentationml/2006/main">
+  <p:cSld>
+    <p:spTree>
+      <p:nvGrpSpPr>
+        <p:cNvPr id="1" name=""/>
+        <p:cNvGrpSpPr/>
+        <p:nvPr/>
+      </p:nvGrpSpPr>
+      <p:grpSpPr>
+        <a:xfrm>
+          <a:off x="0" y="0"/>
+          <a:ext cx="0" cy="0"/>
+          <a:chOff x="0" y="0"/>
+          <a:chExt cx="0" cy="0"/>
+        </a:xfrm>
+      </p:grpSpPr>
+      <p:sp>
+        <p:nvSpPr>
+          <p:cNvPr id="2" name="标题 1">
+            <a:extLst>
+              <a:ext uri="{FF2B5EF4-FFF2-40B4-BE49-F238E27FC236}">
                 <a16:creationId xmlns:a16="http://schemas.microsoft.com/office/drawing/2014/main" id="{3DF5CF46-13F7-48A7-9BB4-32736ADD52A4}"/>
               </a:ext>
             </a:extLst>
@@ -9273,7 +10055,7 @@
 </p:sld>
 </file>
 
-<file path=ppt/slides/slide12.xml><?xml version="1.0" encoding="utf-8"?>
+<file path=ppt/slides/slide14.xml><?xml version="1.0" encoding="utf-8"?>
 <p:sld xmlns:a="http://schemas.openxmlformats.org/drawingml/2006/main" xmlns:r="http://schemas.openxmlformats.org/officeDocument/2006/relationships" xmlns:p="http://schemas.openxmlformats.org/presentationml/2006/main">
   <p:cSld>
     <p:spTree>
@@ -9388,7 +10170,15 @@
             </a:pPr>
             <a:r>
               <a:rPr lang="en-US" altLang="zh-CN" dirty="0"/>
-              <a:t>set h1:</a:t>
+              <a:t>set 1</a:t>
+            </a:r>
+            <a:r>
+              <a:rPr lang="en-US" altLang="zh-CN" baseline="30000" dirty="0"/>
+              <a:t>st</a:t>
+            </a:r>
+            <a:r>
+              <a:rPr lang="en-US" altLang="zh-CN" dirty="0"/>
+              <a:t> paragraph:</a:t>
             </a:r>
           </a:p>
           <a:p>
@@ -9451,7 +10241,7 @@
 </p:sld>
 </file>
 
-<file path=ppt/slides/slide13.xml><?xml version="1.0" encoding="utf-8"?>
+<file path=ppt/slides/slide15.xml><?xml version="1.0" encoding="utf-8"?>
 <p:sld xmlns:a="http://schemas.openxmlformats.org/drawingml/2006/main" xmlns:r="http://schemas.openxmlformats.org/officeDocument/2006/relationships" xmlns:p="http://schemas.openxmlformats.org/presentationml/2006/main">
   <p:cSld>
     <p:spTree>
@@ -9730,7 +10520,7 @@
 </p:sld>
 </file>
 
-<file path=ppt/slides/slide14.xml><?xml version="1.0" encoding="utf-8"?>
+<file path=ppt/slides/slide16.xml><?xml version="1.0" encoding="utf-8"?>
 <p:sld xmlns:a="http://schemas.openxmlformats.org/drawingml/2006/main" xmlns:r="http://schemas.openxmlformats.org/officeDocument/2006/relationships" xmlns:p="http://schemas.openxmlformats.org/presentationml/2006/main">
   <p:cSld>
     <p:spTree>
@@ -9919,7 +10709,7 @@
 </p:sld>
 </file>
 
-<file path=ppt/slides/slide15.xml><?xml version="1.0" encoding="utf-8"?>
+<file path=ppt/slides/slide17.xml><?xml version="1.0" encoding="utf-8"?>
 <p:sld xmlns:a="http://schemas.openxmlformats.org/drawingml/2006/main" xmlns:r="http://schemas.openxmlformats.org/officeDocument/2006/relationships" xmlns:p="http://schemas.openxmlformats.org/presentationml/2006/main">
   <p:cSld>
     <p:bg>
@@ -9955,7 +10745,7 @@
                 <a16:creationId xmlns:a16="http://schemas.microsoft.com/office/drawing/2014/main" id="{48A740BC-A0AA-45E0-B899-2AE9C6FE11CA}"/>
               </a:ext>
               <a:ext uri="{C183D7F6-B498-43B3-948B-1728B52AA6E4}">
-                <adec:decorative xmlns:adec="http://schemas.microsoft.com/office/drawing/2017/decorative" val="1"/>
+                <adec:decorative xmlns:adec="http://schemas.microsoft.com/office/drawing/2017/decorative" xmlns="" val="1"/>
               </a:ext>
             </a:extLst>
           </p:cNvPr>
@@ -10158,7 +10948,7 @@
                 <a16:creationId xmlns:a16="http://schemas.microsoft.com/office/drawing/2014/main" id="{B874EF51-C858-4BB9-97C3-D17755787127}"/>
               </a:ext>
               <a:ext uri="{C183D7F6-B498-43B3-948B-1728B52AA6E4}">
-                <adec:decorative xmlns:adec="http://schemas.microsoft.com/office/drawing/2017/decorative" val="1"/>
+                <adec:decorative xmlns:adec="http://schemas.microsoft.com/office/drawing/2017/decorative" xmlns="" val="1"/>
               </a:ext>
             </a:extLst>
           </p:cNvPr>
@@ -10319,7 +11109,7 @@
 </p:sld>
 </file>
 
-<file path=ppt/slides/slide16.xml><?xml version="1.0" encoding="utf-8"?>
+<file path=ppt/slides/slide18.xml><?xml version="1.0" encoding="utf-8"?>
 <p:sld xmlns:a="http://schemas.openxmlformats.org/drawingml/2006/main" xmlns:r="http://schemas.openxmlformats.org/officeDocument/2006/relationships" xmlns:p="http://schemas.openxmlformats.org/presentationml/2006/main">
   <p:cSld>
     <p:bg>
@@ -10352,7 +11142,7 @@
                 <a16:creationId xmlns:a16="http://schemas.microsoft.com/office/drawing/2014/main" id="{99899462-FC16-43B0-966B-FCA263450716}"/>
               </a:ext>
               <a:ext uri="{C183D7F6-B498-43B3-948B-1728B52AA6E4}">
-                <adec:decorative xmlns:adec="http://schemas.microsoft.com/office/drawing/2017/decorative" val="1"/>
+                <adec:decorative xmlns:adec="http://schemas.microsoft.com/office/drawing/2017/decorative" xmlns="" val="1"/>
               </a:ext>
             </a:extLst>
           </p:cNvPr>
@@ -10508,7 +11298,7 @@
                 <a16:creationId xmlns:a16="http://schemas.microsoft.com/office/drawing/2014/main" id="{AAFEA932-2DF1-410C-A00A-7A1E7DBF7511}"/>
               </a:ext>
               <a:ext uri="{C183D7F6-B498-43B3-948B-1728B52AA6E4}">
-                <adec:decorative xmlns:adec="http://schemas.microsoft.com/office/drawing/2017/decorative" val="1"/>
+                <adec:decorative xmlns:adec="http://schemas.microsoft.com/office/drawing/2017/decorative" xmlns="" val="1"/>
               </a:ext>
             </a:extLst>
           </p:cNvPr>
@@ -10818,7 +11608,7 @@
 </p:sld>
 </file>
 
-<file path=ppt/slides/slide17.xml><?xml version="1.0" encoding="utf-8"?>
+<file path=ppt/slides/slide19.xml><?xml version="1.0" encoding="utf-8"?>
 <p:sld xmlns:a="http://schemas.openxmlformats.org/drawingml/2006/main" xmlns:r="http://schemas.openxmlformats.org/officeDocument/2006/relationships" xmlns:p="http://schemas.openxmlformats.org/presentationml/2006/main">
   <p:cSld>
     <p:bg>
@@ -10854,7 +11644,7 @@
                 <a16:creationId xmlns:a16="http://schemas.microsoft.com/office/drawing/2014/main" id="{EE1FC7B4-E4A7-4452-B413-1A623E3A7230}"/>
               </a:ext>
               <a:ext uri="{C183D7F6-B498-43B3-948B-1728B52AA6E4}">
-                <adec:decorative xmlns:adec="http://schemas.microsoft.com/office/drawing/2017/decorative" val="1"/>
+                <adec:decorative xmlns:adec="http://schemas.microsoft.com/office/drawing/2017/decorative" xmlns="" val="1"/>
               </a:ext>
             </a:extLst>
           </p:cNvPr>
@@ -10948,7 +11738,7 @@
                 <a16:creationId xmlns:a16="http://schemas.microsoft.com/office/drawing/2014/main" id="{E0709AF0-24F0-4486-B189-BE6386BDB198}"/>
               </a:ext>
               <a:ext uri="{C183D7F6-B498-43B3-948B-1728B52AA6E4}">
-                <adec:decorative xmlns:adec="http://schemas.microsoft.com/office/drawing/2017/decorative" val="1"/>
+                <adec:decorative xmlns:adec="http://schemas.microsoft.com/office/drawing/2017/decorative" xmlns="" val="1"/>
               </a:ext>
             </a:extLst>
           </p:cNvPr>
@@ -11085,7 +11875,7 @@
                 <a16:creationId xmlns:a16="http://schemas.microsoft.com/office/drawing/2014/main" id="{FBE3B62F-5853-4A3C-B050-6186351A7176}"/>
               </a:ext>
               <a:ext uri="{C183D7F6-B498-43B3-948B-1728B52AA6E4}">
-                <adec:decorative xmlns:adec="http://schemas.microsoft.com/office/drawing/2017/decorative" val="1"/>
+                <adec:decorative xmlns:adec="http://schemas.microsoft.com/office/drawing/2017/decorative" xmlns="" val="1"/>
               </a:ext>
             </a:extLst>
           </p:cNvPr>
@@ -11404,7 +12194,538 @@
 </p:sld>
 </file>
 
-<file path=ppt/slides/slide18.xml><?xml version="1.0" encoding="utf-8"?>
+<file path=ppt/slides/slide2.xml><?xml version="1.0" encoding="utf-8"?>
+<p:sld xmlns:a="http://schemas.openxmlformats.org/drawingml/2006/main" xmlns:r="http://schemas.openxmlformats.org/officeDocument/2006/relationships" xmlns:p="http://schemas.openxmlformats.org/presentationml/2006/main">
+  <p:cSld>
+    <p:bg>
+      <p:bgPr>
+        <a:solidFill>
+          <a:srgbClr val="404040"/>
+        </a:solidFill>
+        <a:effectLst/>
+      </p:bgPr>
+    </p:bg>
+    <p:spTree>
+      <p:nvGrpSpPr>
+        <p:cNvPr id="1" name=""/>
+        <p:cNvGrpSpPr/>
+        <p:nvPr/>
+      </p:nvGrpSpPr>
+      <p:grpSpPr>
+        <a:xfrm>
+          <a:off x="0" y="0"/>
+          <a:ext cx="0" cy="0"/>
+          <a:chOff x="0" y="0"/>
+          <a:chExt cx="0" cy="0"/>
+        </a:xfrm>
+      </p:grpSpPr>
+      <p:sp>
+        <p:nvSpPr>
+          <p:cNvPr id="15" name="Rectangle 14">
+            <a:extLst>
+              <a:ext uri="{FF2B5EF4-FFF2-40B4-BE49-F238E27FC236}">
+                <a16:creationId xmlns:a16="http://schemas.microsoft.com/office/drawing/2014/main" id="{EA67B5B4-3A24-436E-B663-1B2EBFF8A0CD}"/>
+              </a:ext>
+              <a:ext uri="{C183D7F6-B498-43B3-948B-1728B52AA6E4}">
+                <adec:decorative xmlns:adec="http://schemas.microsoft.com/office/drawing/2017/decorative" xmlns="" val="1"/>
+              </a:ext>
+            </a:extLst>
+          </p:cNvPr>
+          <p:cNvSpPr>
+            <a:spLocks noGrp="1" noRot="1" noChangeAspect="1" noMove="1" noResize="1" noEditPoints="1" noAdjustHandles="1" noChangeArrowheads="1" noChangeShapeType="1" noTextEdit="1"/>
+          </p:cNvSpPr>
+          <p:nvPr>
+            <p:extLst>
+              <p:ext uri="{386F3935-93C4-4BCD-93E2-E3B085C9AB24}">
+                <p16:designElem xmlns:p16="http://schemas.microsoft.com/office/powerpoint/2015/main" val="1"/>
+              </p:ext>
+            </p:extLst>
+          </p:nvPr>
+        </p:nvSpPr>
+        <p:spPr>
+          <a:xfrm>
+            <a:off x="0" y="-3324"/>
+            <a:ext cx="12192000" cy="6861324"/>
+          </a:xfrm>
+          <a:prstGeom prst="rect">
+            <a:avLst/>
+          </a:prstGeom>
+          <a:solidFill>
+            <a:srgbClr val="404040"/>
+          </a:solidFill>
+          <a:ln>
+            <a:noFill/>
+          </a:ln>
+        </p:spPr>
+        <p:style>
+          <a:lnRef idx="2">
+            <a:schemeClr val="accent1">
+              <a:shade val="50000"/>
+            </a:schemeClr>
+          </a:lnRef>
+          <a:fillRef idx="1">
+            <a:schemeClr val="accent1"/>
+          </a:fillRef>
+          <a:effectRef idx="0">
+            <a:schemeClr val="accent1"/>
+          </a:effectRef>
+          <a:fontRef idx="minor">
+            <a:schemeClr val="lt1"/>
+          </a:fontRef>
+        </p:style>
+        <p:txBody>
+          <a:bodyPr rtlCol="0" anchor="ctr"/>
+          <a:lstStyle/>
+          <a:p>
+            <a:pPr algn="ctr"/>
+            <a:endParaRPr lang="en-US"/>
+          </a:p>
+        </p:txBody>
+      </p:sp>
+      <p:sp>
+        <p:nvSpPr>
+          <p:cNvPr id="17" name="Freeform 13">
+            <a:extLst>
+              <a:ext uri="{FF2B5EF4-FFF2-40B4-BE49-F238E27FC236}">
+                <a16:creationId xmlns:a16="http://schemas.microsoft.com/office/drawing/2014/main" id="{987FDF89-C993-41F4-A1B8-DBAFF16008A9}"/>
+              </a:ext>
+              <a:ext uri="{C183D7F6-B498-43B3-948B-1728B52AA6E4}">
+                <adec:decorative xmlns:adec="http://schemas.microsoft.com/office/drawing/2017/decorative" xmlns="" val="1"/>
+              </a:ext>
+            </a:extLst>
+          </p:cNvPr>
+          <p:cNvSpPr>
+            <a:spLocks noGrp="1" noRot="1" noChangeAspect="1" noMove="1" noResize="1" noEditPoints="1" noAdjustHandles="1" noChangeArrowheads="1" noChangeShapeType="1" noTextEdit="1"/>
+          </p:cNvSpPr>
+          <p:nvPr>
+            <p:extLst>
+              <p:ext uri="{386F3935-93C4-4BCD-93E2-E3B085C9AB24}">
+                <p16:designElem xmlns:p16="http://schemas.microsoft.com/office/powerpoint/2015/main" val="1"/>
+              </p:ext>
+            </p:extLst>
+          </p:nvPr>
+        </p:nvSpPr>
+        <p:spPr>
+          <a:xfrm>
+            <a:off x="0" y="0"/>
+            <a:ext cx="11786754" cy="6858000"/>
+          </a:xfrm>
+          <a:custGeom>
+            <a:avLst/>
+            <a:gdLst>
+              <a:gd name="connsiteX0" fmla="*/ 0 w 11786754"/>
+              <a:gd name="connsiteY0" fmla="*/ 0 h 6858000"/>
+              <a:gd name="connsiteX1" fmla="*/ 8610600 w 11786754"/>
+              <a:gd name="connsiteY1" fmla="*/ 0 h 6858000"/>
+              <a:gd name="connsiteX2" fmla="*/ 11786754 w 11786754"/>
+              <a:gd name="connsiteY2" fmla="*/ 6858000 h 6858000"/>
+              <a:gd name="connsiteX3" fmla="*/ 0 w 11786754"/>
+              <a:gd name="connsiteY3" fmla="*/ 6858000 h 6858000"/>
+            </a:gdLst>
+            <a:ahLst/>
+            <a:cxnLst>
+              <a:cxn ang="0">
+                <a:pos x="connsiteX0" y="connsiteY0"/>
+              </a:cxn>
+              <a:cxn ang="0">
+                <a:pos x="connsiteX1" y="connsiteY1"/>
+              </a:cxn>
+              <a:cxn ang="0">
+                <a:pos x="connsiteX2" y="connsiteY2"/>
+              </a:cxn>
+              <a:cxn ang="0">
+                <a:pos x="connsiteX3" y="connsiteY3"/>
+              </a:cxn>
+            </a:cxnLst>
+            <a:rect l="l" t="t" r="r" b="b"/>
+            <a:pathLst>
+              <a:path w="11786754" h="6858000">
+                <a:moveTo>
+                  <a:pt x="0" y="0"/>
+                </a:moveTo>
+                <a:lnTo>
+                  <a:pt x="8610600" y="0"/>
+                </a:lnTo>
+                <a:lnTo>
+                  <a:pt x="11786754" y="6858000"/>
+                </a:lnTo>
+                <a:lnTo>
+                  <a:pt x="0" y="6858000"/>
+                </a:lnTo>
+                <a:close/>
+              </a:path>
+            </a:pathLst>
+          </a:custGeom>
+          <a:solidFill>
+            <a:srgbClr val="000000">
+              <a:alpha val="29804"/>
+            </a:srgbClr>
+          </a:solidFill>
+          <a:ln>
+            <a:noFill/>
+          </a:ln>
+        </p:spPr>
+        <p:style>
+          <a:lnRef idx="2">
+            <a:schemeClr val="accent1">
+              <a:shade val="50000"/>
+            </a:schemeClr>
+          </a:lnRef>
+          <a:fillRef idx="1">
+            <a:schemeClr val="accent1"/>
+          </a:fillRef>
+          <a:effectRef idx="0">
+            <a:schemeClr val="accent1"/>
+          </a:effectRef>
+          <a:fontRef idx="minor">
+            <a:schemeClr val="lt1"/>
+          </a:fontRef>
+        </p:style>
+        <p:txBody>
+          <a:bodyPr rtlCol="0" anchor="ctr"/>
+          <a:lstStyle/>
+          <a:p>
+            <a:pPr algn="ctr"/>
+            <a:endParaRPr lang="en-US"/>
+          </a:p>
+        </p:txBody>
+      </p:sp>
+      <p:sp>
+        <p:nvSpPr>
+          <p:cNvPr id="19" name="Freeform 11">
+            <a:extLst>
+              <a:ext uri="{FF2B5EF4-FFF2-40B4-BE49-F238E27FC236}">
+                <a16:creationId xmlns:a16="http://schemas.microsoft.com/office/drawing/2014/main" id="{64E585EA-75FD-4025-8270-F66A58A15CDA}"/>
+              </a:ext>
+              <a:ext uri="{C183D7F6-B498-43B3-948B-1728B52AA6E4}">
+                <adec:decorative xmlns:adec="http://schemas.microsoft.com/office/drawing/2017/decorative" xmlns="" val="1"/>
+              </a:ext>
+            </a:extLst>
+          </p:cNvPr>
+          <p:cNvSpPr>
+            <a:spLocks noGrp="1" noRot="1" noChangeAspect="1" noMove="1" noResize="1" noEditPoints="1" noAdjustHandles="1" noChangeArrowheads="1" noChangeShapeType="1" noTextEdit="1"/>
+          </p:cNvSpPr>
+          <p:nvPr>
+            <p:extLst>
+              <p:ext uri="{386F3935-93C4-4BCD-93E2-E3B085C9AB24}">
+                <p16:designElem xmlns:p16="http://schemas.microsoft.com/office/powerpoint/2015/main" val="1"/>
+              </p:ext>
+            </p:extLst>
+          </p:nvPr>
+        </p:nvSpPr>
+        <p:spPr>
+          <a:xfrm>
+            <a:off x="0" y="0"/>
+            <a:ext cx="3581400" cy="6858000"/>
+          </a:xfrm>
+          <a:custGeom>
+            <a:avLst/>
+            <a:gdLst>
+              <a:gd name="connsiteX0" fmla="*/ 0 w 3581400"/>
+              <a:gd name="connsiteY0" fmla="*/ 0 h 6858000"/>
+              <a:gd name="connsiteX1" fmla="*/ 405246 w 3581400"/>
+              <a:gd name="connsiteY1" fmla="*/ 0 h 6858000"/>
+              <a:gd name="connsiteX2" fmla="*/ 3581400 w 3581400"/>
+              <a:gd name="connsiteY2" fmla="*/ 6858000 h 6858000"/>
+              <a:gd name="connsiteX3" fmla="*/ 0 w 3581400"/>
+              <a:gd name="connsiteY3" fmla="*/ 6858000 h 6858000"/>
+            </a:gdLst>
+            <a:ahLst/>
+            <a:cxnLst>
+              <a:cxn ang="0">
+                <a:pos x="connsiteX0" y="connsiteY0"/>
+              </a:cxn>
+              <a:cxn ang="0">
+                <a:pos x="connsiteX1" y="connsiteY1"/>
+              </a:cxn>
+              <a:cxn ang="0">
+                <a:pos x="connsiteX2" y="connsiteY2"/>
+              </a:cxn>
+              <a:cxn ang="0">
+                <a:pos x="connsiteX3" y="connsiteY3"/>
+              </a:cxn>
+            </a:cxnLst>
+            <a:rect l="l" t="t" r="r" b="b"/>
+            <a:pathLst>
+              <a:path w="3581400" h="6858000">
+                <a:moveTo>
+                  <a:pt x="0" y="0"/>
+                </a:moveTo>
+                <a:lnTo>
+                  <a:pt x="405246" y="0"/>
+                </a:lnTo>
+                <a:lnTo>
+                  <a:pt x="3581400" y="6858000"/>
+                </a:lnTo>
+                <a:lnTo>
+                  <a:pt x="0" y="6858000"/>
+                </a:lnTo>
+                <a:close/>
+              </a:path>
+            </a:pathLst>
+          </a:custGeom>
+          <a:solidFill>
+            <a:srgbClr val="000000">
+              <a:alpha val="29804"/>
+            </a:srgbClr>
+          </a:solidFill>
+          <a:ln>
+            <a:noFill/>
+          </a:ln>
+        </p:spPr>
+        <p:style>
+          <a:lnRef idx="2">
+            <a:schemeClr val="accent1">
+              <a:shade val="50000"/>
+            </a:schemeClr>
+          </a:lnRef>
+          <a:fillRef idx="1">
+            <a:schemeClr val="accent1"/>
+          </a:fillRef>
+          <a:effectRef idx="0">
+            <a:schemeClr val="accent1"/>
+          </a:effectRef>
+          <a:fontRef idx="minor">
+            <a:schemeClr val="lt1"/>
+          </a:fontRef>
+        </p:style>
+        <p:txBody>
+          <a:bodyPr wrap="square" rtlCol="0" anchor="ctr">
+            <a:noAutofit/>
+          </a:bodyPr>
+          <a:lstStyle/>
+          <a:p>
+            <a:pPr algn="ctr"/>
+            <a:endParaRPr lang="en-US"/>
+          </a:p>
+        </p:txBody>
+      </p:sp>
+      <p:sp>
+        <p:nvSpPr>
+          <p:cNvPr id="2" name="标题 1">
+            <a:extLst>
+              <a:ext uri="{FF2B5EF4-FFF2-40B4-BE49-F238E27FC236}">
+                <a16:creationId xmlns:a16="http://schemas.microsoft.com/office/drawing/2014/main" id="{DEC5B95C-6A05-4345-8CC8-E74A521FC604}"/>
+              </a:ext>
+            </a:extLst>
+          </p:cNvPr>
+          <p:cNvSpPr>
+            <a:spLocks noGrp="1"/>
+          </p:cNvSpPr>
+          <p:nvPr>
+            <p:ph type="title"/>
+          </p:nvPr>
+        </p:nvSpPr>
+        <p:spPr>
+          <a:xfrm>
+            <a:off x="833002" y="365125"/>
+            <a:ext cx="10520702" cy="1325563"/>
+          </a:xfrm>
+        </p:spPr>
+        <p:txBody>
+          <a:bodyPr>
+            <a:normAutofit/>
+          </a:bodyPr>
+          <a:lstStyle/>
+          <a:p>
+            <a:r>
+              <a:rPr lang="en-US">
+                <a:solidFill>
+                  <a:srgbClr val="FFFFFF"/>
+                </a:solidFill>
+              </a:rPr>
+              <a:t>Course Outline</a:t>
+            </a:r>
+          </a:p>
+        </p:txBody>
+      </p:sp>
+      <p:sp>
+        <p:nvSpPr>
+          <p:cNvPr id="3" name="内容占位符 2">
+            <a:extLst>
+              <a:ext uri="{FF2B5EF4-FFF2-40B4-BE49-F238E27FC236}">
+                <a16:creationId xmlns:a16="http://schemas.microsoft.com/office/drawing/2014/main" id="{5E06A09B-62F5-4F4D-8481-F248ABA010A7}"/>
+              </a:ext>
+            </a:extLst>
+          </p:cNvPr>
+          <p:cNvSpPr>
+            <a:spLocks noGrp="1"/>
+          </p:cNvSpPr>
+          <p:nvPr>
+            <p:ph idx="1"/>
+          </p:nvPr>
+        </p:nvSpPr>
+        <p:spPr>
+          <a:xfrm>
+            <a:off x="833002" y="1894014"/>
+            <a:ext cx="10515598" cy="4470274"/>
+          </a:xfrm>
+        </p:spPr>
+        <p:txBody>
+          <a:bodyPr>
+            <a:normAutofit lnSpcReduction="10000"/>
+          </a:bodyPr>
+          <a:lstStyle/>
+          <a:p>
+            <a:r>
+              <a:rPr lang="en-US" sz="2000" dirty="0">
+                <a:solidFill>
+                  <a:srgbClr val="FFFFFF"/>
+                </a:solidFill>
+              </a:rPr>
+              <a:t>1. Introduction to HTML5 and styling skills </a:t>
+            </a:r>
+          </a:p>
+          <a:p>
+            <a:r>
+              <a:rPr lang="en-US" sz="2000" b="1" dirty="0">
+                <a:effectLst>
+                  <a:outerShdw blurRad="38100" dist="38100" dir="2700000" algn="tl">
+                    <a:srgbClr val="000000">
+                      <a:alpha val="43137"/>
+                    </a:srgbClr>
+                  </a:outerShdw>
+                </a:effectLst>
+                <a:highlight>
+                  <a:srgbClr val="FF0000"/>
+                </a:highlight>
+              </a:rPr>
+              <a:t>2. CSS3 and basic UI design</a:t>
+            </a:r>
+          </a:p>
+          <a:p>
+            <a:r>
+              <a:rPr lang="en-US" sz="2000" dirty="0">
+                <a:solidFill>
+                  <a:srgbClr val="FFFFFF"/>
+                </a:solidFill>
+              </a:rPr>
+              <a:t>3. CDN, using libraries (Bootstrap), JavaScript Level 1</a:t>
+            </a:r>
+          </a:p>
+          <a:p>
+            <a:r>
+              <a:rPr lang="en-US" sz="2000" dirty="0">
+                <a:solidFill>
+                  <a:srgbClr val="FFFFFF"/>
+                </a:solidFill>
+              </a:rPr>
+              <a:t>4. JavaScript Level 2</a:t>
+            </a:r>
+          </a:p>
+          <a:p>
+            <a:r>
+              <a:rPr lang="en-US" sz="2000" dirty="0">
+                <a:solidFill>
+                  <a:srgbClr val="FFFFFF"/>
+                </a:solidFill>
+              </a:rPr>
+              <a:t>5. DOM and JavaScript Level 3</a:t>
+            </a:r>
+          </a:p>
+          <a:p>
+            <a:r>
+              <a:rPr lang="en-US" sz="2000" dirty="0">
+                <a:solidFill>
+                  <a:srgbClr val="FFFFFF"/>
+                </a:solidFill>
+              </a:rPr>
+              <a:t>6. Introduction to React</a:t>
+            </a:r>
+          </a:p>
+          <a:p>
+            <a:r>
+              <a:rPr lang="en-US" sz="2000" dirty="0">
+                <a:solidFill>
+                  <a:srgbClr val="FFFFFF"/>
+                </a:solidFill>
+              </a:rPr>
+              <a:t>7. React Level 1</a:t>
+            </a:r>
+          </a:p>
+          <a:p>
+            <a:r>
+              <a:rPr lang="en-US" sz="2000" dirty="0">
+                <a:solidFill>
+                  <a:srgbClr val="FFFFFF"/>
+                </a:solidFill>
+              </a:rPr>
+              <a:t>8. React Level 2</a:t>
+            </a:r>
+          </a:p>
+          <a:p>
+            <a:r>
+              <a:rPr lang="en-US" sz="2000" dirty="0">
+                <a:solidFill>
+                  <a:srgbClr val="FFFFFF"/>
+                </a:solidFill>
+              </a:rPr>
+              <a:t>9. React Level 3</a:t>
+            </a:r>
+          </a:p>
+          <a:p>
+            <a:r>
+              <a:rPr lang="en-US" sz="2000" dirty="0">
+                <a:solidFill>
+                  <a:srgbClr val="FFFFFF"/>
+                </a:solidFill>
+              </a:rPr>
+              <a:t>10. React UI Examples</a:t>
+            </a:r>
+          </a:p>
+          <a:p>
+            <a:r>
+              <a:rPr lang="en-US" sz="2000" dirty="0">
+                <a:solidFill>
+                  <a:srgbClr val="FFFFFF"/>
+                </a:solidFill>
+              </a:rPr>
+              <a:t>11. Conclusion and further study </a:t>
+            </a:r>
+            <a:r>
+              <a:rPr lang="zh-CN" altLang="en-US" dirty="0">
+                <a:solidFill>
+                  <a:srgbClr val="FFC000"/>
+                </a:solidFill>
+                <a:effectLst>
+                  <a:outerShdw blurRad="38100" dist="38100" dir="2700000" algn="tl">
+                    <a:srgbClr val="000000">
+                      <a:alpha val="43137"/>
+                    </a:srgbClr>
+                  </a:outerShdw>
+                </a:effectLst>
+              </a:rPr>
+              <a:t>😀</a:t>
+            </a:r>
+            <a:endParaRPr lang="en-US" sz="2000" dirty="0">
+              <a:solidFill>
+                <a:srgbClr val="FFC000"/>
+              </a:solidFill>
+              <a:effectLst>
+                <a:outerShdw blurRad="38100" dist="38100" dir="2700000" algn="tl">
+                  <a:srgbClr val="000000">
+                    <a:alpha val="43137"/>
+                  </a:srgbClr>
+                </a:outerShdw>
+              </a:effectLst>
+            </a:endParaRPr>
+          </a:p>
+        </p:txBody>
+      </p:sp>
+    </p:spTree>
+    <p:extLst>
+      <p:ext uri="{BB962C8B-B14F-4D97-AF65-F5344CB8AC3E}">
+        <p14:creationId xmlns:p14="http://schemas.microsoft.com/office/powerpoint/2010/main" val="4079023699"/>
+      </p:ext>
+    </p:extLst>
+  </p:cSld>
+  <p:clrMapOvr>
+    <a:overrideClrMapping bg1="dk1" tx1="lt1" bg2="dk2" tx2="lt2" accent1="accent1" accent2="accent2" accent3="accent3" accent4="accent4" accent5="accent5" accent6="accent6" hlink="hlink" folHlink="folHlink"/>
+  </p:clrMapOvr>
+</p:sld>
+</file>
+
+<file path=ppt/slides/slide20.xml><?xml version="1.0" encoding="utf-8"?>
 <p:sld xmlns:a="http://schemas.openxmlformats.org/drawingml/2006/main" xmlns:r="http://schemas.openxmlformats.org/officeDocument/2006/relationships" xmlns:p="http://schemas.openxmlformats.org/presentationml/2006/main">
   <p:cSld>
     <p:bg>
@@ -11440,7 +12761,7 @@
                 <a16:creationId xmlns:a16="http://schemas.microsoft.com/office/drawing/2014/main" id="{EE1FC7B4-E4A7-4452-B413-1A623E3A7230}"/>
               </a:ext>
               <a:ext uri="{C183D7F6-B498-43B3-948B-1728B52AA6E4}">
-                <adec:decorative xmlns:adec="http://schemas.microsoft.com/office/drawing/2017/decorative" val="1"/>
+                <adec:decorative xmlns:adec="http://schemas.microsoft.com/office/drawing/2017/decorative" xmlns="" val="1"/>
               </a:ext>
             </a:extLst>
           </p:cNvPr>
@@ -11534,7 +12855,7 @@
                 <a16:creationId xmlns:a16="http://schemas.microsoft.com/office/drawing/2014/main" id="{E0709AF0-24F0-4486-B189-BE6386BDB198}"/>
               </a:ext>
               <a:ext uri="{C183D7F6-B498-43B3-948B-1728B52AA6E4}">
-                <adec:decorative xmlns:adec="http://schemas.microsoft.com/office/drawing/2017/decorative" val="1"/>
+                <adec:decorative xmlns:adec="http://schemas.microsoft.com/office/drawing/2017/decorative" xmlns="" val="1"/>
               </a:ext>
             </a:extLst>
           </p:cNvPr>
@@ -11671,7 +12992,7 @@
                 <a16:creationId xmlns:a16="http://schemas.microsoft.com/office/drawing/2014/main" id="{FBE3B62F-5853-4A3C-B050-6186351A7176}"/>
               </a:ext>
               <a:ext uri="{C183D7F6-B498-43B3-948B-1728B52AA6E4}">
-                <adec:decorative xmlns:adec="http://schemas.microsoft.com/office/drawing/2017/decorative" val="1"/>
+                <adec:decorative xmlns:adec="http://schemas.microsoft.com/office/drawing/2017/decorative" xmlns="" val="1"/>
               </a:ext>
             </a:extLst>
           </p:cNvPr>
@@ -12379,7 +13700,7 @@
 </p:sld>
 </file>
 
-<file path=ppt/slides/slide19.xml><?xml version="1.0" encoding="utf-8"?>
+<file path=ppt/slides/slide21.xml><?xml version="1.0" encoding="utf-8"?>
 <p:sld xmlns:a="http://schemas.openxmlformats.org/drawingml/2006/main" xmlns:r="http://schemas.openxmlformats.org/officeDocument/2006/relationships" xmlns:p="http://schemas.openxmlformats.org/presentationml/2006/main">
   <p:cSld>
     <p:spTree>
@@ -12775,538 +14096,7 @@
 </p:sld>
 </file>
 
-<file path=ppt/slides/slide2.xml><?xml version="1.0" encoding="utf-8"?>
-<p:sld xmlns:a="http://schemas.openxmlformats.org/drawingml/2006/main" xmlns:r="http://schemas.openxmlformats.org/officeDocument/2006/relationships" xmlns:p="http://schemas.openxmlformats.org/presentationml/2006/main">
-  <p:cSld>
-    <p:bg>
-      <p:bgPr>
-        <a:solidFill>
-          <a:srgbClr val="404040"/>
-        </a:solidFill>
-        <a:effectLst/>
-      </p:bgPr>
-    </p:bg>
-    <p:spTree>
-      <p:nvGrpSpPr>
-        <p:cNvPr id="1" name=""/>
-        <p:cNvGrpSpPr/>
-        <p:nvPr/>
-      </p:nvGrpSpPr>
-      <p:grpSpPr>
-        <a:xfrm>
-          <a:off x="0" y="0"/>
-          <a:ext cx="0" cy="0"/>
-          <a:chOff x="0" y="0"/>
-          <a:chExt cx="0" cy="0"/>
-        </a:xfrm>
-      </p:grpSpPr>
-      <p:sp>
-        <p:nvSpPr>
-          <p:cNvPr id="15" name="Rectangle 14">
-            <a:extLst>
-              <a:ext uri="{FF2B5EF4-FFF2-40B4-BE49-F238E27FC236}">
-                <a16:creationId xmlns:a16="http://schemas.microsoft.com/office/drawing/2014/main" id="{EA67B5B4-3A24-436E-B663-1B2EBFF8A0CD}"/>
-              </a:ext>
-              <a:ext uri="{C183D7F6-B498-43B3-948B-1728B52AA6E4}">
-                <adec:decorative xmlns:adec="http://schemas.microsoft.com/office/drawing/2017/decorative" val="1"/>
-              </a:ext>
-            </a:extLst>
-          </p:cNvPr>
-          <p:cNvSpPr>
-            <a:spLocks noGrp="1" noRot="1" noChangeAspect="1" noMove="1" noResize="1" noEditPoints="1" noAdjustHandles="1" noChangeArrowheads="1" noChangeShapeType="1" noTextEdit="1"/>
-          </p:cNvSpPr>
-          <p:nvPr>
-            <p:extLst>
-              <p:ext uri="{386F3935-93C4-4BCD-93E2-E3B085C9AB24}">
-                <p16:designElem xmlns:p16="http://schemas.microsoft.com/office/powerpoint/2015/main" val="1"/>
-              </p:ext>
-            </p:extLst>
-          </p:nvPr>
-        </p:nvSpPr>
-        <p:spPr>
-          <a:xfrm>
-            <a:off x="0" y="-3324"/>
-            <a:ext cx="12192000" cy="6861324"/>
-          </a:xfrm>
-          <a:prstGeom prst="rect">
-            <a:avLst/>
-          </a:prstGeom>
-          <a:solidFill>
-            <a:srgbClr val="404040"/>
-          </a:solidFill>
-          <a:ln>
-            <a:noFill/>
-          </a:ln>
-        </p:spPr>
-        <p:style>
-          <a:lnRef idx="2">
-            <a:schemeClr val="accent1">
-              <a:shade val="50000"/>
-            </a:schemeClr>
-          </a:lnRef>
-          <a:fillRef idx="1">
-            <a:schemeClr val="accent1"/>
-          </a:fillRef>
-          <a:effectRef idx="0">
-            <a:schemeClr val="accent1"/>
-          </a:effectRef>
-          <a:fontRef idx="minor">
-            <a:schemeClr val="lt1"/>
-          </a:fontRef>
-        </p:style>
-        <p:txBody>
-          <a:bodyPr rtlCol="0" anchor="ctr"/>
-          <a:lstStyle/>
-          <a:p>
-            <a:pPr algn="ctr"/>
-            <a:endParaRPr lang="en-US"/>
-          </a:p>
-        </p:txBody>
-      </p:sp>
-      <p:sp>
-        <p:nvSpPr>
-          <p:cNvPr id="17" name="Freeform 13">
-            <a:extLst>
-              <a:ext uri="{FF2B5EF4-FFF2-40B4-BE49-F238E27FC236}">
-                <a16:creationId xmlns:a16="http://schemas.microsoft.com/office/drawing/2014/main" id="{987FDF89-C993-41F4-A1B8-DBAFF16008A9}"/>
-              </a:ext>
-              <a:ext uri="{C183D7F6-B498-43B3-948B-1728B52AA6E4}">
-                <adec:decorative xmlns:adec="http://schemas.microsoft.com/office/drawing/2017/decorative" val="1"/>
-              </a:ext>
-            </a:extLst>
-          </p:cNvPr>
-          <p:cNvSpPr>
-            <a:spLocks noGrp="1" noRot="1" noChangeAspect="1" noMove="1" noResize="1" noEditPoints="1" noAdjustHandles="1" noChangeArrowheads="1" noChangeShapeType="1" noTextEdit="1"/>
-          </p:cNvSpPr>
-          <p:nvPr>
-            <p:extLst>
-              <p:ext uri="{386F3935-93C4-4BCD-93E2-E3B085C9AB24}">
-                <p16:designElem xmlns:p16="http://schemas.microsoft.com/office/powerpoint/2015/main" val="1"/>
-              </p:ext>
-            </p:extLst>
-          </p:nvPr>
-        </p:nvSpPr>
-        <p:spPr>
-          <a:xfrm>
-            <a:off x="0" y="0"/>
-            <a:ext cx="11786754" cy="6858000"/>
-          </a:xfrm>
-          <a:custGeom>
-            <a:avLst/>
-            <a:gdLst>
-              <a:gd name="connsiteX0" fmla="*/ 0 w 11786754"/>
-              <a:gd name="connsiteY0" fmla="*/ 0 h 6858000"/>
-              <a:gd name="connsiteX1" fmla="*/ 8610600 w 11786754"/>
-              <a:gd name="connsiteY1" fmla="*/ 0 h 6858000"/>
-              <a:gd name="connsiteX2" fmla="*/ 11786754 w 11786754"/>
-              <a:gd name="connsiteY2" fmla="*/ 6858000 h 6858000"/>
-              <a:gd name="connsiteX3" fmla="*/ 0 w 11786754"/>
-              <a:gd name="connsiteY3" fmla="*/ 6858000 h 6858000"/>
-            </a:gdLst>
-            <a:ahLst/>
-            <a:cxnLst>
-              <a:cxn ang="0">
-                <a:pos x="connsiteX0" y="connsiteY0"/>
-              </a:cxn>
-              <a:cxn ang="0">
-                <a:pos x="connsiteX1" y="connsiteY1"/>
-              </a:cxn>
-              <a:cxn ang="0">
-                <a:pos x="connsiteX2" y="connsiteY2"/>
-              </a:cxn>
-              <a:cxn ang="0">
-                <a:pos x="connsiteX3" y="connsiteY3"/>
-              </a:cxn>
-            </a:cxnLst>
-            <a:rect l="l" t="t" r="r" b="b"/>
-            <a:pathLst>
-              <a:path w="11786754" h="6858000">
-                <a:moveTo>
-                  <a:pt x="0" y="0"/>
-                </a:moveTo>
-                <a:lnTo>
-                  <a:pt x="8610600" y="0"/>
-                </a:lnTo>
-                <a:lnTo>
-                  <a:pt x="11786754" y="6858000"/>
-                </a:lnTo>
-                <a:lnTo>
-                  <a:pt x="0" y="6858000"/>
-                </a:lnTo>
-                <a:close/>
-              </a:path>
-            </a:pathLst>
-          </a:custGeom>
-          <a:solidFill>
-            <a:srgbClr val="000000">
-              <a:alpha val="29804"/>
-            </a:srgbClr>
-          </a:solidFill>
-          <a:ln>
-            <a:noFill/>
-          </a:ln>
-        </p:spPr>
-        <p:style>
-          <a:lnRef idx="2">
-            <a:schemeClr val="accent1">
-              <a:shade val="50000"/>
-            </a:schemeClr>
-          </a:lnRef>
-          <a:fillRef idx="1">
-            <a:schemeClr val="accent1"/>
-          </a:fillRef>
-          <a:effectRef idx="0">
-            <a:schemeClr val="accent1"/>
-          </a:effectRef>
-          <a:fontRef idx="minor">
-            <a:schemeClr val="lt1"/>
-          </a:fontRef>
-        </p:style>
-        <p:txBody>
-          <a:bodyPr rtlCol="0" anchor="ctr"/>
-          <a:lstStyle/>
-          <a:p>
-            <a:pPr algn="ctr"/>
-            <a:endParaRPr lang="en-US"/>
-          </a:p>
-        </p:txBody>
-      </p:sp>
-      <p:sp>
-        <p:nvSpPr>
-          <p:cNvPr id="19" name="Freeform 11">
-            <a:extLst>
-              <a:ext uri="{FF2B5EF4-FFF2-40B4-BE49-F238E27FC236}">
-                <a16:creationId xmlns:a16="http://schemas.microsoft.com/office/drawing/2014/main" id="{64E585EA-75FD-4025-8270-F66A58A15CDA}"/>
-              </a:ext>
-              <a:ext uri="{C183D7F6-B498-43B3-948B-1728B52AA6E4}">
-                <adec:decorative xmlns:adec="http://schemas.microsoft.com/office/drawing/2017/decorative" val="1"/>
-              </a:ext>
-            </a:extLst>
-          </p:cNvPr>
-          <p:cNvSpPr>
-            <a:spLocks noGrp="1" noRot="1" noChangeAspect="1" noMove="1" noResize="1" noEditPoints="1" noAdjustHandles="1" noChangeArrowheads="1" noChangeShapeType="1" noTextEdit="1"/>
-          </p:cNvSpPr>
-          <p:nvPr>
-            <p:extLst>
-              <p:ext uri="{386F3935-93C4-4BCD-93E2-E3B085C9AB24}">
-                <p16:designElem xmlns:p16="http://schemas.microsoft.com/office/powerpoint/2015/main" val="1"/>
-              </p:ext>
-            </p:extLst>
-          </p:nvPr>
-        </p:nvSpPr>
-        <p:spPr>
-          <a:xfrm>
-            <a:off x="0" y="0"/>
-            <a:ext cx="3581400" cy="6858000"/>
-          </a:xfrm>
-          <a:custGeom>
-            <a:avLst/>
-            <a:gdLst>
-              <a:gd name="connsiteX0" fmla="*/ 0 w 3581400"/>
-              <a:gd name="connsiteY0" fmla="*/ 0 h 6858000"/>
-              <a:gd name="connsiteX1" fmla="*/ 405246 w 3581400"/>
-              <a:gd name="connsiteY1" fmla="*/ 0 h 6858000"/>
-              <a:gd name="connsiteX2" fmla="*/ 3581400 w 3581400"/>
-              <a:gd name="connsiteY2" fmla="*/ 6858000 h 6858000"/>
-              <a:gd name="connsiteX3" fmla="*/ 0 w 3581400"/>
-              <a:gd name="connsiteY3" fmla="*/ 6858000 h 6858000"/>
-            </a:gdLst>
-            <a:ahLst/>
-            <a:cxnLst>
-              <a:cxn ang="0">
-                <a:pos x="connsiteX0" y="connsiteY0"/>
-              </a:cxn>
-              <a:cxn ang="0">
-                <a:pos x="connsiteX1" y="connsiteY1"/>
-              </a:cxn>
-              <a:cxn ang="0">
-                <a:pos x="connsiteX2" y="connsiteY2"/>
-              </a:cxn>
-              <a:cxn ang="0">
-                <a:pos x="connsiteX3" y="connsiteY3"/>
-              </a:cxn>
-            </a:cxnLst>
-            <a:rect l="l" t="t" r="r" b="b"/>
-            <a:pathLst>
-              <a:path w="3581400" h="6858000">
-                <a:moveTo>
-                  <a:pt x="0" y="0"/>
-                </a:moveTo>
-                <a:lnTo>
-                  <a:pt x="405246" y="0"/>
-                </a:lnTo>
-                <a:lnTo>
-                  <a:pt x="3581400" y="6858000"/>
-                </a:lnTo>
-                <a:lnTo>
-                  <a:pt x="0" y="6858000"/>
-                </a:lnTo>
-                <a:close/>
-              </a:path>
-            </a:pathLst>
-          </a:custGeom>
-          <a:solidFill>
-            <a:srgbClr val="000000">
-              <a:alpha val="29804"/>
-            </a:srgbClr>
-          </a:solidFill>
-          <a:ln>
-            <a:noFill/>
-          </a:ln>
-        </p:spPr>
-        <p:style>
-          <a:lnRef idx="2">
-            <a:schemeClr val="accent1">
-              <a:shade val="50000"/>
-            </a:schemeClr>
-          </a:lnRef>
-          <a:fillRef idx="1">
-            <a:schemeClr val="accent1"/>
-          </a:fillRef>
-          <a:effectRef idx="0">
-            <a:schemeClr val="accent1"/>
-          </a:effectRef>
-          <a:fontRef idx="minor">
-            <a:schemeClr val="lt1"/>
-          </a:fontRef>
-        </p:style>
-        <p:txBody>
-          <a:bodyPr wrap="square" rtlCol="0" anchor="ctr">
-            <a:noAutofit/>
-          </a:bodyPr>
-          <a:lstStyle/>
-          <a:p>
-            <a:pPr algn="ctr"/>
-            <a:endParaRPr lang="en-US"/>
-          </a:p>
-        </p:txBody>
-      </p:sp>
-      <p:sp>
-        <p:nvSpPr>
-          <p:cNvPr id="2" name="标题 1">
-            <a:extLst>
-              <a:ext uri="{FF2B5EF4-FFF2-40B4-BE49-F238E27FC236}">
-                <a16:creationId xmlns:a16="http://schemas.microsoft.com/office/drawing/2014/main" id="{DEC5B95C-6A05-4345-8CC8-E74A521FC604}"/>
-              </a:ext>
-            </a:extLst>
-          </p:cNvPr>
-          <p:cNvSpPr>
-            <a:spLocks noGrp="1"/>
-          </p:cNvSpPr>
-          <p:nvPr>
-            <p:ph type="title"/>
-          </p:nvPr>
-        </p:nvSpPr>
-        <p:spPr>
-          <a:xfrm>
-            <a:off x="833002" y="365125"/>
-            <a:ext cx="10520702" cy="1325563"/>
-          </a:xfrm>
-        </p:spPr>
-        <p:txBody>
-          <a:bodyPr>
-            <a:normAutofit/>
-          </a:bodyPr>
-          <a:lstStyle/>
-          <a:p>
-            <a:r>
-              <a:rPr lang="en-US">
-                <a:solidFill>
-                  <a:srgbClr val="FFFFFF"/>
-                </a:solidFill>
-              </a:rPr>
-              <a:t>Course Outline</a:t>
-            </a:r>
-          </a:p>
-        </p:txBody>
-      </p:sp>
-      <p:sp>
-        <p:nvSpPr>
-          <p:cNvPr id="3" name="内容占位符 2">
-            <a:extLst>
-              <a:ext uri="{FF2B5EF4-FFF2-40B4-BE49-F238E27FC236}">
-                <a16:creationId xmlns:a16="http://schemas.microsoft.com/office/drawing/2014/main" id="{5E06A09B-62F5-4F4D-8481-F248ABA010A7}"/>
-              </a:ext>
-            </a:extLst>
-          </p:cNvPr>
-          <p:cNvSpPr>
-            <a:spLocks noGrp="1"/>
-          </p:cNvSpPr>
-          <p:nvPr>
-            <p:ph idx="1"/>
-          </p:nvPr>
-        </p:nvSpPr>
-        <p:spPr>
-          <a:xfrm>
-            <a:off x="833002" y="1894014"/>
-            <a:ext cx="10515598" cy="4470274"/>
-          </a:xfrm>
-        </p:spPr>
-        <p:txBody>
-          <a:bodyPr>
-            <a:normAutofit lnSpcReduction="10000"/>
-          </a:bodyPr>
-          <a:lstStyle/>
-          <a:p>
-            <a:r>
-              <a:rPr lang="en-US" sz="2000" dirty="0">
-                <a:solidFill>
-                  <a:srgbClr val="FFFFFF"/>
-                </a:solidFill>
-              </a:rPr>
-              <a:t>1. Introduction to HTML5 and styling skills </a:t>
-            </a:r>
-          </a:p>
-          <a:p>
-            <a:r>
-              <a:rPr lang="en-US" sz="2000" b="1" dirty="0">
-                <a:effectLst>
-                  <a:outerShdw blurRad="38100" dist="38100" dir="2700000" algn="tl">
-                    <a:srgbClr val="000000">
-                      <a:alpha val="43137"/>
-                    </a:srgbClr>
-                  </a:outerShdw>
-                </a:effectLst>
-                <a:highlight>
-                  <a:srgbClr val="FF0000"/>
-                </a:highlight>
-              </a:rPr>
-              <a:t>2. CSS3 and basic UI design</a:t>
-            </a:r>
-          </a:p>
-          <a:p>
-            <a:r>
-              <a:rPr lang="en-US" sz="2000" dirty="0">
-                <a:solidFill>
-                  <a:srgbClr val="FFFFFF"/>
-                </a:solidFill>
-              </a:rPr>
-              <a:t>3. CDN, using libraries (Bootstrap), JavaScript Level 1</a:t>
-            </a:r>
-          </a:p>
-          <a:p>
-            <a:r>
-              <a:rPr lang="en-US" sz="2000" dirty="0">
-                <a:solidFill>
-                  <a:srgbClr val="FFFFFF"/>
-                </a:solidFill>
-              </a:rPr>
-              <a:t>4. JavaScript Level 2</a:t>
-            </a:r>
-          </a:p>
-          <a:p>
-            <a:r>
-              <a:rPr lang="en-US" sz="2000" dirty="0">
-                <a:solidFill>
-                  <a:srgbClr val="FFFFFF"/>
-                </a:solidFill>
-              </a:rPr>
-              <a:t>5. DOM and JavaScript Level 3</a:t>
-            </a:r>
-          </a:p>
-          <a:p>
-            <a:r>
-              <a:rPr lang="en-US" sz="2000" dirty="0">
-                <a:solidFill>
-                  <a:srgbClr val="FFFFFF"/>
-                </a:solidFill>
-              </a:rPr>
-              <a:t>6. Introduction to React</a:t>
-            </a:r>
-          </a:p>
-          <a:p>
-            <a:r>
-              <a:rPr lang="en-US" sz="2000" dirty="0">
-                <a:solidFill>
-                  <a:srgbClr val="FFFFFF"/>
-                </a:solidFill>
-              </a:rPr>
-              <a:t>7. React Level 1</a:t>
-            </a:r>
-          </a:p>
-          <a:p>
-            <a:r>
-              <a:rPr lang="en-US" sz="2000" dirty="0">
-                <a:solidFill>
-                  <a:srgbClr val="FFFFFF"/>
-                </a:solidFill>
-              </a:rPr>
-              <a:t>8. React Level 2</a:t>
-            </a:r>
-          </a:p>
-          <a:p>
-            <a:r>
-              <a:rPr lang="en-US" sz="2000" dirty="0">
-                <a:solidFill>
-                  <a:srgbClr val="FFFFFF"/>
-                </a:solidFill>
-              </a:rPr>
-              <a:t>9. React Level 3</a:t>
-            </a:r>
-          </a:p>
-          <a:p>
-            <a:r>
-              <a:rPr lang="en-US" sz="2000" dirty="0">
-                <a:solidFill>
-                  <a:srgbClr val="FFFFFF"/>
-                </a:solidFill>
-              </a:rPr>
-              <a:t>10. React UI Examples</a:t>
-            </a:r>
-          </a:p>
-          <a:p>
-            <a:r>
-              <a:rPr lang="en-US" sz="2000" dirty="0">
-                <a:solidFill>
-                  <a:srgbClr val="FFFFFF"/>
-                </a:solidFill>
-              </a:rPr>
-              <a:t>11. Conclusion and further study </a:t>
-            </a:r>
-            <a:r>
-              <a:rPr lang="zh-CN" altLang="en-US" dirty="0">
-                <a:solidFill>
-                  <a:srgbClr val="FFC000"/>
-                </a:solidFill>
-                <a:effectLst>
-                  <a:outerShdw blurRad="38100" dist="38100" dir="2700000" algn="tl">
-                    <a:srgbClr val="000000">
-                      <a:alpha val="43137"/>
-                    </a:srgbClr>
-                  </a:outerShdw>
-                </a:effectLst>
-              </a:rPr>
-              <a:t>😀</a:t>
-            </a:r>
-            <a:endParaRPr lang="en-US" sz="2000" dirty="0">
-              <a:solidFill>
-                <a:srgbClr val="FFC000"/>
-              </a:solidFill>
-              <a:effectLst>
-                <a:outerShdw blurRad="38100" dist="38100" dir="2700000" algn="tl">
-                  <a:srgbClr val="000000">
-                    <a:alpha val="43137"/>
-                  </a:srgbClr>
-                </a:outerShdw>
-              </a:effectLst>
-            </a:endParaRPr>
-          </a:p>
-        </p:txBody>
-      </p:sp>
-    </p:spTree>
-    <p:extLst>
-      <p:ext uri="{BB962C8B-B14F-4D97-AF65-F5344CB8AC3E}">
-        <p14:creationId xmlns:p14="http://schemas.microsoft.com/office/powerpoint/2010/main" val="4079023699"/>
-      </p:ext>
-    </p:extLst>
-  </p:cSld>
-  <p:clrMapOvr>
-    <a:overrideClrMapping bg1="dk1" tx1="lt1" bg2="dk2" tx2="lt2" accent1="accent1" accent2="accent2" accent3="accent3" accent4="accent4" accent5="accent5" accent6="accent6" hlink="hlink" folHlink="folHlink"/>
-  </p:clrMapOvr>
-</p:sld>
-</file>
-
-<file path=ppt/slides/slide20.xml><?xml version="1.0" encoding="utf-8"?>
+<file path=ppt/slides/slide22.xml><?xml version="1.0" encoding="utf-8"?>
 <p:sld xmlns:a="http://schemas.openxmlformats.org/drawingml/2006/main" xmlns:r="http://schemas.openxmlformats.org/officeDocument/2006/relationships" xmlns:p="http://schemas.openxmlformats.org/presentationml/2006/main">
   <p:cSld>
     <p:spTree>
@@ -13639,10 +14429,18 @@
             </a:pPr>
             <a:r>
               <a:rPr lang="en-US" altLang="zh-CN" sz="2400" dirty="0"/>
-              <a:t> default value: row || </a:t>
-            </a:r>
-            <a:r>
-              <a:rPr lang="en-US" altLang="zh-CN" sz="2400" dirty="0" err="1"/>
+              <a:t> default value: </a:t>
+            </a:r>
+            <a:r>
+              <a:rPr lang="en-US" altLang="zh-CN" sz="2400" u="sng" dirty="0"/>
+              <a:t>row</a:t>
+            </a:r>
+            <a:r>
+              <a:rPr lang="en-US" altLang="zh-CN" sz="2400" dirty="0"/>
+              <a:t> </a:t>
+            </a:r>
+            <a:r>
+              <a:rPr lang="en-US" altLang="zh-CN" sz="2400" u="sng" dirty="0" err="1"/>
               <a:t>nowrap</a:t>
             </a:r>
             <a:r>
@@ -13771,7 +14569,7 @@
 </p:sld>
 </file>
 
-<file path=ppt/slides/slide21.xml><?xml version="1.0" encoding="utf-8"?>
+<file path=ppt/slides/slide23.xml><?xml version="1.0" encoding="utf-8"?>
 <p:sld xmlns:a="http://schemas.openxmlformats.org/drawingml/2006/main" xmlns:r="http://schemas.openxmlformats.org/officeDocument/2006/relationships" xmlns:p="http://schemas.openxmlformats.org/presentationml/2006/main">
   <p:cSld>
     <p:spTree>
@@ -14036,469 +14834,6 @@
     <p:extLst>
       <p:ext uri="{BB962C8B-B14F-4D97-AF65-F5344CB8AC3E}">
         <p14:creationId xmlns:p14="http://schemas.microsoft.com/office/powerpoint/2010/main" val="2593711966"/>
-      </p:ext>
-    </p:extLst>
-  </p:cSld>
-  <p:clrMapOvr>
-    <a:masterClrMapping/>
-  </p:clrMapOvr>
-</p:sld>
-</file>
-
-<file path=ppt/slides/slide22.xml><?xml version="1.0" encoding="utf-8"?>
-<p:sld xmlns:a="http://schemas.openxmlformats.org/drawingml/2006/main" xmlns:r="http://schemas.openxmlformats.org/officeDocument/2006/relationships" xmlns:p="http://schemas.openxmlformats.org/presentationml/2006/main">
-  <p:cSld>
-    <p:spTree>
-      <p:nvGrpSpPr>
-        <p:cNvPr id="1" name=""/>
-        <p:cNvGrpSpPr/>
-        <p:nvPr/>
-      </p:nvGrpSpPr>
-      <p:grpSpPr>
-        <a:xfrm>
-          <a:off x="0" y="0"/>
-          <a:ext cx="0" cy="0"/>
-          <a:chOff x="0" y="0"/>
-          <a:chExt cx="0" cy="0"/>
-        </a:xfrm>
-      </p:grpSpPr>
-      <p:sp>
-        <p:nvSpPr>
-          <p:cNvPr id="2" name="标题 1">
-            <a:extLst>
-              <a:ext uri="{FF2B5EF4-FFF2-40B4-BE49-F238E27FC236}">
-                <a16:creationId xmlns:a16="http://schemas.microsoft.com/office/drawing/2014/main" id="{641028C0-80EE-4644-800E-512017A5BAE9}"/>
-              </a:ext>
-            </a:extLst>
-          </p:cNvPr>
-          <p:cNvSpPr>
-            <a:spLocks noGrp="1"/>
-          </p:cNvSpPr>
-          <p:nvPr>
-            <p:ph type="title"/>
-          </p:nvPr>
-        </p:nvSpPr>
-        <p:spPr/>
-        <p:txBody>
-          <a:bodyPr/>
-          <a:lstStyle/>
-          <a:p>
-            <a:r>
-              <a:rPr lang="en-US" altLang="zh-CN" dirty="0"/>
-              <a:t>Flex</a:t>
-            </a:r>
-            <a:endParaRPr lang="zh-CN" altLang="en-US" dirty="0"/>
-          </a:p>
-        </p:txBody>
-      </p:sp>
-      <p:sp>
-        <p:nvSpPr>
-          <p:cNvPr id="3" name="内容占位符 2">
-            <a:extLst>
-              <a:ext uri="{FF2B5EF4-FFF2-40B4-BE49-F238E27FC236}">
-                <a16:creationId xmlns:a16="http://schemas.microsoft.com/office/drawing/2014/main" id="{F5479CCA-3559-4D9C-85BB-D04B38DC81BA}"/>
-              </a:ext>
-            </a:extLst>
-          </p:cNvPr>
-          <p:cNvSpPr>
-            <a:spLocks noGrp="1"/>
-          </p:cNvSpPr>
-          <p:nvPr>
-            <p:ph idx="1"/>
-          </p:nvPr>
-        </p:nvSpPr>
-        <p:spPr>
-          <a:xfrm>
-            <a:off x="838200" y="1825625"/>
-            <a:ext cx="10261209" cy="4082806"/>
-          </a:xfrm>
-        </p:spPr>
-        <p:txBody>
-          <a:bodyPr>
-            <a:noAutofit/>
-          </a:bodyPr>
-          <a:lstStyle/>
-          <a:p>
-            <a:pPr marL="285750" indent="-285750" latinLnBrk="1"/>
-            <a:r>
-              <a:rPr lang="en-US" altLang="zh-CN" sz="2400" dirty="0">
-                <a:solidFill>
-                  <a:schemeClr val="accent5"/>
-                </a:solidFill>
-              </a:rPr>
-              <a:t>align-items</a:t>
-            </a:r>
-          </a:p>
-          <a:p>
-            <a:pPr marL="285750" indent="-285750" latinLnBrk="1"/>
-            <a:r>
-              <a:rPr lang="zh-CN" altLang="en-US" sz="2400" dirty="0"/>
-              <a:t>在交叉轴（垂直轴）上的对齐方式</a:t>
-            </a:r>
-            <a:endParaRPr lang="en-US" altLang="zh-CN" sz="2400" dirty="0"/>
-          </a:p>
-          <a:p>
-            <a:pPr marL="0" indent="0" latinLnBrk="1">
-              <a:buNone/>
-            </a:pPr>
-            <a:endParaRPr lang="en-US" altLang="zh-CN" sz="2400" dirty="0"/>
-          </a:p>
-          <a:p>
-            <a:pPr latinLnBrk="1"/>
-            <a:r>
-              <a:rPr lang="en-US" altLang="zh-CN" sz="2000" dirty="0"/>
-              <a:t>stretch</a:t>
-            </a:r>
-            <a:r>
-              <a:rPr lang="zh-CN" altLang="en-US" sz="2000" dirty="0"/>
-              <a:t>：如果项目未设置高度或设为</a:t>
-            </a:r>
-            <a:r>
-              <a:rPr lang="en-US" altLang="zh-CN" sz="2000" dirty="0"/>
-              <a:t>auto</a:t>
-            </a:r>
-            <a:r>
-              <a:rPr lang="zh-CN" altLang="en-US" sz="2000" dirty="0"/>
-              <a:t>，</a:t>
-            </a:r>
-            <a:endParaRPr lang="en-US" altLang="zh-CN" sz="2000" dirty="0"/>
-          </a:p>
-          <a:p>
-            <a:pPr marL="0" indent="0" latinLnBrk="1">
-              <a:buNone/>
-            </a:pPr>
-            <a:r>
-              <a:rPr lang="zh-CN" altLang="en-US" sz="2000" dirty="0"/>
-              <a:t>将占满整个容器的高度</a:t>
-            </a:r>
-            <a:r>
-              <a:rPr lang="en-US" altLang="zh-CN" sz="2000" dirty="0"/>
-              <a:t>(default)</a:t>
-            </a:r>
-            <a:r>
-              <a:rPr lang="zh-CN" altLang="en-US" sz="2000" dirty="0"/>
-              <a:t>。</a:t>
-            </a:r>
-            <a:endParaRPr lang="en-US" altLang="zh-CN" sz="2000" dirty="0"/>
-          </a:p>
-          <a:p>
-            <a:pPr latinLnBrk="1"/>
-            <a:r>
-              <a:rPr lang="en-US" altLang="zh-CN" sz="2000" dirty="0"/>
-              <a:t>flex-start</a:t>
-            </a:r>
-            <a:r>
-              <a:rPr lang="zh-CN" altLang="en-US" sz="2000" dirty="0"/>
-              <a:t>：交叉轴的起点对齐。</a:t>
-            </a:r>
-          </a:p>
-          <a:p>
-            <a:pPr latinLnBrk="1"/>
-            <a:r>
-              <a:rPr lang="en-US" altLang="zh-CN" sz="2000" dirty="0"/>
-              <a:t>flex-end</a:t>
-            </a:r>
-            <a:r>
-              <a:rPr lang="zh-CN" altLang="en-US" sz="2000" dirty="0"/>
-              <a:t>：交叉轴的终点对齐。</a:t>
-            </a:r>
-          </a:p>
-          <a:p>
-            <a:pPr latinLnBrk="1"/>
-            <a:r>
-              <a:rPr lang="en-US" altLang="zh-CN" sz="2000" dirty="0"/>
-              <a:t>center</a:t>
-            </a:r>
-            <a:r>
-              <a:rPr lang="zh-CN" altLang="en-US" sz="2000" dirty="0"/>
-              <a:t>：交叉轴的中点对齐。</a:t>
-            </a:r>
-          </a:p>
-          <a:p>
-            <a:pPr latinLnBrk="1"/>
-            <a:r>
-              <a:rPr lang="en-US" altLang="zh-CN" sz="2000" dirty="0"/>
-              <a:t>baseline: </a:t>
-            </a:r>
-            <a:r>
-              <a:rPr lang="zh-CN" altLang="en-US" sz="2000" dirty="0"/>
-              <a:t>项目的第一行文字的基线对齐。</a:t>
-            </a:r>
-          </a:p>
-          <a:p>
-            <a:pPr marL="0" indent="0" latinLnBrk="1">
-              <a:buNone/>
-            </a:pPr>
-            <a:endParaRPr lang="en-US" altLang="zh-CN" sz="2000" dirty="0"/>
-          </a:p>
-        </p:txBody>
-      </p:sp>
-      <p:pic>
-        <p:nvPicPr>
-          <p:cNvPr id="6147" name="Picture 3" descr="https://www.runoob.com/wp-content/uploads/2015/07/2b0c39c7e7a80d5a784c8c2ca63cde17.png">
-            <a:extLst>
-              <a:ext uri="{FF2B5EF4-FFF2-40B4-BE49-F238E27FC236}">
-                <a16:creationId xmlns:a16="http://schemas.microsoft.com/office/drawing/2014/main" id="{59EFDE01-2C6B-4442-BABC-4C22B8D6656D}"/>
-              </a:ext>
-            </a:extLst>
-          </p:cNvPr>
-          <p:cNvPicPr>
-            <a:picLocks noChangeAspect="1" noChangeArrowheads="1"/>
-          </p:cNvPicPr>
-          <p:nvPr/>
-        </p:nvPicPr>
-        <p:blipFill>
-          <a:blip r:embed="rId3">
-            <a:extLst>
-              <a:ext uri="{28A0092B-C50C-407E-A947-70E740481C1C}">
-                <a14:useLocalDpi xmlns:a14="http://schemas.microsoft.com/office/drawing/2010/main" val="0"/>
-              </a:ext>
-            </a:extLst>
-          </a:blip>
-          <a:srcRect/>
-          <a:stretch>
-            <a:fillRect/>
-          </a:stretch>
-        </p:blipFill>
-        <p:spPr bwMode="auto">
-          <a:xfrm>
-            <a:off x="7148539" y="1027906"/>
-            <a:ext cx="4112496" cy="5239157"/>
-          </a:xfrm>
-          <a:prstGeom prst="rect">
-            <a:avLst/>
-          </a:prstGeom>
-          <a:noFill/>
-          <a:extLst>
-            <a:ext uri="{909E8E84-426E-40DD-AFC4-6F175D3DCCD1}">
-              <a14:hiddenFill xmlns:a14="http://schemas.microsoft.com/office/drawing/2010/main">
-                <a:solidFill>
-                  <a:srgbClr val="FFFFFF"/>
-                </a:solidFill>
-              </a14:hiddenFill>
-            </a:ext>
-          </a:extLst>
-        </p:spPr>
-      </p:pic>
-    </p:spTree>
-    <p:extLst>
-      <p:ext uri="{BB962C8B-B14F-4D97-AF65-F5344CB8AC3E}">
-        <p14:creationId xmlns:p14="http://schemas.microsoft.com/office/powerpoint/2010/main" val="3099119796"/>
-      </p:ext>
-    </p:extLst>
-  </p:cSld>
-  <p:clrMapOvr>
-    <a:masterClrMapping/>
-  </p:clrMapOvr>
-</p:sld>
-</file>
-
-<file path=ppt/slides/slide23.xml><?xml version="1.0" encoding="utf-8"?>
-<p:sld xmlns:a="http://schemas.openxmlformats.org/drawingml/2006/main" xmlns:r="http://schemas.openxmlformats.org/officeDocument/2006/relationships" xmlns:p="http://schemas.openxmlformats.org/presentationml/2006/main">
-  <p:cSld>
-    <p:spTree>
-      <p:nvGrpSpPr>
-        <p:cNvPr id="1" name=""/>
-        <p:cNvGrpSpPr/>
-        <p:nvPr/>
-      </p:nvGrpSpPr>
-      <p:grpSpPr>
-        <a:xfrm>
-          <a:off x="0" y="0"/>
-          <a:ext cx="0" cy="0"/>
-          <a:chOff x="0" y="0"/>
-          <a:chExt cx="0" cy="0"/>
-        </a:xfrm>
-      </p:grpSpPr>
-      <p:sp>
-        <p:nvSpPr>
-          <p:cNvPr id="2" name="标题 1">
-            <a:extLst>
-              <a:ext uri="{FF2B5EF4-FFF2-40B4-BE49-F238E27FC236}">
-                <a16:creationId xmlns:a16="http://schemas.microsoft.com/office/drawing/2014/main" id="{641028C0-80EE-4644-800E-512017A5BAE9}"/>
-              </a:ext>
-            </a:extLst>
-          </p:cNvPr>
-          <p:cNvSpPr>
-            <a:spLocks noGrp="1"/>
-          </p:cNvSpPr>
-          <p:nvPr>
-            <p:ph type="title"/>
-          </p:nvPr>
-        </p:nvSpPr>
-        <p:spPr/>
-        <p:txBody>
-          <a:bodyPr/>
-          <a:lstStyle/>
-          <a:p>
-            <a:r>
-              <a:rPr lang="en-US" altLang="zh-CN" dirty="0"/>
-              <a:t>Flex</a:t>
-            </a:r>
-            <a:endParaRPr lang="zh-CN" altLang="en-US" dirty="0"/>
-          </a:p>
-        </p:txBody>
-      </p:sp>
-      <p:sp>
-        <p:nvSpPr>
-          <p:cNvPr id="3" name="内容占位符 2">
-            <a:extLst>
-              <a:ext uri="{FF2B5EF4-FFF2-40B4-BE49-F238E27FC236}">
-                <a16:creationId xmlns:a16="http://schemas.microsoft.com/office/drawing/2014/main" id="{F5479CCA-3559-4D9C-85BB-D04B38DC81BA}"/>
-              </a:ext>
-            </a:extLst>
-          </p:cNvPr>
-          <p:cNvSpPr>
-            <a:spLocks noGrp="1"/>
-          </p:cNvSpPr>
-          <p:nvPr>
-            <p:ph idx="1"/>
-          </p:nvPr>
-        </p:nvSpPr>
-        <p:spPr>
-          <a:xfrm>
-            <a:off x="838200" y="1825625"/>
-            <a:ext cx="10261209" cy="4082806"/>
-          </a:xfrm>
-        </p:spPr>
-        <p:txBody>
-          <a:bodyPr>
-            <a:noAutofit/>
-          </a:bodyPr>
-          <a:lstStyle/>
-          <a:p>
-            <a:pPr marL="285750" indent="-285750" latinLnBrk="1"/>
-            <a:r>
-              <a:rPr lang="en-US" altLang="zh-CN" sz="2400" dirty="0"/>
-              <a:t>*align-content</a:t>
-            </a:r>
-          </a:p>
-          <a:p>
-            <a:pPr marL="285750" indent="-285750" latinLnBrk="1"/>
-            <a:r>
-              <a:rPr lang="zh-CN" altLang="en-US" sz="2400" dirty="0"/>
-              <a:t>多根轴线的对齐方式</a:t>
-            </a:r>
-            <a:endParaRPr lang="en-US" altLang="zh-CN" sz="1800" dirty="0"/>
-          </a:p>
-          <a:p>
-            <a:pPr marL="285750" indent="-285750" latinLnBrk="1"/>
-            <a:r>
-              <a:rPr lang="en-US" altLang="zh-CN" sz="2000" b="1" dirty="0"/>
-              <a:t>Main axis </a:t>
-            </a:r>
-            <a:r>
-              <a:rPr lang="en-US" altLang="zh-CN" sz="2000" dirty="0"/>
-              <a:t>has the same direction as </a:t>
-            </a:r>
-            <a:r>
-              <a:rPr lang="en-US" altLang="zh-CN" sz="2000" b="1" dirty="0"/>
-              <a:t>flex-direction</a:t>
-            </a:r>
-            <a:r>
-              <a:rPr lang="en-US" altLang="zh-CN" sz="2000" dirty="0"/>
-              <a:t>.</a:t>
-            </a:r>
-          </a:p>
-          <a:p>
-            <a:pPr lvl="1"/>
-            <a:endParaRPr lang="en-US" altLang="zh-CN" sz="1800" dirty="0"/>
-          </a:p>
-          <a:p>
-            <a:endParaRPr lang="zh-CN" altLang="en-US" sz="2000" dirty="0"/>
-          </a:p>
-        </p:txBody>
-      </p:sp>
-      <p:pic>
-        <p:nvPicPr>
-          <p:cNvPr id="7171" name="Picture 3" descr="https://www.runoob.com/wp-content/uploads/2015/07/f10918ccb8a13247c9d47715a2bd2c33.png">
-            <a:extLst>
-              <a:ext uri="{FF2B5EF4-FFF2-40B4-BE49-F238E27FC236}">
-                <a16:creationId xmlns:a16="http://schemas.microsoft.com/office/drawing/2014/main" id="{2F51ACB5-B7F4-4F29-A3F1-7D088BB8ABC3}"/>
-              </a:ext>
-            </a:extLst>
-          </p:cNvPr>
-          <p:cNvPicPr>
-            <a:picLocks noChangeAspect="1" noChangeArrowheads="1"/>
-          </p:cNvPicPr>
-          <p:nvPr/>
-        </p:nvPicPr>
-        <p:blipFill rotWithShape="1">
-          <a:blip r:embed="rId3">
-            <a:extLst>
-              <a:ext uri="{28A0092B-C50C-407E-A947-70E740481C1C}">
-                <a14:useLocalDpi xmlns:a14="http://schemas.microsoft.com/office/drawing/2010/main" val="0"/>
-              </a:ext>
-            </a:extLst>
-          </a:blip>
-          <a:srcRect t="-4182" b="4182"/>
-          <a:stretch/>
-        </p:blipFill>
-        <p:spPr bwMode="auto">
-          <a:xfrm>
-            <a:off x="7276201" y="1062111"/>
-            <a:ext cx="3823208" cy="4846320"/>
-          </a:xfrm>
-          <a:prstGeom prst="rect">
-            <a:avLst/>
-          </a:prstGeom>
-          <a:noFill/>
-          <a:extLst>
-            <a:ext uri="{909E8E84-426E-40DD-AFC4-6F175D3DCCD1}">
-              <a14:hiddenFill xmlns:a14="http://schemas.microsoft.com/office/drawing/2010/main">
-                <a:solidFill>
-                  <a:srgbClr val="FFFFFF"/>
-                </a:solidFill>
-              </a14:hiddenFill>
-            </a:ext>
-          </a:extLst>
-        </p:spPr>
-      </p:pic>
-      <p:sp>
-        <p:nvSpPr>
-          <p:cNvPr id="4" name="文本框 3">
-            <a:extLst>
-              <a:ext uri="{FF2B5EF4-FFF2-40B4-BE49-F238E27FC236}">
-                <a16:creationId xmlns:a16="http://schemas.microsoft.com/office/drawing/2014/main" id="{A00280A4-AA2E-47F0-9BC6-06E3BFCFD913}"/>
-              </a:ext>
-            </a:extLst>
-          </p:cNvPr>
-          <p:cNvSpPr txBox="1"/>
-          <p:nvPr/>
-        </p:nvSpPr>
-        <p:spPr>
-          <a:xfrm>
-            <a:off x="1092591" y="3543862"/>
-            <a:ext cx="5317738" cy="646331"/>
-          </a:xfrm>
-          <a:prstGeom prst="rect">
-            <a:avLst/>
-          </a:prstGeom>
-          <a:noFill/>
-        </p:spPr>
-        <p:txBody>
-          <a:bodyPr wrap="none" rtlCol="0">
-            <a:spAutoFit/>
-          </a:bodyPr>
-          <a:lstStyle/>
-          <a:p>
-            <a:r>
-              <a:rPr lang="en-US" altLang="zh-CN" dirty="0">
-                <a:hlinkClick r:id="rId4"/>
-              </a:rPr>
-              <a:t>https://www.runoob.com/w3cnote/flex-grammar.html</a:t>
-            </a:r>
-            <a:endParaRPr lang="en-US" altLang="zh-CN" dirty="0"/>
-          </a:p>
-          <a:p>
-            <a:endParaRPr lang="zh-CN" altLang="en-US" dirty="0"/>
-          </a:p>
-        </p:txBody>
-      </p:sp>
-    </p:spTree>
-    <p:extLst>
-      <p:ext uri="{BB962C8B-B14F-4D97-AF65-F5344CB8AC3E}">
-        <p14:creationId xmlns:p14="http://schemas.microsoft.com/office/powerpoint/2010/main" val="4102580184"/>
       </p:ext>
     </p:extLst>
   </p:cSld>
@@ -14530,7 +14865,7 @@
           <p:cNvPr id="2" name="标题 1">
             <a:extLst>
               <a:ext uri="{FF2B5EF4-FFF2-40B4-BE49-F238E27FC236}">
-                <a16:creationId xmlns:a16="http://schemas.microsoft.com/office/drawing/2014/main" id="{3DF5CF46-13F7-48A7-9BB4-32736ADD52A4}"/>
+                <a16:creationId xmlns:a16="http://schemas.microsoft.com/office/drawing/2014/main" id="{641028C0-80EE-4644-800E-512017A5BAE9}"/>
               </a:ext>
             </a:extLst>
           </p:cNvPr>
@@ -14548,7 +14883,7 @@
           <a:p>
             <a:r>
               <a:rPr lang="en-US" altLang="zh-CN" dirty="0"/>
-              <a:t>Review </a:t>
+              <a:t>Flex</a:t>
             </a:r>
             <a:endParaRPr lang="zh-CN" altLang="en-US" dirty="0"/>
           </a:p>
@@ -14559,7 +14894,7 @@
           <p:cNvPr id="3" name="内容占位符 2">
             <a:extLst>
               <a:ext uri="{FF2B5EF4-FFF2-40B4-BE49-F238E27FC236}">
-                <a16:creationId xmlns:a16="http://schemas.microsoft.com/office/drawing/2014/main" id="{AA7ADDA5-5D18-43D4-9CE0-02BF35BA26A2}"/>
+                <a16:creationId xmlns:a16="http://schemas.microsoft.com/office/drawing/2014/main" id="{F5479CCA-3559-4D9C-85BB-D04B38DC81BA}"/>
               </a:ext>
             </a:extLst>
           </p:cNvPr>
@@ -14570,94 +14905,183 @@
             <p:ph idx="1"/>
           </p:nvPr>
         </p:nvSpPr>
-        <p:spPr/>
-        <p:txBody>
-          <a:bodyPr/>
+        <p:spPr>
+          <a:xfrm>
+            <a:off x="838200" y="1825625"/>
+            <a:ext cx="10261209" cy="4082806"/>
+          </a:xfrm>
+        </p:spPr>
+        <p:txBody>
+          <a:bodyPr>
+            <a:noAutofit/>
+          </a:bodyPr>
           <a:lstStyle/>
           <a:p>
-            <a:pPr marL="0" indent="0">
+            <a:pPr marL="285750" indent="-285750" latinLnBrk="1"/>
+            <a:r>
+              <a:rPr lang="en-US" altLang="zh-CN" sz="2400" dirty="0">
+                <a:solidFill>
+                  <a:schemeClr val="accent5"/>
+                </a:solidFill>
+              </a:rPr>
+              <a:t>align-items</a:t>
+            </a:r>
+          </a:p>
+          <a:p>
+            <a:pPr marL="285750" indent="-285750" latinLnBrk="1"/>
+            <a:r>
+              <a:rPr lang="zh-CN" altLang="en-US" sz="2400" dirty="0"/>
+              <a:t>在交叉轴（垂直轴）上的对齐方式</a:t>
+            </a:r>
+            <a:endParaRPr lang="en-US" altLang="zh-CN" sz="2400" dirty="0"/>
+          </a:p>
+          <a:p>
+            <a:pPr marL="0" indent="0" latinLnBrk="1">
               <a:buNone/>
             </a:pPr>
-            <a:r>
-              <a:rPr lang="en-US" altLang="zh-CN" dirty="0"/>
-              <a:t>Q1. If we want to define the </a:t>
-            </a:r>
-            <a:r>
-              <a:rPr lang="en-US" altLang="zh-CN" b="1" dirty="0"/>
-              <a:t>font with half of the default size</a:t>
-            </a:r>
-            <a:r>
-              <a:rPr lang="en-US" altLang="zh-CN" dirty="0"/>
-              <a:t>, which unit can we use? </a:t>
-            </a:r>
-          </a:p>
-          <a:p>
-            <a:pPr marL="457200" lvl="1" indent="0">
+            <a:endParaRPr lang="en-US" altLang="zh-CN" sz="2400" dirty="0"/>
+          </a:p>
+          <a:p>
+            <a:pPr latinLnBrk="1"/>
+            <a:r>
+              <a:rPr lang="en-US" altLang="zh-CN" sz="2000" dirty="0"/>
+              <a:t>stretch</a:t>
+            </a:r>
+            <a:r>
+              <a:rPr lang="zh-CN" altLang="en-US" sz="2000" dirty="0"/>
+              <a:t>：如果项目未设置高度或设为</a:t>
+            </a:r>
+            <a:r>
+              <a:rPr lang="en-US" altLang="zh-CN" sz="2000" dirty="0"/>
+              <a:t>auto</a:t>
+            </a:r>
+            <a:r>
+              <a:rPr lang="zh-CN" altLang="en-US" sz="2000" dirty="0"/>
+              <a:t>，</a:t>
+            </a:r>
+            <a:endParaRPr lang="en-US" altLang="zh-CN" sz="2000" dirty="0"/>
+          </a:p>
+          <a:p>
+            <a:pPr marL="0" indent="0" latinLnBrk="1">
               <a:buNone/>
             </a:pPr>
             <a:r>
+              <a:rPr lang="zh-CN" altLang="en-US" sz="2000" dirty="0"/>
+              <a:t>将占满整个容器的高度</a:t>
+            </a:r>
+            <a:r>
               <a:rPr lang="en-US" altLang="zh-CN" sz="2000" dirty="0"/>
-              <a:t>A. rem</a:t>
-            </a:r>
-          </a:p>
-          <a:p>
-            <a:pPr marL="457200" lvl="1" indent="0">
+              <a:t>(default)</a:t>
+            </a:r>
+            <a:r>
+              <a:rPr lang="zh-CN" altLang="en-US" sz="2000" dirty="0"/>
+              <a:t>。</a:t>
+            </a:r>
+            <a:endParaRPr lang="en-US" altLang="zh-CN" sz="2000" dirty="0"/>
+          </a:p>
+          <a:p>
+            <a:pPr latinLnBrk="1"/>
+            <a:r>
+              <a:rPr lang="en-US" altLang="zh-CN" sz="2000" dirty="0"/>
+              <a:t>flex-start</a:t>
+            </a:r>
+            <a:r>
+              <a:rPr lang="zh-CN" altLang="en-US" sz="2000" dirty="0"/>
+              <a:t>：交叉轴的起点对齐。</a:t>
+            </a:r>
+          </a:p>
+          <a:p>
+            <a:pPr latinLnBrk="1"/>
+            <a:r>
+              <a:rPr lang="en-US" altLang="zh-CN" sz="2000" dirty="0"/>
+              <a:t>flex-end</a:t>
+            </a:r>
+            <a:r>
+              <a:rPr lang="zh-CN" altLang="en-US" sz="2000" dirty="0"/>
+              <a:t>：交叉轴的终点对齐。</a:t>
+            </a:r>
+          </a:p>
+          <a:p>
+            <a:pPr latinLnBrk="1"/>
+            <a:r>
+              <a:rPr lang="en-US" altLang="zh-CN" sz="2000" dirty="0"/>
+              <a:t>center</a:t>
+            </a:r>
+            <a:r>
+              <a:rPr lang="zh-CN" altLang="en-US" sz="2000" dirty="0"/>
+              <a:t>：交叉轴的中点对齐。</a:t>
+            </a:r>
+          </a:p>
+          <a:p>
+            <a:pPr latinLnBrk="1"/>
+            <a:r>
+              <a:rPr lang="en-US" altLang="zh-CN" sz="2000" dirty="0"/>
+              <a:t>baseline: </a:t>
+            </a:r>
+            <a:r>
+              <a:rPr lang="zh-CN" altLang="en-US" sz="2000" dirty="0"/>
+              <a:t>项目的第一行文字的基线对齐。</a:t>
+            </a:r>
+          </a:p>
+          <a:p>
+            <a:pPr marL="0" indent="0" latinLnBrk="1">
               <a:buNone/>
             </a:pPr>
-            <a:r>
-              <a:rPr lang="en-US" altLang="zh-CN" sz="2000" dirty="0"/>
-              <a:t>B. %</a:t>
-            </a:r>
-          </a:p>
-          <a:p>
-            <a:pPr marL="457200" lvl="1" indent="0">
-              <a:buNone/>
-            </a:pPr>
-            <a:r>
-              <a:rPr lang="en-US" altLang="zh-CN" sz="2000" dirty="0"/>
-              <a:t>C. </a:t>
-            </a:r>
-            <a:r>
-              <a:rPr lang="en-US" altLang="zh-CN" sz="2000" dirty="0" err="1"/>
-              <a:t>em</a:t>
-            </a:r>
             <a:endParaRPr lang="en-US" altLang="zh-CN" sz="2000" dirty="0"/>
           </a:p>
-          <a:p>
-            <a:pPr marL="457200" lvl="1" indent="0">
-              <a:buNone/>
-            </a:pPr>
-            <a:r>
-              <a:rPr lang="en-US" altLang="zh-CN" sz="2000" dirty="0"/>
-              <a:t>D. </a:t>
-            </a:r>
-            <a:r>
-              <a:rPr lang="en-US" altLang="zh-CN" sz="2000" dirty="0" err="1"/>
-              <a:t>px</a:t>
-            </a:r>
-            <a:endParaRPr lang="en-US" altLang="zh-CN" sz="2000" dirty="0"/>
-          </a:p>
-          <a:p>
-            <a:pPr marL="0" indent="0">
-              <a:buNone/>
-            </a:pPr>
-            <a:endParaRPr lang="en-US" altLang="zh-CN" dirty="0"/>
-          </a:p>
-          <a:p>
-            <a:pPr marL="0" indent="0">
-              <a:buNone/>
-            </a:pPr>
-            <a:r>
-              <a:rPr lang="en-US" altLang="zh-CN" dirty="0"/>
-              <a:t>The value is ___.</a:t>
-            </a:r>
-          </a:p>
-        </p:txBody>
-      </p:sp>
+        </p:txBody>
+      </p:sp>
+      <p:pic>
+        <p:nvPicPr>
+          <p:cNvPr id="6147" name="Picture 3" descr="https://www.runoob.com/wp-content/uploads/2015/07/2b0c39c7e7a80d5a784c8c2ca63cde17.png">
+            <a:extLst>
+              <a:ext uri="{FF2B5EF4-FFF2-40B4-BE49-F238E27FC236}">
+                <a16:creationId xmlns:a16="http://schemas.microsoft.com/office/drawing/2014/main" id="{59EFDE01-2C6B-4442-BABC-4C22B8D6656D}"/>
+              </a:ext>
+            </a:extLst>
+          </p:cNvPr>
+          <p:cNvPicPr>
+            <a:picLocks noChangeAspect="1" noChangeArrowheads="1"/>
+          </p:cNvPicPr>
+          <p:nvPr/>
+        </p:nvPicPr>
+        <p:blipFill>
+          <a:blip r:embed="rId3">
+            <a:extLst>
+              <a:ext uri="{28A0092B-C50C-407E-A947-70E740481C1C}">
+                <a14:useLocalDpi xmlns:a14="http://schemas.microsoft.com/office/drawing/2010/main" val="0"/>
+              </a:ext>
+            </a:extLst>
+          </a:blip>
+          <a:srcRect/>
+          <a:stretch>
+            <a:fillRect/>
+          </a:stretch>
+        </p:blipFill>
+        <p:spPr bwMode="auto">
+          <a:xfrm>
+            <a:off x="7148539" y="1027906"/>
+            <a:ext cx="4112496" cy="5239157"/>
+          </a:xfrm>
+          <a:prstGeom prst="rect">
+            <a:avLst/>
+          </a:prstGeom>
+          <a:noFill/>
+          <a:extLst>
+            <a:ext uri="{909E8E84-426E-40DD-AFC4-6F175D3DCCD1}">
+              <a14:hiddenFill xmlns:a14="http://schemas.microsoft.com/office/drawing/2010/main">
+                <a:solidFill>
+                  <a:srgbClr val="FFFFFF"/>
+                </a:solidFill>
+              </a14:hiddenFill>
+            </a:ext>
+          </a:extLst>
+        </p:spPr>
+      </p:pic>
     </p:spTree>
     <p:extLst>
       <p:ext uri="{BB962C8B-B14F-4D97-AF65-F5344CB8AC3E}">
-        <p14:creationId xmlns:p14="http://schemas.microsoft.com/office/powerpoint/2010/main" val="3052878943"/>
+        <p14:creationId xmlns:p14="http://schemas.microsoft.com/office/powerpoint/2010/main" val="3099119796"/>
       </p:ext>
     </p:extLst>
   </p:cSld>
@@ -14689,7 +15113,7 @@
           <p:cNvPr id="2" name="标题 1">
             <a:extLst>
               <a:ext uri="{FF2B5EF4-FFF2-40B4-BE49-F238E27FC236}">
-                <a16:creationId xmlns:a16="http://schemas.microsoft.com/office/drawing/2014/main" id="{3DF5CF46-13F7-48A7-9BB4-32736ADD52A4}"/>
+                <a16:creationId xmlns:a16="http://schemas.microsoft.com/office/drawing/2014/main" id="{641028C0-80EE-4644-800E-512017A5BAE9}"/>
               </a:ext>
             </a:extLst>
           </p:cNvPr>
@@ -14707,7 +15131,7 @@
           <a:p>
             <a:r>
               <a:rPr lang="en-US" altLang="zh-CN" dirty="0"/>
-              <a:t>Review </a:t>
+              <a:t>Flex</a:t>
             </a:r>
             <a:endParaRPr lang="zh-CN" altLang="en-US" dirty="0"/>
           </a:p>
@@ -14718,7 +15142,7 @@
           <p:cNvPr id="3" name="内容占位符 2">
             <a:extLst>
               <a:ext uri="{FF2B5EF4-FFF2-40B4-BE49-F238E27FC236}">
-                <a16:creationId xmlns:a16="http://schemas.microsoft.com/office/drawing/2014/main" id="{AA7ADDA5-5D18-43D4-9CE0-02BF35BA26A2}"/>
+                <a16:creationId xmlns:a16="http://schemas.microsoft.com/office/drawing/2014/main" id="{F5479CCA-3559-4D9C-85BB-D04B38DC81BA}"/>
               </a:ext>
             </a:extLst>
           </p:cNvPr>
@@ -14731,195 +15155,119 @@
         </p:nvSpPr>
         <p:spPr>
           <a:xfrm>
-            <a:off x="838200" y="1585182"/>
-            <a:ext cx="10515600" cy="4351338"/>
+            <a:off x="838200" y="1825625"/>
+            <a:ext cx="10261209" cy="4082806"/>
           </a:xfrm>
         </p:spPr>
         <p:txBody>
-          <a:bodyPr/>
+          <a:bodyPr>
+            <a:noAutofit/>
+          </a:bodyPr>
           <a:lstStyle/>
           <a:p>
-            <a:pPr marL="0" indent="0">
-              <a:buNone/>
-            </a:pPr>
-            <a:r>
-              <a:rPr lang="en-US" altLang="zh-CN" dirty="0"/>
-              <a:t>Q2. Describe where do the blocks locate.</a:t>
-            </a:r>
-          </a:p>
-          <a:p>
-            <a:pPr marL="0" indent="0">
-              <a:buNone/>
-            </a:pPr>
-            <a:endParaRPr lang="en-US" altLang="zh-CN" dirty="0"/>
+            <a:pPr marL="285750" indent="-285750" latinLnBrk="1"/>
+            <a:r>
+              <a:rPr lang="en-US" altLang="zh-CN" sz="2400" dirty="0"/>
+              <a:t>*align-content</a:t>
+            </a:r>
+          </a:p>
+          <a:p>
+            <a:pPr marL="285750" indent="-285750" latinLnBrk="1"/>
+            <a:r>
+              <a:rPr lang="zh-CN" altLang="en-US" sz="2400" dirty="0"/>
+              <a:t>多根轴线的对齐方式</a:t>
+            </a:r>
+            <a:endParaRPr lang="en-US" altLang="zh-CN" sz="1800" dirty="0"/>
+          </a:p>
+          <a:p>
+            <a:pPr marL="285750" indent="-285750" latinLnBrk="1"/>
+            <a:r>
+              <a:rPr lang="en-US" altLang="zh-CN" sz="2000" b="1" dirty="0"/>
+              <a:t>Main axis </a:t>
+            </a:r>
+            <a:r>
+              <a:rPr lang="en-US" altLang="zh-CN" sz="2000" dirty="0"/>
+              <a:t>has the same direction as </a:t>
+            </a:r>
+            <a:r>
+              <a:rPr lang="en-US" altLang="zh-CN" sz="2000" b="1" dirty="0"/>
+              <a:t>flex-direction</a:t>
+            </a:r>
+            <a:r>
+              <a:rPr lang="en-US" altLang="zh-CN" sz="2000" dirty="0"/>
+              <a:t>.</a:t>
+            </a:r>
+          </a:p>
+          <a:p>
+            <a:pPr lvl="1"/>
+            <a:endParaRPr lang="en-US" altLang="zh-CN" sz="1800" dirty="0"/>
+          </a:p>
+          <a:p>
+            <a:endParaRPr lang="zh-CN" altLang="en-US" sz="2000" dirty="0"/>
           </a:p>
         </p:txBody>
       </p:sp>
       <p:pic>
         <p:nvPicPr>
-          <p:cNvPr id="11" name="图片 10">
-            <a:extLst>
-              <a:ext uri="{FF2B5EF4-FFF2-40B4-BE49-F238E27FC236}">
-                <a16:creationId xmlns:a16="http://schemas.microsoft.com/office/drawing/2014/main" id="{EA44A453-3151-4224-B632-AF324FDE9F72}"/>
+          <p:cNvPr id="7171" name="Picture 3" descr="https://www.runoob.com/wp-content/uploads/2015/07/f10918ccb8a13247c9d47715a2bd2c33.png">
+            <a:extLst>
+              <a:ext uri="{FF2B5EF4-FFF2-40B4-BE49-F238E27FC236}">
+                <a16:creationId xmlns:a16="http://schemas.microsoft.com/office/drawing/2014/main" id="{2F51ACB5-B7F4-4F29-A3F1-7D088BB8ABC3}"/>
               </a:ext>
             </a:extLst>
           </p:cNvPr>
           <p:cNvPicPr>
-            <a:picLocks noChangeAspect="1"/>
+            <a:picLocks noChangeAspect="1" noChangeArrowheads="1"/>
           </p:cNvPicPr>
           <p:nvPr/>
         </p:nvPicPr>
         <p:blipFill rotWithShape="1">
-          <a:blip r:embed="rId3"/>
-          <a:srcRect l="1099" t="-3631" r="7960" b="3631"/>
+          <a:blip r:embed="rId3">
+            <a:extLst>
+              <a:ext uri="{28A0092B-C50C-407E-A947-70E740481C1C}">
+                <a14:useLocalDpi xmlns:a14="http://schemas.microsoft.com/office/drawing/2010/main" val="0"/>
+              </a:ext>
+            </a:extLst>
+          </a:blip>
+          <a:srcRect t="-4182" b="4182"/>
           <a:stretch/>
         </p:blipFill>
-        <p:spPr>
+        <p:spPr bwMode="auto">
           <a:xfrm>
-            <a:off x="838200" y="2442506"/>
-            <a:ext cx="2974145" cy="1220646"/>
+            <a:off x="7276201" y="1062111"/>
+            <a:ext cx="3823208" cy="4846320"/>
           </a:xfrm>
           <a:prstGeom prst="rect">
             <a:avLst/>
           </a:prstGeom>
+          <a:noFill/>
+          <a:extLst>
+            <a:ext uri="{909E8E84-426E-40DD-AFC4-6F175D3DCCD1}">
+              <a14:hiddenFill xmlns:a14="http://schemas.microsoft.com/office/drawing/2010/main">
+                <a:solidFill>
+                  <a:srgbClr val="FFFFFF"/>
+                </a:solidFill>
+              </a14:hiddenFill>
+            </a:ext>
+          </a:extLst>
         </p:spPr>
       </p:pic>
-      <p:pic>
-        <p:nvPicPr>
-          <p:cNvPr id="13" name="图片 12">
-            <a:extLst>
-              <a:ext uri="{FF2B5EF4-FFF2-40B4-BE49-F238E27FC236}">
-                <a16:creationId xmlns:a16="http://schemas.microsoft.com/office/drawing/2014/main" id="{90396446-1132-438E-85F7-AE4681D39665}"/>
-              </a:ext>
-            </a:extLst>
-          </p:cNvPr>
-          <p:cNvPicPr>
-            <a:picLocks noChangeAspect="1"/>
-          </p:cNvPicPr>
+      <p:sp>
+        <p:nvSpPr>
+          <p:cNvPr id="4" name="文本框 3">
+            <a:extLst>
+              <a:ext uri="{FF2B5EF4-FFF2-40B4-BE49-F238E27FC236}">
+                <a16:creationId xmlns:a16="http://schemas.microsoft.com/office/drawing/2014/main" id="{A00280A4-AA2E-47F0-9BC6-06E3BFCFD913}"/>
+              </a:ext>
+            </a:extLst>
+          </p:cNvPr>
+          <p:cNvSpPr txBox="1"/>
           <p:nvPr/>
-        </p:nvPicPr>
-        <p:blipFill>
-          <a:blip r:embed="rId4"/>
-          <a:stretch>
-            <a:fillRect/>
-          </a:stretch>
-        </p:blipFill>
+        </p:nvSpPr>
         <p:spPr>
           <a:xfrm>
-            <a:off x="7799361" y="5087280"/>
-            <a:ext cx="3554439" cy="1278210"/>
-          </a:xfrm>
-          <a:prstGeom prst="rect">
-            <a:avLst/>
-          </a:prstGeom>
-        </p:spPr>
-      </p:pic>
-      <p:pic>
-        <p:nvPicPr>
-          <p:cNvPr id="14" name="图片 13">
-            <a:extLst>
-              <a:ext uri="{FF2B5EF4-FFF2-40B4-BE49-F238E27FC236}">
-                <a16:creationId xmlns:a16="http://schemas.microsoft.com/office/drawing/2014/main" id="{D005C5EB-A88E-47FF-B5F9-DAE0985DD7CF}"/>
-              </a:ext>
-            </a:extLst>
-          </p:cNvPr>
-          <p:cNvPicPr>
-            <a:picLocks noChangeAspect="1"/>
-          </p:cNvPicPr>
-          <p:nvPr/>
-        </p:nvPicPr>
-        <p:blipFill>
-          <a:blip r:embed="rId5"/>
-          <a:stretch>
-            <a:fillRect/>
-          </a:stretch>
-        </p:blipFill>
-        <p:spPr>
-          <a:xfrm>
-            <a:off x="838200" y="3910942"/>
-            <a:ext cx="2974145" cy="2454548"/>
-          </a:xfrm>
-          <a:prstGeom prst="rect">
-            <a:avLst/>
-          </a:prstGeom>
-        </p:spPr>
-      </p:pic>
-      <p:pic>
-        <p:nvPicPr>
-          <p:cNvPr id="15" name="图片 14">
-            <a:extLst>
-              <a:ext uri="{FF2B5EF4-FFF2-40B4-BE49-F238E27FC236}">
-                <a16:creationId xmlns:a16="http://schemas.microsoft.com/office/drawing/2014/main" id="{F53EFE36-D63B-4EAD-8D33-B23400D78576}"/>
-              </a:ext>
-            </a:extLst>
-          </p:cNvPr>
-          <p:cNvPicPr>
-            <a:picLocks noChangeAspect="1"/>
-          </p:cNvPicPr>
-          <p:nvPr/>
-        </p:nvPicPr>
-        <p:blipFill>
-          <a:blip r:embed="rId6"/>
-          <a:stretch>
-            <a:fillRect/>
-          </a:stretch>
-        </p:blipFill>
-        <p:spPr>
-          <a:xfrm>
-            <a:off x="7796693" y="3429000"/>
-            <a:ext cx="3557107" cy="1278210"/>
-          </a:xfrm>
-          <a:prstGeom prst="rect">
-            <a:avLst/>
-          </a:prstGeom>
-        </p:spPr>
-      </p:pic>
-      <p:pic>
-        <p:nvPicPr>
-          <p:cNvPr id="16" name="图片 15">
-            <a:extLst>
-              <a:ext uri="{FF2B5EF4-FFF2-40B4-BE49-F238E27FC236}">
-                <a16:creationId xmlns:a16="http://schemas.microsoft.com/office/drawing/2014/main" id="{794A9D4E-6ACD-4460-93C0-34FD300552B4}"/>
-              </a:ext>
-            </a:extLst>
-          </p:cNvPr>
-          <p:cNvPicPr>
-            <a:picLocks noChangeAspect="1"/>
-          </p:cNvPicPr>
-          <p:nvPr/>
-        </p:nvPicPr>
-        <p:blipFill>
-          <a:blip r:embed="rId7"/>
-          <a:stretch>
-            <a:fillRect/>
-          </a:stretch>
-        </p:blipFill>
-        <p:spPr>
-          <a:xfrm>
-            <a:off x="7796693" y="2787606"/>
-            <a:ext cx="3557107" cy="424847"/>
-          </a:xfrm>
-          <a:prstGeom prst="rect">
-            <a:avLst/>
-          </a:prstGeom>
-        </p:spPr>
-      </p:pic>
-      <p:sp>
-        <p:nvSpPr>
-          <p:cNvPr id="17" name="文本框 16">
-            <a:extLst>
-              <a:ext uri="{FF2B5EF4-FFF2-40B4-BE49-F238E27FC236}">
-                <a16:creationId xmlns:a16="http://schemas.microsoft.com/office/drawing/2014/main" id="{485D23B0-E91D-45FA-8315-0981E024B878}"/>
-              </a:ext>
-            </a:extLst>
-          </p:cNvPr>
-          <p:cNvSpPr txBox="1"/>
-          <p:nvPr/>
-        </p:nvSpPr>
-        <p:spPr>
-          <a:xfrm>
-            <a:off x="7039172" y="2729277"/>
-            <a:ext cx="362600" cy="2677656"/>
+            <a:off x="1092591" y="3543862"/>
+            <a:ext cx="5317738" cy="646331"/>
           </a:xfrm>
           <a:prstGeom prst="rect">
             <a:avLst/>
@@ -14933,40 +15281,22 @@
           <a:lstStyle/>
           <a:p>
             <a:r>
-              <a:rPr lang="en-US" altLang="zh-CN" sz="2400" dirty="0"/>
-              <a:t>A</a:t>
-            </a:r>
-          </a:p>
-          <a:p>
-            <a:endParaRPr lang="en-US" altLang="zh-CN" sz="2400" dirty="0"/>
-          </a:p>
-          <a:p>
-            <a:r>
-              <a:rPr lang="en-US" altLang="zh-CN" sz="2400" dirty="0"/>
-              <a:t>B</a:t>
-            </a:r>
-          </a:p>
-          <a:p>
-            <a:endParaRPr lang="en-US" altLang="zh-CN" sz="2400" dirty="0"/>
-          </a:p>
-          <a:p>
-            <a:endParaRPr lang="en-US" altLang="zh-CN" sz="2400" dirty="0"/>
-          </a:p>
-          <a:p>
-            <a:endParaRPr lang="en-US" altLang="zh-CN" sz="2400" dirty="0"/>
-          </a:p>
-          <a:p>
-            <a:r>
-              <a:rPr lang="en-US" altLang="zh-CN" sz="2400" dirty="0"/>
-              <a:t>C</a:t>
-            </a:r>
+              <a:rPr lang="en-US" altLang="zh-CN" dirty="0">
+                <a:hlinkClick r:id="rId4"/>
+              </a:rPr>
+              <a:t>https://www.runoob.com/w3cnote/flex-grammar.html</a:t>
+            </a:r>
+            <a:endParaRPr lang="en-US" altLang="zh-CN" dirty="0"/>
+          </a:p>
+          <a:p>
+            <a:endParaRPr lang="zh-CN" altLang="en-US" dirty="0"/>
           </a:p>
         </p:txBody>
       </p:sp>
     </p:spTree>
     <p:extLst>
       <p:ext uri="{BB962C8B-B14F-4D97-AF65-F5344CB8AC3E}">
-        <p14:creationId xmlns:p14="http://schemas.microsoft.com/office/powerpoint/2010/main" val="2704578928"/>
+        <p14:creationId xmlns:p14="http://schemas.microsoft.com/office/powerpoint/2010/main" val="4102580184"/>
       </p:ext>
     </p:extLst>
   </p:cSld>
@@ -15038,6 +15368,474 @@
             <p:ph idx="1"/>
           </p:nvPr>
         </p:nvSpPr>
+        <p:spPr/>
+        <p:txBody>
+          <a:bodyPr/>
+          <a:lstStyle/>
+          <a:p>
+            <a:pPr marL="0" indent="0">
+              <a:buNone/>
+            </a:pPr>
+            <a:r>
+              <a:rPr lang="en-US" altLang="zh-CN" dirty="0"/>
+              <a:t>Q1. If we want to define the </a:t>
+            </a:r>
+            <a:r>
+              <a:rPr lang="en-US" altLang="zh-CN" b="1" dirty="0"/>
+              <a:t>font with half of the default size</a:t>
+            </a:r>
+            <a:r>
+              <a:rPr lang="en-US" altLang="zh-CN" dirty="0"/>
+              <a:t>, which unit can we use? </a:t>
+            </a:r>
+          </a:p>
+          <a:p>
+            <a:pPr marL="457200" lvl="1" indent="0">
+              <a:buNone/>
+            </a:pPr>
+            <a:r>
+              <a:rPr lang="en-US" altLang="zh-CN" sz="2000" dirty="0"/>
+              <a:t>A. rem</a:t>
+            </a:r>
+          </a:p>
+          <a:p>
+            <a:pPr marL="457200" lvl="1" indent="0">
+              <a:buNone/>
+            </a:pPr>
+            <a:r>
+              <a:rPr lang="en-US" altLang="zh-CN" sz="2000" dirty="0"/>
+              <a:t>B. %</a:t>
+            </a:r>
+          </a:p>
+          <a:p>
+            <a:pPr marL="457200" lvl="1" indent="0">
+              <a:buNone/>
+            </a:pPr>
+            <a:r>
+              <a:rPr lang="en-US" altLang="zh-CN" sz="2000" dirty="0"/>
+              <a:t>C. </a:t>
+            </a:r>
+            <a:r>
+              <a:rPr lang="en-US" altLang="zh-CN" sz="2000" dirty="0" err="1"/>
+              <a:t>em</a:t>
+            </a:r>
+            <a:endParaRPr lang="en-US" altLang="zh-CN" sz="2000" dirty="0"/>
+          </a:p>
+          <a:p>
+            <a:pPr marL="457200" lvl="1" indent="0">
+              <a:buNone/>
+            </a:pPr>
+            <a:r>
+              <a:rPr lang="en-US" altLang="zh-CN" sz="2000" dirty="0"/>
+              <a:t>D. </a:t>
+            </a:r>
+            <a:r>
+              <a:rPr lang="en-US" altLang="zh-CN" sz="2000" dirty="0" err="1"/>
+              <a:t>px</a:t>
+            </a:r>
+            <a:endParaRPr lang="en-US" altLang="zh-CN" sz="2000" dirty="0"/>
+          </a:p>
+          <a:p>
+            <a:pPr marL="0" indent="0">
+              <a:buNone/>
+            </a:pPr>
+            <a:endParaRPr lang="en-US" altLang="zh-CN" dirty="0"/>
+          </a:p>
+          <a:p>
+            <a:pPr marL="0" indent="0">
+              <a:buNone/>
+            </a:pPr>
+            <a:r>
+              <a:rPr lang="en-US" altLang="zh-CN" dirty="0"/>
+              <a:t>The value is ___.</a:t>
+            </a:r>
+          </a:p>
+        </p:txBody>
+      </p:sp>
+    </p:spTree>
+    <p:extLst>
+      <p:ext uri="{BB962C8B-B14F-4D97-AF65-F5344CB8AC3E}">
+        <p14:creationId xmlns:p14="http://schemas.microsoft.com/office/powerpoint/2010/main" val="3052878943"/>
+      </p:ext>
+    </p:extLst>
+  </p:cSld>
+  <p:clrMapOvr>
+    <a:masterClrMapping/>
+  </p:clrMapOvr>
+</p:sld>
+</file>
+
+<file path=ppt/slides/slide27.xml><?xml version="1.0" encoding="utf-8"?>
+<p:sld xmlns:a="http://schemas.openxmlformats.org/drawingml/2006/main" xmlns:r="http://schemas.openxmlformats.org/officeDocument/2006/relationships" xmlns:p="http://schemas.openxmlformats.org/presentationml/2006/main">
+  <p:cSld>
+    <p:spTree>
+      <p:nvGrpSpPr>
+        <p:cNvPr id="1" name=""/>
+        <p:cNvGrpSpPr/>
+        <p:nvPr/>
+      </p:nvGrpSpPr>
+      <p:grpSpPr>
+        <a:xfrm>
+          <a:off x="0" y="0"/>
+          <a:ext cx="0" cy="0"/>
+          <a:chOff x="0" y="0"/>
+          <a:chExt cx="0" cy="0"/>
+        </a:xfrm>
+      </p:grpSpPr>
+      <p:sp>
+        <p:nvSpPr>
+          <p:cNvPr id="2" name="标题 1">
+            <a:extLst>
+              <a:ext uri="{FF2B5EF4-FFF2-40B4-BE49-F238E27FC236}">
+                <a16:creationId xmlns:a16="http://schemas.microsoft.com/office/drawing/2014/main" id="{3DF5CF46-13F7-48A7-9BB4-32736ADD52A4}"/>
+              </a:ext>
+            </a:extLst>
+          </p:cNvPr>
+          <p:cNvSpPr>
+            <a:spLocks noGrp="1"/>
+          </p:cNvSpPr>
+          <p:nvPr>
+            <p:ph type="title"/>
+          </p:nvPr>
+        </p:nvSpPr>
+        <p:spPr/>
+        <p:txBody>
+          <a:bodyPr/>
+          <a:lstStyle/>
+          <a:p>
+            <a:r>
+              <a:rPr lang="en-US" altLang="zh-CN" dirty="0"/>
+              <a:t>Review </a:t>
+            </a:r>
+            <a:endParaRPr lang="zh-CN" altLang="en-US" dirty="0"/>
+          </a:p>
+        </p:txBody>
+      </p:sp>
+      <p:sp>
+        <p:nvSpPr>
+          <p:cNvPr id="3" name="内容占位符 2">
+            <a:extLst>
+              <a:ext uri="{FF2B5EF4-FFF2-40B4-BE49-F238E27FC236}">
+                <a16:creationId xmlns:a16="http://schemas.microsoft.com/office/drawing/2014/main" id="{AA7ADDA5-5D18-43D4-9CE0-02BF35BA26A2}"/>
+              </a:ext>
+            </a:extLst>
+          </p:cNvPr>
+          <p:cNvSpPr>
+            <a:spLocks noGrp="1"/>
+          </p:cNvSpPr>
+          <p:nvPr>
+            <p:ph idx="1"/>
+          </p:nvPr>
+        </p:nvSpPr>
+        <p:spPr>
+          <a:xfrm>
+            <a:off x="838200" y="1585182"/>
+            <a:ext cx="10515600" cy="4351338"/>
+          </a:xfrm>
+        </p:spPr>
+        <p:txBody>
+          <a:bodyPr/>
+          <a:lstStyle/>
+          <a:p>
+            <a:pPr marL="0" indent="0">
+              <a:buNone/>
+            </a:pPr>
+            <a:r>
+              <a:rPr lang="en-US" altLang="zh-CN" dirty="0"/>
+              <a:t>Q2. Describe where do the blocks locate.</a:t>
+            </a:r>
+          </a:p>
+          <a:p>
+            <a:pPr marL="0" indent="0">
+              <a:buNone/>
+            </a:pPr>
+            <a:endParaRPr lang="en-US" altLang="zh-CN" dirty="0"/>
+          </a:p>
+        </p:txBody>
+      </p:sp>
+      <p:pic>
+        <p:nvPicPr>
+          <p:cNvPr id="11" name="图片 10">
+            <a:extLst>
+              <a:ext uri="{FF2B5EF4-FFF2-40B4-BE49-F238E27FC236}">
+                <a16:creationId xmlns:a16="http://schemas.microsoft.com/office/drawing/2014/main" id="{EA44A453-3151-4224-B632-AF324FDE9F72}"/>
+              </a:ext>
+            </a:extLst>
+          </p:cNvPr>
+          <p:cNvPicPr>
+            <a:picLocks noChangeAspect="1"/>
+          </p:cNvPicPr>
+          <p:nvPr/>
+        </p:nvPicPr>
+        <p:blipFill rotWithShape="1">
+          <a:blip r:embed="rId3"/>
+          <a:srcRect l="1099" t="-3631" r="7960" b="3631"/>
+          <a:stretch/>
+        </p:blipFill>
+        <p:spPr>
+          <a:xfrm>
+            <a:off x="838200" y="2442506"/>
+            <a:ext cx="2974145" cy="1220646"/>
+          </a:xfrm>
+          <a:prstGeom prst="rect">
+            <a:avLst/>
+          </a:prstGeom>
+        </p:spPr>
+      </p:pic>
+      <p:pic>
+        <p:nvPicPr>
+          <p:cNvPr id="13" name="图片 12">
+            <a:extLst>
+              <a:ext uri="{FF2B5EF4-FFF2-40B4-BE49-F238E27FC236}">
+                <a16:creationId xmlns:a16="http://schemas.microsoft.com/office/drawing/2014/main" id="{90396446-1132-438E-85F7-AE4681D39665}"/>
+              </a:ext>
+            </a:extLst>
+          </p:cNvPr>
+          <p:cNvPicPr>
+            <a:picLocks noChangeAspect="1"/>
+          </p:cNvPicPr>
+          <p:nvPr/>
+        </p:nvPicPr>
+        <p:blipFill>
+          <a:blip r:embed="rId4"/>
+          <a:stretch>
+            <a:fillRect/>
+          </a:stretch>
+        </p:blipFill>
+        <p:spPr>
+          <a:xfrm>
+            <a:off x="7799361" y="5087280"/>
+            <a:ext cx="3554439" cy="1278210"/>
+          </a:xfrm>
+          <a:prstGeom prst="rect">
+            <a:avLst/>
+          </a:prstGeom>
+        </p:spPr>
+      </p:pic>
+      <p:pic>
+        <p:nvPicPr>
+          <p:cNvPr id="14" name="图片 13">
+            <a:extLst>
+              <a:ext uri="{FF2B5EF4-FFF2-40B4-BE49-F238E27FC236}">
+                <a16:creationId xmlns:a16="http://schemas.microsoft.com/office/drawing/2014/main" id="{D005C5EB-A88E-47FF-B5F9-DAE0985DD7CF}"/>
+              </a:ext>
+            </a:extLst>
+          </p:cNvPr>
+          <p:cNvPicPr>
+            <a:picLocks noChangeAspect="1"/>
+          </p:cNvPicPr>
+          <p:nvPr/>
+        </p:nvPicPr>
+        <p:blipFill>
+          <a:blip r:embed="rId5"/>
+          <a:stretch>
+            <a:fillRect/>
+          </a:stretch>
+        </p:blipFill>
+        <p:spPr>
+          <a:xfrm>
+            <a:off x="838200" y="3910942"/>
+            <a:ext cx="2974145" cy="2454548"/>
+          </a:xfrm>
+          <a:prstGeom prst="rect">
+            <a:avLst/>
+          </a:prstGeom>
+        </p:spPr>
+      </p:pic>
+      <p:pic>
+        <p:nvPicPr>
+          <p:cNvPr id="15" name="图片 14">
+            <a:extLst>
+              <a:ext uri="{FF2B5EF4-FFF2-40B4-BE49-F238E27FC236}">
+                <a16:creationId xmlns:a16="http://schemas.microsoft.com/office/drawing/2014/main" id="{F53EFE36-D63B-4EAD-8D33-B23400D78576}"/>
+              </a:ext>
+            </a:extLst>
+          </p:cNvPr>
+          <p:cNvPicPr>
+            <a:picLocks noChangeAspect="1"/>
+          </p:cNvPicPr>
+          <p:nvPr/>
+        </p:nvPicPr>
+        <p:blipFill>
+          <a:blip r:embed="rId6"/>
+          <a:stretch>
+            <a:fillRect/>
+          </a:stretch>
+        </p:blipFill>
+        <p:spPr>
+          <a:xfrm>
+            <a:off x="7796693" y="3429000"/>
+            <a:ext cx="3557107" cy="1278210"/>
+          </a:xfrm>
+          <a:prstGeom prst="rect">
+            <a:avLst/>
+          </a:prstGeom>
+        </p:spPr>
+      </p:pic>
+      <p:pic>
+        <p:nvPicPr>
+          <p:cNvPr id="16" name="图片 15">
+            <a:extLst>
+              <a:ext uri="{FF2B5EF4-FFF2-40B4-BE49-F238E27FC236}">
+                <a16:creationId xmlns:a16="http://schemas.microsoft.com/office/drawing/2014/main" id="{794A9D4E-6ACD-4460-93C0-34FD300552B4}"/>
+              </a:ext>
+            </a:extLst>
+          </p:cNvPr>
+          <p:cNvPicPr>
+            <a:picLocks noChangeAspect="1"/>
+          </p:cNvPicPr>
+          <p:nvPr/>
+        </p:nvPicPr>
+        <p:blipFill>
+          <a:blip r:embed="rId7"/>
+          <a:stretch>
+            <a:fillRect/>
+          </a:stretch>
+        </p:blipFill>
+        <p:spPr>
+          <a:xfrm>
+            <a:off x="7796693" y="2787606"/>
+            <a:ext cx="3557107" cy="424847"/>
+          </a:xfrm>
+          <a:prstGeom prst="rect">
+            <a:avLst/>
+          </a:prstGeom>
+        </p:spPr>
+      </p:pic>
+      <p:sp>
+        <p:nvSpPr>
+          <p:cNvPr id="17" name="文本框 16">
+            <a:extLst>
+              <a:ext uri="{FF2B5EF4-FFF2-40B4-BE49-F238E27FC236}">
+                <a16:creationId xmlns:a16="http://schemas.microsoft.com/office/drawing/2014/main" id="{485D23B0-E91D-45FA-8315-0981E024B878}"/>
+              </a:ext>
+            </a:extLst>
+          </p:cNvPr>
+          <p:cNvSpPr txBox="1"/>
+          <p:nvPr/>
+        </p:nvSpPr>
+        <p:spPr>
+          <a:xfrm>
+            <a:off x="7039172" y="2729277"/>
+            <a:ext cx="362600" cy="2677656"/>
+          </a:xfrm>
+          <a:prstGeom prst="rect">
+            <a:avLst/>
+          </a:prstGeom>
+          <a:noFill/>
+        </p:spPr>
+        <p:txBody>
+          <a:bodyPr wrap="none" rtlCol="0">
+            <a:spAutoFit/>
+          </a:bodyPr>
+          <a:lstStyle/>
+          <a:p>
+            <a:r>
+              <a:rPr lang="en-US" altLang="zh-CN" sz="2400" dirty="0"/>
+              <a:t>A</a:t>
+            </a:r>
+          </a:p>
+          <a:p>
+            <a:endParaRPr lang="en-US" altLang="zh-CN" sz="2400" dirty="0"/>
+          </a:p>
+          <a:p>
+            <a:r>
+              <a:rPr lang="en-US" altLang="zh-CN" sz="2400" dirty="0"/>
+              <a:t>B</a:t>
+            </a:r>
+          </a:p>
+          <a:p>
+            <a:endParaRPr lang="en-US" altLang="zh-CN" sz="2400" dirty="0"/>
+          </a:p>
+          <a:p>
+            <a:endParaRPr lang="en-US" altLang="zh-CN" sz="2400" dirty="0"/>
+          </a:p>
+          <a:p>
+            <a:endParaRPr lang="en-US" altLang="zh-CN" sz="2400" dirty="0"/>
+          </a:p>
+          <a:p>
+            <a:r>
+              <a:rPr lang="en-US" altLang="zh-CN" sz="2400" dirty="0"/>
+              <a:t>C</a:t>
+            </a:r>
+          </a:p>
+        </p:txBody>
+      </p:sp>
+    </p:spTree>
+    <p:extLst>
+      <p:ext uri="{BB962C8B-B14F-4D97-AF65-F5344CB8AC3E}">
+        <p14:creationId xmlns:p14="http://schemas.microsoft.com/office/powerpoint/2010/main" val="2704578928"/>
+      </p:ext>
+    </p:extLst>
+  </p:cSld>
+  <p:clrMapOvr>
+    <a:masterClrMapping/>
+  </p:clrMapOvr>
+</p:sld>
+</file>
+
+<file path=ppt/slides/slide28.xml><?xml version="1.0" encoding="utf-8"?>
+<p:sld xmlns:a="http://schemas.openxmlformats.org/drawingml/2006/main" xmlns:r="http://schemas.openxmlformats.org/officeDocument/2006/relationships" xmlns:p="http://schemas.openxmlformats.org/presentationml/2006/main">
+  <p:cSld>
+    <p:spTree>
+      <p:nvGrpSpPr>
+        <p:cNvPr id="1" name=""/>
+        <p:cNvGrpSpPr/>
+        <p:nvPr/>
+      </p:nvGrpSpPr>
+      <p:grpSpPr>
+        <a:xfrm>
+          <a:off x="0" y="0"/>
+          <a:ext cx="0" cy="0"/>
+          <a:chOff x="0" y="0"/>
+          <a:chExt cx="0" cy="0"/>
+        </a:xfrm>
+      </p:grpSpPr>
+      <p:sp>
+        <p:nvSpPr>
+          <p:cNvPr id="2" name="标题 1">
+            <a:extLst>
+              <a:ext uri="{FF2B5EF4-FFF2-40B4-BE49-F238E27FC236}">
+                <a16:creationId xmlns:a16="http://schemas.microsoft.com/office/drawing/2014/main" id="{3DF5CF46-13F7-48A7-9BB4-32736ADD52A4}"/>
+              </a:ext>
+            </a:extLst>
+          </p:cNvPr>
+          <p:cNvSpPr>
+            <a:spLocks noGrp="1"/>
+          </p:cNvSpPr>
+          <p:nvPr>
+            <p:ph type="title"/>
+          </p:nvPr>
+        </p:nvSpPr>
+        <p:spPr/>
+        <p:txBody>
+          <a:bodyPr/>
+          <a:lstStyle/>
+          <a:p>
+            <a:r>
+              <a:rPr lang="en-US" altLang="zh-CN" dirty="0"/>
+              <a:t>Review </a:t>
+            </a:r>
+            <a:endParaRPr lang="zh-CN" altLang="en-US" dirty="0"/>
+          </a:p>
+        </p:txBody>
+      </p:sp>
+      <p:sp>
+        <p:nvSpPr>
+          <p:cNvPr id="3" name="内容占位符 2">
+            <a:extLst>
+              <a:ext uri="{FF2B5EF4-FFF2-40B4-BE49-F238E27FC236}">
+                <a16:creationId xmlns:a16="http://schemas.microsoft.com/office/drawing/2014/main" id="{AA7ADDA5-5D18-43D4-9CE0-02BF35BA26A2}"/>
+              </a:ext>
+            </a:extLst>
+          </p:cNvPr>
+          <p:cNvSpPr>
+            <a:spLocks noGrp="1"/>
+          </p:cNvSpPr>
+          <p:nvPr>
+            <p:ph idx="1"/>
+          </p:nvPr>
+        </p:nvSpPr>
         <p:spPr>
           <a:xfrm>
             <a:off x="838200" y="1690688"/>
@@ -15299,7 +16097,7 @@
 </p:sld>
 </file>
 
-<file path=ppt/slides/slide27.xml><?xml version="1.0" encoding="utf-8"?>
+<file path=ppt/slides/slide29.xml><?xml version="1.0" encoding="utf-8"?>
 <p:sld xmlns:a="http://schemas.openxmlformats.org/drawingml/2006/main" xmlns:r="http://schemas.openxmlformats.org/officeDocument/2006/relationships" xmlns:p="http://schemas.openxmlformats.org/presentationml/2006/main">
   <p:cSld>
     <p:bg>
@@ -15442,7 +16240,7 @@
                 <a16:creationId xmlns:a16="http://schemas.microsoft.com/office/drawing/2014/main" id="{CF62D2A7-8207-488C-9F46-316BA81A16C8}"/>
               </a:ext>
               <a:ext uri="{C183D7F6-B498-43B3-948B-1728B52AA6E4}">
-                <adec:decorative xmlns:adec="http://schemas.microsoft.com/office/drawing/2017/decorative" val="1"/>
+                <adec:decorative xmlns:adec="http://schemas.microsoft.com/office/drawing/2017/decorative" xmlns="" val="1"/>
               </a:ext>
             </a:extLst>
           </p:cNvPr>
@@ -15789,177 +16587,6 @@
 </p:sld>
 </file>
 
-<file path=ppt/slides/slide28.xml><?xml version="1.0" encoding="utf-8"?>
-<p:sld xmlns:a="http://schemas.openxmlformats.org/drawingml/2006/main" xmlns:r="http://schemas.openxmlformats.org/officeDocument/2006/relationships" xmlns:p="http://schemas.openxmlformats.org/presentationml/2006/main">
-  <p:cSld>
-    <p:spTree>
-      <p:nvGrpSpPr>
-        <p:cNvPr id="1" name=""/>
-        <p:cNvGrpSpPr/>
-        <p:nvPr/>
-      </p:nvGrpSpPr>
-      <p:grpSpPr>
-        <a:xfrm>
-          <a:off x="0" y="0"/>
-          <a:ext cx="0" cy="0"/>
-          <a:chOff x="0" y="0"/>
-          <a:chExt cx="0" cy="0"/>
-        </a:xfrm>
-      </p:grpSpPr>
-      <p:sp>
-        <p:nvSpPr>
-          <p:cNvPr id="2" name="标题 1">
-            <a:extLst>
-              <a:ext uri="{FF2B5EF4-FFF2-40B4-BE49-F238E27FC236}">
-                <a16:creationId xmlns:a16="http://schemas.microsoft.com/office/drawing/2014/main" id="{E8847A54-2841-4DF9-BB7E-38FDC81796BC}"/>
-              </a:ext>
-            </a:extLst>
-          </p:cNvPr>
-          <p:cNvSpPr>
-            <a:spLocks noGrp="1"/>
-          </p:cNvSpPr>
-          <p:nvPr>
-            <p:ph type="title"/>
-          </p:nvPr>
-        </p:nvSpPr>
-        <p:spPr/>
-        <p:txBody>
-          <a:bodyPr/>
-          <a:lstStyle/>
-          <a:p>
-            <a:r>
-              <a:rPr lang="en-US" dirty="0"/>
-              <a:t>Group Work</a:t>
-            </a:r>
-          </a:p>
-        </p:txBody>
-      </p:sp>
-      <p:sp>
-        <p:nvSpPr>
-          <p:cNvPr id="3" name="内容占位符 2">
-            <a:extLst>
-              <a:ext uri="{FF2B5EF4-FFF2-40B4-BE49-F238E27FC236}">
-                <a16:creationId xmlns:a16="http://schemas.microsoft.com/office/drawing/2014/main" id="{9CEF265B-E04E-44C3-80E3-2E6D1B621519}"/>
-              </a:ext>
-            </a:extLst>
-          </p:cNvPr>
-          <p:cNvSpPr>
-            <a:spLocks noGrp="1"/>
-          </p:cNvSpPr>
-          <p:nvPr>
-            <p:ph idx="1"/>
-          </p:nvPr>
-        </p:nvSpPr>
-        <p:spPr/>
-        <p:txBody>
-          <a:bodyPr>
-            <a:normAutofit lnSpcReduction="10000"/>
-          </a:bodyPr>
-          <a:lstStyle/>
-          <a:p>
-            <a:r>
-              <a:rPr lang="en-US" dirty="0"/>
-              <a:t>Copy the </a:t>
-            </a:r>
-            <a:r>
-              <a:rPr lang="en-US" i="1" dirty="0"/>
-              <a:t>bootstrap.css </a:t>
-            </a:r>
-            <a:r>
-              <a:rPr lang="en-US" dirty="0"/>
-              <a:t>and </a:t>
-            </a:r>
-            <a:r>
-              <a:rPr lang="en-US" i="1" dirty="0"/>
-              <a:t>bootstrap-grid.css </a:t>
-            </a:r>
-            <a:r>
-              <a:rPr lang="zh-CN" altLang="en-US" i="1" dirty="0"/>
-              <a:t>（</a:t>
-            </a:r>
-            <a:r>
-              <a:rPr lang="en-US" altLang="zh-CN" i="1" dirty="0"/>
-              <a:t>mycss.css is alternative</a:t>
-            </a:r>
-            <a:r>
-              <a:rPr lang="zh-CN" altLang="en-US" i="1" dirty="0"/>
-              <a:t>）</a:t>
-            </a:r>
-            <a:r>
-              <a:rPr lang="en-US" dirty="0"/>
-              <a:t>to your folder.</a:t>
-            </a:r>
-          </a:p>
-          <a:p>
-            <a:r>
-              <a:rPr lang="en-US" dirty="0"/>
-              <a:t>Add them to your link-stylesheet.</a:t>
-            </a:r>
-          </a:p>
-          <a:p>
-            <a:r>
-              <a:rPr lang="en-US" dirty="0"/>
-              <a:t>Try to use some fancy UI to develop your profile.</a:t>
-            </a:r>
-          </a:p>
-          <a:p>
-            <a:r>
-              <a:rPr lang="en-US" altLang="zh-CN" dirty="0"/>
-              <a:t>Because we haven’t learnt JavaScript, we may not be able to use the dynamic UI now. But don’t worry, we will cover </a:t>
-            </a:r>
-            <a:r>
-              <a:rPr lang="en-US" altLang="zh-CN"/>
-              <a:t>it very soon!</a:t>
-            </a:r>
-            <a:endParaRPr lang="en-US" dirty="0"/>
-          </a:p>
-          <a:p>
-            <a:r>
-              <a:rPr lang="en-US" dirty="0"/>
-              <a:t>HOW to use? </a:t>
-            </a:r>
-            <a:r>
-              <a:rPr lang="en-US" dirty="0">
-                <a:hlinkClick r:id="rId2"/>
-              </a:rPr>
-              <a:t>https://v4.bootcss.com/docs/4.0/getting-started/introduction/</a:t>
-            </a:r>
-            <a:endParaRPr lang="en-US" dirty="0"/>
-          </a:p>
-          <a:p>
-            <a:endParaRPr lang="en-US" dirty="0"/>
-          </a:p>
-          <a:p>
-            <a:r>
-              <a:rPr lang="en-US" dirty="0"/>
-              <a:t>Example: </a:t>
-            </a:r>
-            <a:r>
-              <a:rPr lang="en-US" i="1" dirty="0"/>
-              <a:t>bootstrapExample.html</a:t>
-            </a:r>
-          </a:p>
-          <a:p>
-            <a:endParaRPr lang="en-US" dirty="0"/>
-          </a:p>
-          <a:p>
-            <a:endParaRPr lang="en-US" dirty="0"/>
-          </a:p>
-        </p:txBody>
-      </p:sp>
-    </p:spTree>
-    <p:extLst>
-      <p:ext uri="{BB962C8B-B14F-4D97-AF65-F5344CB8AC3E}">
-        <p14:creationId xmlns:p14="http://schemas.microsoft.com/office/powerpoint/2010/main" val="1856758121"/>
-      </p:ext>
-    </p:extLst>
-  </p:cSld>
-  <p:clrMapOvr>
-    <a:masterClrMapping/>
-  </p:clrMapOvr>
-</p:sld>
-</file>
-
 <file path=ppt/slides/slide3.xml><?xml version="1.0" encoding="utf-8"?>
 <p:sld xmlns:a="http://schemas.openxmlformats.org/drawingml/2006/main" xmlns:r="http://schemas.openxmlformats.org/officeDocument/2006/relationships" xmlns:p="http://schemas.openxmlformats.org/presentationml/2006/main">
   <p:cSld>
@@ -16094,6 +16721,177 @@
     <p:extLst>
       <p:ext uri="{BB962C8B-B14F-4D97-AF65-F5344CB8AC3E}">
         <p14:creationId xmlns:p14="http://schemas.microsoft.com/office/powerpoint/2010/main" val="2942489632"/>
+      </p:ext>
+    </p:extLst>
+  </p:cSld>
+  <p:clrMapOvr>
+    <a:masterClrMapping/>
+  </p:clrMapOvr>
+</p:sld>
+</file>
+
+<file path=ppt/slides/slide30.xml><?xml version="1.0" encoding="utf-8"?>
+<p:sld xmlns:a="http://schemas.openxmlformats.org/drawingml/2006/main" xmlns:r="http://schemas.openxmlformats.org/officeDocument/2006/relationships" xmlns:p="http://schemas.openxmlformats.org/presentationml/2006/main">
+  <p:cSld>
+    <p:spTree>
+      <p:nvGrpSpPr>
+        <p:cNvPr id="1" name=""/>
+        <p:cNvGrpSpPr/>
+        <p:nvPr/>
+      </p:nvGrpSpPr>
+      <p:grpSpPr>
+        <a:xfrm>
+          <a:off x="0" y="0"/>
+          <a:ext cx="0" cy="0"/>
+          <a:chOff x="0" y="0"/>
+          <a:chExt cx="0" cy="0"/>
+        </a:xfrm>
+      </p:grpSpPr>
+      <p:sp>
+        <p:nvSpPr>
+          <p:cNvPr id="2" name="标题 1">
+            <a:extLst>
+              <a:ext uri="{FF2B5EF4-FFF2-40B4-BE49-F238E27FC236}">
+                <a16:creationId xmlns:a16="http://schemas.microsoft.com/office/drawing/2014/main" id="{E8847A54-2841-4DF9-BB7E-38FDC81796BC}"/>
+              </a:ext>
+            </a:extLst>
+          </p:cNvPr>
+          <p:cNvSpPr>
+            <a:spLocks noGrp="1"/>
+          </p:cNvSpPr>
+          <p:nvPr>
+            <p:ph type="title"/>
+          </p:nvPr>
+        </p:nvSpPr>
+        <p:spPr/>
+        <p:txBody>
+          <a:bodyPr/>
+          <a:lstStyle/>
+          <a:p>
+            <a:r>
+              <a:rPr lang="en-US" dirty="0"/>
+              <a:t>Group Work</a:t>
+            </a:r>
+          </a:p>
+        </p:txBody>
+      </p:sp>
+      <p:sp>
+        <p:nvSpPr>
+          <p:cNvPr id="3" name="内容占位符 2">
+            <a:extLst>
+              <a:ext uri="{FF2B5EF4-FFF2-40B4-BE49-F238E27FC236}">
+                <a16:creationId xmlns:a16="http://schemas.microsoft.com/office/drawing/2014/main" id="{9CEF265B-E04E-44C3-80E3-2E6D1B621519}"/>
+              </a:ext>
+            </a:extLst>
+          </p:cNvPr>
+          <p:cNvSpPr>
+            <a:spLocks noGrp="1"/>
+          </p:cNvSpPr>
+          <p:nvPr>
+            <p:ph idx="1"/>
+          </p:nvPr>
+        </p:nvSpPr>
+        <p:spPr/>
+        <p:txBody>
+          <a:bodyPr>
+            <a:normAutofit lnSpcReduction="10000"/>
+          </a:bodyPr>
+          <a:lstStyle/>
+          <a:p>
+            <a:r>
+              <a:rPr lang="en-US" dirty="0"/>
+              <a:t>Copy the </a:t>
+            </a:r>
+            <a:r>
+              <a:rPr lang="en-US" i="1" dirty="0"/>
+              <a:t>bootstrap.css </a:t>
+            </a:r>
+            <a:r>
+              <a:rPr lang="en-US" dirty="0"/>
+              <a:t>and </a:t>
+            </a:r>
+            <a:r>
+              <a:rPr lang="en-US" i="1" dirty="0"/>
+              <a:t>bootstrap-grid.css </a:t>
+            </a:r>
+            <a:r>
+              <a:rPr lang="zh-CN" altLang="en-US" i="1" dirty="0"/>
+              <a:t>（</a:t>
+            </a:r>
+            <a:r>
+              <a:rPr lang="en-US" altLang="zh-CN" i="1" dirty="0"/>
+              <a:t>mycss.css is alternative</a:t>
+            </a:r>
+            <a:r>
+              <a:rPr lang="zh-CN" altLang="en-US" i="1" dirty="0"/>
+              <a:t>）</a:t>
+            </a:r>
+            <a:r>
+              <a:rPr lang="en-US" dirty="0"/>
+              <a:t>to your folder.</a:t>
+            </a:r>
+          </a:p>
+          <a:p>
+            <a:r>
+              <a:rPr lang="en-US" dirty="0"/>
+              <a:t>Add them to your link-stylesheet.</a:t>
+            </a:r>
+          </a:p>
+          <a:p>
+            <a:r>
+              <a:rPr lang="en-US" dirty="0"/>
+              <a:t>Try to use some fancy UI to develop your profile.</a:t>
+            </a:r>
+          </a:p>
+          <a:p>
+            <a:r>
+              <a:rPr lang="en-US" altLang="zh-CN" dirty="0"/>
+              <a:t>Because we haven’t learnt JavaScript, we may not be able to use the dynamic UI now. But don’t worry, we will cover </a:t>
+            </a:r>
+            <a:r>
+              <a:rPr lang="en-US" altLang="zh-CN"/>
+              <a:t>it very soon!</a:t>
+            </a:r>
+            <a:endParaRPr lang="en-US" dirty="0"/>
+          </a:p>
+          <a:p>
+            <a:r>
+              <a:rPr lang="en-US" dirty="0"/>
+              <a:t>HOW to use? </a:t>
+            </a:r>
+            <a:r>
+              <a:rPr lang="en-US" dirty="0">
+                <a:hlinkClick r:id="rId2"/>
+              </a:rPr>
+              <a:t>https://v4.bootcss.com/docs/4.0/getting-started/introduction/</a:t>
+            </a:r>
+            <a:endParaRPr lang="en-US" dirty="0"/>
+          </a:p>
+          <a:p>
+            <a:endParaRPr lang="en-US" dirty="0"/>
+          </a:p>
+          <a:p>
+            <a:r>
+              <a:rPr lang="en-US" dirty="0"/>
+              <a:t>Example: </a:t>
+            </a:r>
+            <a:r>
+              <a:rPr lang="en-US" i="1" dirty="0"/>
+              <a:t>bootstrapExample.html</a:t>
+            </a:r>
+          </a:p>
+          <a:p>
+            <a:endParaRPr lang="en-US" dirty="0"/>
+          </a:p>
+          <a:p>
+            <a:endParaRPr lang="en-US" dirty="0"/>
+          </a:p>
+        </p:txBody>
+      </p:sp>
+    </p:spTree>
+    <p:extLst>
+      <p:ext uri="{BB962C8B-B14F-4D97-AF65-F5344CB8AC3E}">
+        <p14:creationId xmlns:p14="http://schemas.microsoft.com/office/powerpoint/2010/main" val="1856758121"/>
       </p:ext>
     </p:extLst>
   </p:cSld>
@@ -16139,7 +16937,7 @@
                 <a16:creationId xmlns:a16="http://schemas.microsoft.com/office/drawing/2014/main" id="{EE1FC7B4-E4A7-4452-B413-1A623E3A7230}"/>
               </a:ext>
               <a:ext uri="{C183D7F6-B498-43B3-948B-1728B52AA6E4}">
-                <adec:decorative xmlns:adec="http://schemas.microsoft.com/office/drawing/2017/decorative" val="1"/>
+                <adec:decorative xmlns:adec="http://schemas.microsoft.com/office/drawing/2017/decorative" xmlns="" val="1"/>
               </a:ext>
             </a:extLst>
           </p:cNvPr>
@@ -16204,7 +17002,7 @@
                 <a16:creationId xmlns:a16="http://schemas.microsoft.com/office/drawing/2014/main" id="{E0709AF0-24F0-4486-B189-BE6386BDB198}"/>
               </a:ext>
               <a:ext uri="{C183D7F6-B498-43B3-948B-1728B52AA6E4}">
-                <adec:decorative xmlns:adec="http://schemas.microsoft.com/office/drawing/2017/decorative" val="1"/>
+                <adec:decorative xmlns:adec="http://schemas.microsoft.com/office/drawing/2017/decorative" xmlns="" val="1"/>
               </a:ext>
             </a:extLst>
           </p:cNvPr>
@@ -16312,7 +17110,7 @@
                 <a16:creationId xmlns:a16="http://schemas.microsoft.com/office/drawing/2014/main" id="{FBE3B62F-5853-4A3C-B050-6186351A7176}"/>
               </a:ext>
               <a:ext uri="{C183D7F6-B498-43B3-948B-1728B52AA6E4}">
-                <adec:decorative xmlns:adec="http://schemas.microsoft.com/office/drawing/2017/decorative" val="1"/>
+                <adec:decorative xmlns:adec="http://schemas.microsoft.com/office/drawing/2017/decorative" xmlns="" val="1"/>
               </a:ext>
             </a:extLst>
           </p:cNvPr>
